--- a/static/handouts/supplemental-materials.pptx
+++ b/static/handouts/supplemental-materials.pptx
@@ -5,18 +5,16 @@
     <p:sldMasterId id="2147483660" r:id="rId1"/>
   </p:sldMasterIdLst>
   <p:notesMasterIdLst>
-    <p:notesMasterId r:id="rId11"/>
+    <p:notesMasterId r:id="rId9"/>
   </p:notesMasterIdLst>
   <p:sldIdLst>
     <p:sldId id="264" r:id="rId2"/>
     <p:sldId id="259" r:id="rId3"/>
     <p:sldId id="265" r:id="rId4"/>
     <p:sldId id="262" r:id="rId5"/>
-    <p:sldId id="269" r:id="rId6"/>
-    <p:sldId id="270" r:id="rId7"/>
-    <p:sldId id="257" r:id="rId8"/>
-    <p:sldId id="261" r:id="rId9"/>
-    <p:sldId id="263" r:id="rId10"/>
+    <p:sldId id="270" r:id="rId6"/>
+    <p:sldId id="261" r:id="rId7"/>
+    <p:sldId id="269" r:id="rId8"/>
   </p:sldIdLst>
   <p:sldSz cx="6858000" cy="9144000" type="letter"/>
   <p:notesSz cx="6858000" cy="9144000"/>
@@ -117,7 +115,18 @@
   </p:defaultTextStyle>
   <p:extLst>
     <p:ext uri="{EFAFB233-063F-42B5-8137-9DF3F51BA10A}">
-      <p15:sldGuideLst xmlns="" xmlns:p15="http://schemas.microsoft.com/office/powerpoint/2012/main"/>
+      <p15:sldGuideLst xmlns:p15="http://schemas.microsoft.com/office/powerpoint/2012/main">
+        <p15:guide id="1" orient="horz" pos="2880">
+          <p15:clr>
+            <a:srgbClr val="A4A3A4"/>
+          </p15:clr>
+        </p15:guide>
+        <p15:guide id="2" pos="2160">
+          <p15:clr>
+            <a:srgbClr val="A4A3A4"/>
+          </p15:clr>
+        </p15:guide>
+      </p15:sldGuideLst>
     </p:ext>
   </p:extLst>
 </p:presentation>
@@ -205,7 +214,7 @@
           <a:p>
             <a:fld id="{BFAC87FD-35B9-C849-B94A-A03976F581A2}" type="datetimeFigureOut">
               <a:rPr lang="en-US" smtClean="0"/>
-              <a:t>10/15/2018</a:t>
+              <a:t>10/16/2018</a:t>
             </a:fld>
             <a:endParaRPr lang="en-US"/>
           </a:p>
@@ -269,38 +278,37 @@
           <a:p>
             <a:pPr lvl="0"/>
             <a:r>
-              <a:rPr lang="en-US" smtClean="0"/>
+              <a:rPr lang="en-US"/>
               <a:t>Click to edit Master text styles</a:t>
             </a:r>
           </a:p>
           <a:p>
             <a:pPr lvl="1"/>
             <a:r>
-              <a:rPr lang="en-US" smtClean="0"/>
+              <a:rPr lang="en-US"/>
               <a:t>Second level</a:t>
             </a:r>
           </a:p>
           <a:p>
             <a:pPr lvl="2"/>
             <a:r>
-              <a:rPr lang="en-US" smtClean="0"/>
+              <a:rPr lang="en-US"/>
               <a:t>Third level</a:t>
             </a:r>
           </a:p>
           <a:p>
             <a:pPr lvl="3"/>
             <a:r>
-              <a:rPr lang="en-US" smtClean="0"/>
+              <a:rPr lang="en-US"/>
               <a:t>Fourth level</a:t>
             </a:r>
           </a:p>
           <a:p>
             <a:pPr lvl="4"/>
             <a:r>
-              <a:rPr lang="en-US" smtClean="0"/>
+              <a:rPr lang="en-US"/>
               <a:t>Fifth level</a:t>
             </a:r>
-            <a:endParaRPr lang="en-US"/>
           </a:p>
         </p:txBody>
       </p:sp>
@@ -515,7 +523,7 @@
           </a:lstStyle>
           <a:p>
             <a:r>
-              <a:rPr lang="en-US" smtClean="0"/>
+              <a:rPr lang="en-US"/>
               <a:t>Click to edit Master title style</a:t>
             </a:r>
             <a:endParaRPr lang="en-US" dirty="0"/>
@@ -580,7 +588,7 @@
           </a:lstStyle>
           <a:p>
             <a:r>
-              <a:rPr lang="en-US" smtClean="0"/>
+              <a:rPr lang="en-US"/>
               <a:t>Click to edit Master subtitle style</a:t>
             </a:r>
             <a:endParaRPr lang="en-US" dirty="0"/>
@@ -604,7 +612,7 @@
           <a:p>
             <a:fld id="{CDB5708F-84DE-6F4A-9412-DD0B527C05D2}" type="datetimeFigureOut">
               <a:rPr lang="en-US" smtClean="0"/>
-              <a:t>10/15/2018</a:t>
+              <a:t>10/16/2018</a:t>
             </a:fld>
             <a:endParaRPr lang="en-US"/>
           </a:p>
@@ -693,7 +701,7 @@
           <a:lstStyle/>
           <a:p>
             <a:r>
-              <a:rPr lang="en-US" smtClean="0"/>
+              <a:rPr lang="en-US"/>
               <a:t>Click to edit Master title style</a:t>
             </a:r>
             <a:endParaRPr lang="en-US" dirty="0"/>
@@ -717,35 +725,35 @@
           <a:p>
             <a:pPr lvl="0"/>
             <a:r>
-              <a:rPr lang="en-US" smtClean="0"/>
+              <a:rPr lang="en-US"/>
               <a:t>Click to edit Master text styles</a:t>
             </a:r>
           </a:p>
           <a:p>
             <a:pPr lvl="1"/>
             <a:r>
-              <a:rPr lang="en-US" smtClean="0"/>
+              <a:rPr lang="en-US"/>
               <a:t>Second level</a:t>
             </a:r>
           </a:p>
           <a:p>
             <a:pPr lvl="2"/>
             <a:r>
-              <a:rPr lang="en-US" smtClean="0"/>
+              <a:rPr lang="en-US"/>
               <a:t>Third level</a:t>
             </a:r>
           </a:p>
           <a:p>
             <a:pPr lvl="3"/>
             <a:r>
-              <a:rPr lang="en-US" smtClean="0"/>
+              <a:rPr lang="en-US"/>
               <a:t>Fourth level</a:t>
             </a:r>
           </a:p>
           <a:p>
             <a:pPr lvl="4"/>
             <a:r>
-              <a:rPr lang="en-US" smtClean="0"/>
+              <a:rPr lang="en-US"/>
               <a:t>Fifth level</a:t>
             </a:r>
             <a:endParaRPr lang="en-US" dirty="0"/>
@@ -769,7 +777,7 @@
           <a:p>
             <a:fld id="{CDB5708F-84DE-6F4A-9412-DD0B527C05D2}" type="datetimeFigureOut">
               <a:rPr lang="en-US" smtClean="0"/>
-              <a:t>10/15/2018</a:t>
+              <a:t>10/16/2018</a:t>
             </a:fld>
             <a:endParaRPr lang="en-US"/>
           </a:p>
@@ -863,7 +871,7 @@
           <a:lstStyle/>
           <a:p>
             <a:r>
-              <a:rPr lang="en-US" smtClean="0"/>
+              <a:rPr lang="en-US"/>
               <a:t>Click to edit Master title style</a:t>
             </a:r>
             <a:endParaRPr lang="en-US" dirty="0"/>
@@ -892,35 +900,35 @@
           <a:p>
             <a:pPr lvl="0"/>
             <a:r>
-              <a:rPr lang="en-US" smtClean="0"/>
+              <a:rPr lang="en-US"/>
               <a:t>Click to edit Master text styles</a:t>
             </a:r>
           </a:p>
           <a:p>
             <a:pPr lvl="1"/>
             <a:r>
-              <a:rPr lang="en-US" smtClean="0"/>
+              <a:rPr lang="en-US"/>
               <a:t>Second level</a:t>
             </a:r>
           </a:p>
           <a:p>
             <a:pPr lvl="2"/>
             <a:r>
-              <a:rPr lang="en-US" smtClean="0"/>
+              <a:rPr lang="en-US"/>
               <a:t>Third level</a:t>
             </a:r>
           </a:p>
           <a:p>
             <a:pPr lvl="3"/>
             <a:r>
-              <a:rPr lang="en-US" smtClean="0"/>
+              <a:rPr lang="en-US"/>
               <a:t>Fourth level</a:t>
             </a:r>
           </a:p>
           <a:p>
             <a:pPr lvl="4"/>
             <a:r>
-              <a:rPr lang="en-US" smtClean="0"/>
+              <a:rPr lang="en-US"/>
               <a:t>Fifth level</a:t>
             </a:r>
             <a:endParaRPr lang="en-US" dirty="0"/>
@@ -944,7 +952,7 @@
           <a:p>
             <a:fld id="{CDB5708F-84DE-6F4A-9412-DD0B527C05D2}" type="datetimeFigureOut">
               <a:rPr lang="en-US" smtClean="0"/>
-              <a:t>10/15/2018</a:t>
+              <a:t>10/16/2018</a:t>
             </a:fld>
             <a:endParaRPr lang="en-US"/>
           </a:p>
@@ -1033,7 +1041,7 @@
           <a:lstStyle/>
           <a:p>
             <a:r>
-              <a:rPr lang="en-US" smtClean="0"/>
+              <a:rPr lang="en-US"/>
               <a:t>Click to edit Master title style</a:t>
             </a:r>
             <a:endParaRPr lang="en-US" dirty="0"/>
@@ -1057,35 +1065,35 @@
           <a:p>
             <a:pPr lvl="0"/>
             <a:r>
-              <a:rPr lang="en-US" smtClean="0"/>
+              <a:rPr lang="en-US"/>
               <a:t>Click to edit Master text styles</a:t>
             </a:r>
           </a:p>
           <a:p>
             <a:pPr lvl="1"/>
             <a:r>
-              <a:rPr lang="en-US" smtClean="0"/>
+              <a:rPr lang="en-US"/>
               <a:t>Second level</a:t>
             </a:r>
           </a:p>
           <a:p>
             <a:pPr lvl="2"/>
             <a:r>
-              <a:rPr lang="en-US" smtClean="0"/>
+              <a:rPr lang="en-US"/>
               <a:t>Third level</a:t>
             </a:r>
           </a:p>
           <a:p>
             <a:pPr lvl="3"/>
             <a:r>
-              <a:rPr lang="en-US" smtClean="0"/>
+              <a:rPr lang="en-US"/>
               <a:t>Fourth level</a:t>
             </a:r>
           </a:p>
           <a:p>
             <a:pPr lvl="4"/>
             <a:r>
-              <a:rPr lang="en-US" smtClean="0"/>
+              <a:rPr lang="en-US"/>
               <a:t>Fifth level</a:t>
             </a:r>
             <a:endParaRPr lang="en-US" dirty="0"/>
@@ -1109,7 +1117,7 @@
           <a:p>
             <a:fld id="{CDB5708F-84DE-6F4A-9412-DD0B527C05D2}" type="datetimeFigureOut">
               <a:rPr lang="en-US" smtClean="0"/>
-              <a:t>10/15/2018</a:t>
+              <a:t>10/16/2018</a:t>
             </a:fld>
             <a:endParaRPr lang="en-US"/>
           </a:p>
@@ -1207,7 +1215,7 @@
           </a:lstStyle>
           <a:p>
             <a:r>
-              <a:rPr lang="en-US" smtClean="0"/>
+              <a:rPr lang="en-US"/>
               <a:t>Click to edit Master title style</a:t>
             </a:r>
             <a:endParaRPr lang="en-US" dirty="0"/>
@@ -1325,7 +1333,7 @@
           <a:p>
             <a:pPr lvl="0"/>
             <a:r>
-              <a:rPr lang="en-US" smtClean="0"/>
+              <a:rPr lang="en-US"/>
               <a:t>Click to edit Master text styles</a:t>
             </a:r>
           </a:p>
@@ -1348,7 +1356,7 @@
           <a:p>
             <a:fld id="{CDB5708F-84DE-6F4A-9412-DD0B527C05D2}" type="datetimeFigureOut">
               <a:rPr lang="en-US" smtClean="0"/>
-              <a:t>10/15/2018</a:t>
+              <a:t>10/16/2018</a:t>
             </a:fld>
             <a:endParaRPr lang="en-US"/>
           </a:p>
@@ -1437,7 +1445,7 @@
           <a:lstStyle/>
           <a:p>
             <a:r>
-              <a:rPr lang="en-US" smtClean="0"/>
+              <a:rPr lang="en-US"/>
               <a:t>Click to edit Master title style</a:t>
             </a:r>
             <a:endParaRPr lang="en-US" dirty="0"/>
@@ -1466,35 +1474,35 @@
           <a:p>
             <a:pPr lvl="0"/>
             <a:r>
-              <a:rPr lang="en-US" smtClean="0"/>
+              <a:rPr lang="en-US"/>
               <a:t>Click to edit Master text styles</a:t>
             </a:r>
           </a:p>
           <a:p>
             <a:pPr lvl="1"/>
             <a:r>
-              <a:rPr lang="en-US" smtClean="0"/>
+              <a:rPr lang="en-US"/>
               <a:t>Second level</a:t>
             </a:r>
           </a:p>
           <a:p>
             <a:pPr lvl="2"/>
             <a:r>
-              <a:rPr lang="en-US" smtClean="0"/>
+              <a:rPr lang="en-US"/>
               <a:t>Third level</a:t>
             </a:r>
           </a:p>
           <a:p>
             <a:pPr lvl="3"/>
             <a:r>
-              <a:rPr lang="en-US" smtClean="0"/>
+              <a:rPr lang="en-US"/>
               <a:t>Fourth level</a:t>
             </a:r>
           </a:p>
           <a:p>
             <a:pPr lvl="4"/>
             <a:r>
-              <a:rPr lang="en-US" smtClean="0"/>
+              <a:rPr lang="en-US"/>
               <a:t>Fifth level</a:t>
             </a:r>
             <a:endParaRPr lang="en-US" dirty="0"/>
@@ -1523,35 +1531,35 @@
           <a:p>
             <a:pPr lvl="0"/>
             <a:r>
-              <a:rPr lang="en-US" smtClean="0"/>
+              <a:rPr lang="en-US"/>
               <a:t>Click to edit Master text styles</a:t>
             </a:r>
           </a:p>
           <a:p>
             <a:pPr lvl="1"/>
             <a:r>
-              <a:rPr lang="en-US" smtClean="0"/>
+              <a:rPr lang="en-US"/>
               <a:t>Second level</a:t>
             </a:r>
           </a:p>
           <a:p>
             <a:pPr lvl="2"/>
             <a:r>
-              <a:rPr lang="en-US" smtClean="0"/>
+              <a:rPr lang="en-US"/>
               <a:t>Third level</a:t>
             </a:r>
           </a:p>
           <a:p>
             <a:pPr lvl="3"/>
             <a:r>
-              <a:rPr lang="en-US" smtClean="0"/>
+              <a:rPr lang="en-US"/>
               <a:t>Fourth level</a:t>
             </a:r>
           </a:p>
           <a:p>
             <a:pPr lvl="4"/>
             <a:r>
-              <a:rPr lang="en-US" smtClean="0"/>
+              <a:rPr lang="en-US"/>
               <a:t>Fifth level</a:t>
             </a:r>
             <a:endParaRPr lang="en-US" dirty="0"/>
@@ -1575,7 +1583,7 @@
           <a:p>
             <a:fld id="{CDB5708F-84DE-6F4A-9412-DD0B527C05D2}" type="datetimeFigureOut">
               <a:rPr lang="en-US" smtClean="0"/>
-              <a:t>10/15/2018</a:t>
+              <a:t>10/16/2018</a:t>
             </a:fld>
             <a:endParaRPr lang="en-US"/>
           </a:p>
@@ -1669,7 +1677,7 @@
           <a:lstStyle/>
           <a:p>
             <a:r>
-              <a:rPr lang="en-US" smtClean="0"/>
+              <a:rPr lang="en-US"/>
               <a:t>Click to edit Master title style</a:t>
             </a:r>
             <a:endParaRPr lang="en-US" dirty="0"/>
@@ -1735,7 +1743,7 @@
           <a:p>
             <a:pPr lvl="0"/>
             <a:r>
-              <a:rPr lang="en-US" smtClean="0"/>
+              <a:rPr lang="en-US"/>
               <a:t>Click to edit Master text styles</a:t>
             </a:r>
           </a:p>
@@ -1763,35 +1771,35 @@
           <a:p>
             <a:pPr lvl="0"/>
             <a:r>
-              <a:rPr lang="en-US" smtClean="0"/>
+              <a:rPr lang="en-US"/>
               <a:t>Click to edit Master text styles</a:t>
             </a:r>
           </a:p>
           <a:p>
             <a:pPr lvl="1"/>
             <a:r>
-              <a:rPr lang="en-US" smtClean="0"/>
+              <a:rPr lang="en-US"/>
               <a:t>Second level</a:t>
             </a:r>
           </a:p>
           <a:p>
             <a:pPr lvl="2"/>
             <a:r>
-              <a:rPr lang="en-US" smtClean="0"/>
+              <a:rPr lang="en-US"/>
               <a:t>Third level</a:t>
             </a:r>
           </a:p>
           <a:p>
             <a:pPr lvl="3"/>
             <a:r>
-              <a:rPr lang="en-US" smtClean="0"/>
+              <a:rPr lang="en-US"/>
               <a:t>Fourth level</a:t>
             </a:r>
           </a:p>
           <a:p>
             <a:pPr lvl="4"/>
             <a:r>
-              <a:rPr lang="en-US" smtClean="0"/>
+              <a:rPr lang="en-US"/>
               <a:t>Fifth level</a:t>
             </a:r>
             <a:endParaRPr lang="en-US" dirty="0"/>
@@ -1857,7 +1865,7 @@
           <a:p>
             <a:pPr lvl="0"/>
             <a:r>
-              <a:rPr lang="en-US" smtClean="0"/>
+              <a:rPr lang="en-US"/>
               <a:t>Click to edit Master text styles</a:t>
             </a:r>
           </a:p>
@@ -1885,35 +1893,35 @@
           <a:p>
             <a:pPr lvl="0"/>
             <a:r>
-              <a:rPr lang="en-US" smtClean="0"/>
+              <a:rPr lang="en-US"/>
               <a:t>Click to edit Master text styles</a:t>
             </a:r>
           </a:p>
           <a:p>
             <a:pPr lvl="1"/>
             <a:r>
-              <a:rPr lang="en-US" smtClean="0"/>
+              <a:rPr lang="en-US"/>
               <a:t>Second level</a:t>
             </a:r>
           </a:p>
           <a:p>
             <a:pPr lvl="2"/>
             <a:r>
-              <a:rPr lang="en-US" smtClean="0"/>
+              <a:rPr lang="en-US"/>
               <a:t>Third level</a:t>
             </a:r>
           </a:p>
           <a:p>
             <a:pPr lvl="3"/>
             <a:r>
-              <a:rPr lang="en-US" smtClean="0"/>
+              <a:rPr lang="en-US"/>
               <a:t>Fourth level</a:t>
             </a:r>
           </a:p>
           <a:p>
             <a:pPr lvl="4"/>
             <a:r>
-              <a:rPr lang="en-US" smtClean="0"/>
+              <a:rPr lang="en-US"/>
               <a:t>Fifth level</a:t>
             </a:r>
             <a:endParaRPr lang="en-US" dirty="0"/>
@@ -1937,7 +1945,7 @@
           <a:p>
             <a:fld id="{CDB5708F-84DE-6F4A-9412-DD0B527C05D2}" type="datetimeFigureOut">
               <a:rPr lang="en-US" smtClean="0"/>
-              <a:t>10/15/2018</a:t>
+              <a:t>10/16/2018</a:t>
             </a:fld>
             <a:endParaRPr lang="en-US"/>
           </a:p>
@@ -2026,7 +2034,7 @@
           <a:lstStyle/>
           <a:p>
             <a:r>
-              <a:rPr lang="en-US" smtClean="0"/>
+              <a:rPr lang="en-US"/>
               <a:t>Click to edit Master title style</a:t>
             </a:r>
             <a:endParaRPr lang="en-US" dirty="0"/>
@@ -2050,7 +2058,7 @@
           <a:p>
             <a:fld id="{CDB5708F-84DE-6F4A-9412-DD0B527C05D2}" type="datetimeFigureOut">
               <a:rPr lang="en-US" smtClean="0"/>
-              <a:t>10/15/2018</a:t>
+              <a:t>10/16/2018</a:t>
             </a:fld>
             <a:endParaRPr lang="en-US"/>
           </a:p>
@@ -2140,7 +2148,7 @@
           <a:p>
             <a:fld id="{CDB5708F-84DE-6F4A-9412-DD0B527C05D2}" type="datetimeFigureOut">
               <a:rPr lang="en-US" smtClean="0"/>
-              <a:t>10/15/2018</a:t>
+              <a:t>10/16/2018</a:t>
             </a:fld>
             <a:endParaRPr lang="en-US"/>
           </a:p>
@@ -2238,7 +2246,7 @@
           </a:lstStyle>
           <a:p>
             <a:r>
-              <a:rPr lang="en-US" smtClean="0"/>
+              <a:rPr lang="en-US"/>
               <a:t>Click to edit Master title style</a:t>
             </a:r>
             <a:endParaRPr lang="en-US" dirty="0"/>
@@ -2295,35 +2303,35 @@
           <a:p>
             <a:pPr lvl="0"/>
             <a:r>
-              <a:rPr lang="en-US" smtClean="0"/>
+              <a:rPr lang="en-US"/>
               <a:t>Click to edit Master text styles</a:t>
             </a:r>
           </a:p>
           <a:p>
             <a:pPr lvl="1"/>
             <a:r>
-              <a:rPr lang="en-US" smtClean="0"/>
+              <a:rPr lang="en-US"/>
               <a:t>Second level</a:t>
             </a:r>
           </a:p>
           <a:p>
             <a:pPr lvl="2"/>
             <a:r>
-              <a:rPr lang="en-US" smtClean="0"/>
+              <a:rPr lang="en-US"/>
               <a:t>Third level</a:t>
             </a:r>
           </a:p>
           <a:p>
             <a:pPr lvl="3"/>
             <a:r>
-              <a:rPr lang="en-US" smtClean="0"/>
+              <a:rPr lang="en-US"/>
               <a:t>Fourth level</a:t>
             </a:r>
           </a:p>
           <a:p>
             <a:pPr lvl="4"/>
             <a:r>
-              <a:rPr lang="en-US" smtClean="0"/>
+              <a:rPr lang="en-US"/>
               <a:t>Fifth level</a:t>
             </a:r>
             <a:endParaRPr lang="en-US" dirty="0"/>
@@ -2389,7 +2397,7 @@
           <a:p>
             <a:pPr lvl="0"/>
             <a:r>
-              <a:rPr lang="en-US" smtClean="0"/>
+              <a:rPr lang="en-US"/>
               <a:t>Click to edit Master text styles</a:t>
             </a:r>
           </a:p>
@@ -2412,7 +2420,7 @@
           <a:p>
             <a:fld id="{CDB5708F-84DE-6F4A-9412-DD0B527C05D2}" type="datetimeFigureOut">
               <a:rPr lang="en-US" smtClean="0"/>
-              <a:t>10/15/2018</a:t>
+              <a:t>10/16/2018</a:t>
             </a:fld>
             <a:endParaRPr lang="en-US"/>
           </a:p>
@@ -2510,7 +2518,7 @@
           </a:lstStyle>
           <a:p>
             <a:r>
-              <a:rPr lang="en-US" smtClean="0"/>
+              <a:rPr lang="en-US"/>
               <a:t>Click to edit Master title style</a:t>
             </a:r>
             <a:endParaRPr lang="en-US" dirty="0"/>
@@ -2575,7 +2583,7 @@
           </a:lstStyle>
           <a:p>
             <a:r>
-              <a:rPr lang="en-US" smtClean="0"/>
+              <a:rPr lang="en-US"/>
               <a:t>Drag picture to placeholder or click icon to add</a:t>
             </a:r>
             <a:endParaRPr lang="en-US" dirty="0"/>
@@ -2641,7 +2649,7 @@
           <a:p>
             <a:pPr lvl="0"/>
             <a:r>
-              <a:rPr lang="en-US" smtClean="0"/>
+              <a:rPr lang="en-US"/>
               <a:t>Click to edit Master text styles</a:t>
             </a:r>
           </a:p>
@@ -2664,7 +2672,7 @@
           <a:p>
             <a:fld id="{CDB5708F-84DE-6F4A-9412-DD0B527C05D2}" type="datetimeFigureOut">
               <a:rPr lang="en-US" smtClean="0"/>
-              <a:t>10/15/2018</a:t>
+              <a:t>10/16/2018</a:t>
             </a:fld>
             <a:endParaRPr lang="en-US"/>
           </a:p>
@@ -2768,7 +2776,7 @@
           <a:lstStyle/>
           <a:p>
             <a:r>
-              <a:rPr lang="en-US" smtClean="0"/>
+              <a:rPr lang="en-US"/>
               <a:t>Click to edit Master title style</a:t>
             </a:r>
             <a:endParaRPr lang="en-US" dirty="0"/>
@@ -2802,35 +2810,35 @@
           <a:p>
             <a:pPr lvl="0"/>
             <a:r>
-              <a:rPr lang="en-US" smtClean="0"/>
+              <a:rPr lang="en-US"/>
               <a:t>Click to edit Master text styles</a:t>
             </a:r>
           </a:p>
           <a:p>
             <a:pPr lvl="1"/>
             <a:r>
-              <a:rPr lang="en-US" smtClean="0"/>
+              <a:rPr lang="en-US"/>
               <a:t>Second level</a:t>
             </a:r>
           </a:p>
           <a:p>
             <a:pPr lvl="2"/>
             <a:r>
-              <a:rPr lang="en-US" smtClean="0"/>
+              <a:rPr lang="en-US"/>
               <a:t>Third level</a:t>
             </a:r>
           </a:p>
           <a:p>
             <a:pPr lvl="3"/>
             <a:r>
-              <a:rPr lang="en-US" smtClean="0"/>
+              <a:rPr lang="en-US"/>
               <a:t>Fourth level</a:t>
             </a:r>
           </a:p>
           <a:p>
             <a:pPr lvl="4"/>
             <a:r>
-              <a:rPr lang="en-US" smtClean="0"/>
+              <a:rPr lang="en-US"/>
               <a:t>Fifth level</a:t>
             </a:r>
             <a:endParaRPr lang="en-US" dirty="0"/>
@@ -2872,7 +2880,7 @@
           <a:p>
             <a:fld id="{CDB5708F-84DE-6F4A-9412-DD0B527C05D2}" type="datetimeFigureOut">
               <a:rPr lang="en-US" smtClean="0"/>
-              <a:t>10/15/2018</a:t>
+              <a:t>10/16/2018</a:t>
             </a:fld>
             <a:endParaRPr lang="en-US"/>
           </a:p>
@@ -3300,17 +3308,16 @@
           <a:lstStyle/>
           <a:p>
             <a:r>
-              <a:rPr lang="en-US" sz="1400" b="1" dirty="0" smtClean="0"/>
+              <a:rPr lang="en-US" sz="1400" b="1" dirty="0"/>
               <a:t>SSA 200</a:t>
             </a:r>
             <a:br>
-              <a:rPr lang="en-US" sz="1400" b="1" dirty="0" smtClean="0"/>
+              <a:rPr lang="en-US" sz="1400" b="1" dirty="0"/>
             </a:br>
             <a:r>
-              <a:rPr lang="en-US" sz="1400" b="1" dirty="0" smtClean="0"/>
+              <a:rPr lang="en-US" sz="1400" b="1" dirty="0"/>
               <a:t>Quantitative Tools for SSA</a:t>
             </a:r>
-            <a:endParaRPr lang="en-US" sz="1400" b="1" dirty="0"/>
           </a:p>
         </p:txBody>
       </p:sp>
@@ -3357,17 +3364,177 @@
           <a:p>
             <a:pPr algn="r"/>
             <a:r>
-              <a:rPr lang="en-US" sz="1400" b="1" dirty="0" smtClean="0"/>
+              <a:rPr lang="en-US" sz="1400" b="1" dirty="0"/>
               <a:t>Oct 23-24, 2018</a:t>
             </a:r>
           </a:p>
           <a:p>
             <a:pPr algn="r"/>
             <a:r>
-              <a:rPr lang="en-US" sz="1400" b="1" dirty="0" smtClean="0"/>
+              <a:rPr lang="en-US" sz="1400" b="1" dirty="0"/>
               <a:t>Houston, TX</a:t>
             </a:r>
-            <a:endParaRPr lang="en-US" sz="1400" b="1" dirty="0"/>
+          </a:p>
+        </p:txBody>
+      </p:sp>
+      <p:pic>
+        <p:nvPicPr>
+          <p:cNvPr id="5" name="Picture 4">
+            <a:extLst>
+              <a:ext uri="{FF2B5EF4-FFF2-40B4-BE49-F238E27FC236}">
+                <a16:creationId xmlns:a16="http://schemas.microsoft.com/office/drawing/2014/main" id="{6B506F4F-912C-4CC7-92D6-10C4B2F380E0}"/>
+              </a:ext>
+            </a:extLst>
+          </p:cNvPr>
+          <p:cNvPicPr>
+            <a:picLocks noChangeAspect="1"/>
+          </p:cNvPicPr>
+          <p:nvPr/>
+        </p:nvPicPr>
+        <p:blipFill>
+          <a:blip r:embed="rId2"/>
+          <a:stretch>
+            <a:fillRect/>
+          </a:stretch>
+        </p:blipFill>
+        <p:spPr>
+          <a:xfrm>
+            <a:off x="5023413" y="7915492"/>
+            <a:ext cx="1739096" cy="956240"/>
+          </a:xfrm>
+          <a:prstGeom prst="rect">
+            <a:avLst/>
+          </a:prstGeom>
+        </p:spPr>
+      </p:pic>
+      <p:pic>
+        <p:nvPicPr>
+          <p:cNvPr id="7" name="Picture 6">
+            <a:extLst>
+              <a:ext uri="{FF2B5EF4-FFF2-40B4-BE49-F238E27FC236}">
+                <a16:creationId xmlns:a16="http://schemas.microsoft.com/office/drawing/2014/main" id="{5CCF3819-3FC5-490A-8A74-EF7AF37C9510}"/>
+              </a:ext>
+            </a:extLst>
+          </p:cNvPr>
+          <p:cNvPicPr>
+            <a:picLocks noChangeAspect="1"/>
+          </p:cNvPicPr>
+          <p:nvPr/>
+        </p:nvPicPr>
+        <p:blipFill>
+          <a:blip r:embed="rId3"/>
+          <a:stretch>
+            <a:fillRect/>
+          </a:stretch>
+        </p:blipFill>
+        <p:spPr>
+          <a:xfrm>
+            <a:off x="4164819" y="8007568"/>
+            <a:ext cx="673399" cy="801665"/>
+          </a:xfrm>
+          <a:prstGeom prst="rect">
+            <a:avLst/>
+          </a:prstGeom>
+        </p:spPr>
+      </p:pic>
+      <p:sp>
+        <p:nvSpPr>
+          <p:cNvPr id="8" name="TextBox 7">
+            <a:extLst>
+              <a:ext uri="{FF2B5EF4-FFF2-40B4-BE49-F238E27FC236}">
+                <a16:creationId xmlns:a16="http://schemas.microsoft.com/office/drawing/2014/main" id="{0AD60670-1150-42E9-98A2-EBD4DF752833}"/>
+              </a:ext>
+            </a:extLst>
+          </p:cNvPr>
+          <p:cNvSpPr txBox="1"/>
+          <p:nvPr/>
+        </p:nvSpPr>
+        <p:spPr>
+          <a:xfrm>
+            <a:off x="471488" y="1284790"/>
+            <a:ext cx="5915025" cy="461665"/>
+          </a:xfrm>
+          <a:prstGeom prst="rect">
+            <a:avLst/>
+          </a:prstGeom>
+          <a:noFill/>
+        </p:spPr>
+        <p:txBody>
+          <a:bodyPr wrap="square" rtlCol="0">
+            <a:spAutoFit/>
+          </a:bodyPr>
+          <a:lstStyle/>
+          <a:p>
+            <a:r>
+              <a:rPr lang="en-US" sz="1200" dirty="0"/>
+              <a:t>Lectures, activities, and additional supplementary materials are available online at:  </a:t>
+            </a:r>
+            <a:r>
+              <a:rPr lang="en-US" sz="1200" b="1" dirty="0"/>
+              <a:t>annamtucker.github.io/ssa-200</a:t>
+            </a:r>
+          </a:p>
+        </p:txBody>
+      </p:sp>
+      <p:sp>
+        <p:nvSpPr>
+          <p:cNvPr id="9" name="TextBox 8">
+            <a:extLst>
+              <a:ext uri="{FF2B5EF4-FFF2-40B4-BE49-F238E27FC236}">
+                <a16:creationId xmlns:a16="http://schemas.microsoft.com/office/drawing/2014/main" id="{C1378126-7054-46AC-958F-B9168C8663EF}"/>
+              </a:ext>
+            </a:extLst>
+          </p:cNvPr>
+          <p:cNvSpPr txBox="1"/>
+          <p:nvPr/>
+        </p:nvSpPr>
+        <p:spPr>
+          <a:xfrm>
+            <a:off x="196770" y="7992056"/>
+            <a:ext cx="3460830" cy="830997"/>
+          </a:xfrm>
+          <a:prstGeom prst="rect">
+            <a:avLst/>
+          </a:prstGeom>
+          <a:noFill/>
+        </p:spPr>
+        <p:txBody>
+          <a:bodyPr wrap="square" rtlCol="0">
+            <a:spAutoFit/>
+          </a:bodyPr>
+          <a:lstStyle/>
+          <a:p>
+            <a:r>
+              <a:rPr lang="en-US" sz="1200" dirty="0" err="1"/>
+              <a:t>Conor</a:t>
+            </a:r>
+            <a:r>
+              <a:rPr lang="en-US" sz="1200" dirty="0"/>
+              <a:t> P. McGowan</a:t>
+            </a:r>
+          </a:p>
+          <a:p>
+            <a:r>
+              <a:rPr lang="en-US" sz="1200" dirty="0"/>
+              <a:t>Anna M. Tucker</a:t>
+            </a:r>
+          </a:p>
+          <a:p>
+            <a:r>
+              <a:rPr lang="en-US" sz="1200" dirty="0"/>
+              <a:t>Nicole F. </a:t>
+            </a:r>
+            <a:r>
+              <a:rPr lang="en-US" sz="1200" dirty="0" err="1"/>
+              <a:t>Angeli</a:t>
+            </a:r>
+            <a:endParaRPr lang="en-US" sz="1200" dirty="0"/>
+          </a:p>
+          <a:p>
+            <a:r>
+              <a:rPr lang="en-US" sz="1200" dirty="0"/>
+              <a:t>Kylee Dunham</a:t>
+            </a:r>
           </a:p>
         </p:txBody>
       </p:sp>
@@ -3448,10 +3615,9 @@
           <a:lstStyle/>
           <a:p>
             <a:r>
-              <a:rPr lang="en-US" sz="1400" dirty="0" smtClean="0"/>
+              <a:rPr lang="en-US" sz="1400" b="1" dirty="0"/>
               <a:t>Linear regression</a:t>
             </a:r>
-            <a:endParaRPr lang="en-US" sz="1400" dirty="0"/>
           </a:p>
         </p:txBody>
       </p:sp>
@@ -3602,19 +3768,19 @@
               <a:defRPr/>
             </a:pPr>
             <a:r>
-              <a:rPr lang="en-US" sz="1200" b="1" dirty="0" smtClean="0"/>
+              <a:rPr lang="en-US" sz="1200" b="1" dirty="0"/>
               <a:t>General</a:t>
             </a:r>
             <a:r>
-              <a:rPr lang="en-US" sz="1200" dirty="0" smtClean="0"/>
+              <a:rPr lang="en-US" sz="1200" dirty="0"/>
               <a:t> linear model </a:t>
             </a:r>
             <a:r>
-              <a:rPr lang="mr-IN" sz="1200" dirty="0" smtClean="0"/>
+              <a:rPr lang="mr-IN" sz="1200" dirty="0"/>
               <a:t>–</a:t>
             </a:r>
             <a:r>
-              <a:rPr lang="en-US" sz="1200" dirty="0" smtClean="0"/>
+              <a:rPr lang="en-US" sz="1200" dirty="0"/>
               <a:t> response variable (y) has a Normal distribution</a:t>
             </a:r>
           </a:p>
@@ -3655,19 +3821,19 @@
               <a:defRPr/>
             </a:pPr>
             <a:r>
-              <a:rPr lang="en-US" sz="1200" b="1" dirty="0" smtClean="0"/>
+              <a:rPr lang="en-US" sz="1200" b="1" dirty="0"/>
               <a:t>Generalized </a:t>
             </a:r>
             <a:r>
-              <a:rPr lang="en-US" sz="1200" dirty="0" smtClean="0"/>
+              <a:rPr lang="en-US" sz="1200" dirty="0"/>
               <a:t>linear model </a:t>
             </a:r>
             <a:r>
-              <a:rPr lang="mr-IN" sz="1200" dirty="0" smtClean="0"/>
+              <a:rPr lang="mr-IN" sz="1200" dirty="0"/>
               <a:t>–</a:t>
             </a:r>
             <a:r>
-              <a:rPr lang="en-US" sz="1200" dirty="0" smtClean="0"/>
+              <a:rPr lang="en-US" sz="1200" dirty="0"/>
               <a:t> response variable (y) has some other distribution</a:t>
             </a:r>
           </a:p>
@@ -3689,19 +3855,19 @@
               <a:defRPr/>
             </a:pPr>
             <a:r>
-              <a:rPr lang="en-US" sz="1200" b="1" dirty="0" smtClean="0"/>
+              <a:rPr lang="en-US" sz="1200" b="1" dirty="0"/>
               <a:t>Logistic </a:t>
             </a:r>
             <a:r>
-              <a:rPr lang="en-US" sz="1200" dirty="0" smtClean="0"/>
+              <a:rPr lang="en-US" sz="1200" dirty="0"/>
               <a:t>regression </a:t>
             </a:r>
             <a:r>
-              <a:rPr lang="mr-IN" sz="1200" dirty="0" smtClean="0"/>
+              <a:rPr lang="mr-IN" sz="1200" dirty="0"/>
               <a:t>–</a:t>
             </a:r>
             <a:r>
-              <a:rPr lang="en-US" sz="1200" dirty="0" smtClean="0"/>
+              <a:rPr lang="en-US" sz="1200" dirty="0"/>
               <a:t> Binomial distribution</a:t>
             </a:r>
           </a:p>
@@ -3723,19 +3889,19 @@
               <a:defRPr/>
             </a:pPr>
             <a:r>
-              <a:rPr lang="en-US" sz="1200" b="1" dirty="0" smtClean="0"/>
+              <a:rPr lang="en-US" sz="1200" b="1" dirty="0"/>
               <a:t>Poisson </a:t>
             </a:r>
             <a:r>
-              <a:rPr lang="en-US" sz="1200" dirty="0" smtClean="0"/>
+              <a:rPr lang="en-US" sz="1200" dirty="0"/>
               <a:t>regression </a:t>
             </a:r>
             <a:r>
-              <a:rPr lang="mr-IN" sz="1200" dirty="0" smtClean="0"/>
+              <a:rPr lang="mr-IN" sz="1200" dirty="0"/>
               <a:t>–</a:t>
             </a:r>
             <a:r>
-              <a:rPr lang="en-US" sz="1200" dirty="0" smtClean="0"/>
+              <a:rPr lang="en-US" sz="1200" dirty="0"/>
               <a:t> Poisson distribution</a:t>
             </a:r>
           </a:p>
@@ -3785,11 +3951,41 @@
                 <a:tableStyleId>{5940675A-B579-460E-94D1-54222C63F5DA}</a:tableStyleId>
               </a:tblPr>
               <a:tblGrid>
-                <a:gridCol w="914400"/>
-                <a:gridCol w="914400"/>
-                <a:gridCol w="914400"/>
-                <a:gridCol w="914400"/>
-                <a:gridCol w="914400"/>
+                <a:gridCol w="914400">
+                  <a:extLst>
+                    <a:ext uri="{9D8B030D-6E8A-4147-A177-3AD203B41FA5}">
+                      <a16:colId xmlns:a16="http://schemas.microsoft.com/office/drawing/2014/main" val="20000"/>
+                    </a:ext>
+                  </a:extLst>
+                </a:gridCol>
+                <a:gridCol w="914400">
+                  <a:extLst>
+                    <a:ext uri="{9D8B030D-6E8A-4147-A177-3AD203B41FA5}">
+                      <a16:colId xmlns:a16="http://schemas.microsoft.com/office/drawing/2014/main" val="20001"/>
+                    </a:ext>
+                  </a:extLst>
+                </a:gridCol>
+                <a:gridCol w="914400">
+                  <a:extLst>
+                    <a:ext uri="{9D8B030D-6E8A-4147-A177-3AD203B41FA5}">
+                      <a16:colId xmlns:a16="http://schemas.microsoft.com/office/drawing/2014/main" val="20002"/>
+                    </a:ext>
+                  </a:extLst>
+                </a:gridCol>
+                <a:gridCol w="914400">
+                  <a:extLst>
+                    <a:ext uri="{9D8B030D-6E8A-4147-A177-3AD203B41FA5}">
+                      <a16:colId xmlns:a16="http://schemas.microsoft.com/office/drawing/2014/main" val="20003"/>
+                    </a:ext>
+                  </a:extLst>
+                </a:gridCol>
+                <a:gridCol w="914400">
+                  <a:extLst>
+                    <a:ext uri="{9D8B030D-6E8A-4147-A177-3AD203B41FA5}">
+                      <a16:colId xmlns:a16="http://schemas.microsoft.com/office/drawing/2014/main" val="20004"/>
+                    </a:ext>
+                  </a:extLst>
+                </a:gridCol>
               </a:tblGrid>
               <a:tr h="370840">
                 <a:tc>
@@ -3799,10 +3995,9 @@
                     <a:p>
                       <a:pPr algn="ctr"/>
                       <a:r>
-                        <a:rPr lang="en-US" sz="1200" dirty="0" smtClean="0"/>
+                        <a:rPr lang="en-US" sz="1200" dirty="0"/>
                         <a:t>Parameter</a:t>
                       </a:r>
-                      <a:endParaRPr lang="en-US" sz="1200" dirty="0"/>
                     </a:p>
                   </a:txBody>
                   <a:tcPr anchor="ctr">
@@ -3847,10 +4042,9 @@
                     <a:p>
                       <a:pPr algn="ctr"/>
                       <a:r>
-                        <a:rPr lang="en-US" sz="1200" dirty="0" smtClean="0"/>
+                        <a:rPr lang="en-US" sz="1200" dirty="0"/>
                         <a:t>Estimate</a:t>
                       </a:r>
-                      <a:endParaRPr lang="en-US" sz="1200" dirty="0"/>
                     </a:p>
                   </a:txBody>
                   <a:tcPr anchor="ctr">
@@ -3895,10 +4089,9 @@
                     <a:p>
                       <a:pPr algn="ctr"/>
                       <a:r>
-                        <a:rPr lang="en-US" sz="1200" dirty="0" smtClean="0"/>
+                        <a:rPr lang="en-US" sz="1200" dirty="0"/>
                         <a:t>SE</a:t>
                       </a:r>
-                      <a:endParaRPr lang="en-US" sz="1200" dirty="0"/>
                     </a:p>
                   </a:txBody>
                   <a:tcPr anchor="ctr">
@@ -3943,10 +4136,9 @@
                     <a:p>
                       <a:pPr algn="ctr"/>
                       <a:r>
-                        <a:rPr lang="en-US" sz="1200" i="1" dirty="0" smtClean="0"/>
+                        <a:rPr lang="en-US" sz="1200" i="1" dirty="0"/>
                         <a:t>t</a:t>
                       </a:r>
-                      <a:endParaRPr lang="en-US" sz="1200" i="1" dirty="0"/>
                     </a:p>
                   </a:txBody>
                   <a:tcPr anchor="ctr">
@@ -3991,10 +4183,9 @@
                     <a:p>
                       <a:pPr algn="ctr"/>
                       <a:r>
-                        <a:rPr lang="en-US" sz="1200" dirty="0" smtClean="0"/>
+                        <a:rPr lang="en-US" sz="1200" dirty="0"/>
                         <a:t>p-value</a:t>
                       </a:r>
-                      <a:endParaRPr lang="en-US" sz="1200" dirty="0"/>
                     </a:p>
                   </a:txBody>
                   <a:tcPr anchor="ctr">
@@ -4032,6 +4223,11 @@
                     </a:lnBlToTr>
                   </a:tcPr>
                 </a:tc>
+                <a:extLst>
+                  <a:ext uri="{0D108BD9-81ED-4DB2-BD59-A6C34878D82A}">
+                    <a16:rowId xmlns:a16="http://schemas.microsoft.com/office/drawing/2014/main" val="10000"/>
+                  </a:ext>
+                </a:extLst>
               </a:tr>
               <a:tr h="370840">
                 <a:tc>
@@ -4041,10 +4237,9 @@
                     <a:p>
                       <a:pPr algn="ctr"/>
                       <a:r>
-                        <a:rPr lang="en-US" sz="1200" dirty="0" smtClean="0"/>
+                        <a:rPr lang="en-US" sz="1200" dirty="0"/>
                         <a:t>Intercept</a:t>
                       </a:r>
-                      <a:endParaRPr lang="en-US" sz="1200" dirty="0"/>
                     </a:p>
                   </a:txBody>
                   <a:tcPr anchor="ctr">
@@ -4083,10 +4278,9 @@
                     <a:p>
                       <a:pPr algn="ctr"/>
                       <a:r>
-                        <a:rPr lang="en-US" sz="1200" dirty="0" smtClean="0"/>
+                        <a:rPr lang="en-US" sz="1200" dirty="0"/>
                         <a:t>-0.22</a:t>
                       </a:r>
-                      <a:endParaRPr lang="en-US" sz="1200" dirty="0"/>
                     </a:p>
                   </a:txBody>
                   <a:tcPr anchor="ctr">
@@ -4125,10 +4319,9 @@
                     <a:p>
                       <a:pPr algn="ctr"/>
                       <a:r>
-                        <a:rPr lang="en-US" sz="1200" dirty="0" smtClean="0"/>
+                        <a:rPr lang="en-US" sz="1200" dirty="0"/>
                         <a:t>1.29</a:t>
                       </a:r>
-                      <a:endParaRPr lang="en-US" sz="1200" dirty="0"/>
                     </a:p>
                   </a:txBody>
                   <a:tcPr anchor="ctr">
@@ -4167,10 +4360,9 @@
                     <a:p>
                       <a:pPr algn="ctr"/>
                       <a:r>
-                        <a:rPr lang="en-US" sz="1200" dirty="0" smtClean="0"/>
+                        <a:rPr lang="en-US" sz="1200" dirty="0"/>
                         <a:t>-0.169</a:t>
                       </a:r>
-                      <a:endParaRPr lang="en-US" sz="1200" dirty="0"/>
                     </a:p>
                   </a:txBody>
                   <a:tcPr anchor="ctr">
@@ -4209,10 +4401,9 @@
                     <a:p>
                       <a:pPr algn="ctr"/>
                       <a:r>
-                        <a:rPr lang="en-US" sz="1200" dirty="0" smtClean="0"/>
+                        <a:rPr lang="en-US" sz="1200" dirty="0"/>
                         <a:t>0.866</a:t>
                       </a:r>
-                      <a:endParaRPr lang="en-US" sz="1200" dirty="0"/>
                     </a:p>
                   </a:txBody>
                   <a:tcPr anchor="ctr">
@@ -4244,6 +4435,11 @@
                     </a:lnBlToTr>
                   </a:tcPr>
                 </a:tc>
+                <a:extLst>
+                  <a:ext uri="{0D108BD9-81ED-4DB2-BD59-A6C34878D82A}">
+                    <a16:rowId xmlns:a16="http://schemas.microsoft.com/office/drawing/2014/main" val="10001"/>
+                  </a:ext>
+                </a:extLst>
               </a:tr>
               <a:tr h="370840">
                 <a:tc>
@@ -4253,10 +4449,9 @@
                     <a:p>
                       <a:pPr algn="ctr"/>
                       <a:r>
-                        <a:rPr lang="en-US" sz="1200" i="1" dirty="0" smtClean="0"/>
+                        <a:rPr lang="en-US" sz="1200" i="1" dirty="0"/>
                         <a:t>b</a:t>
                       </a:r>
-                      <a:endParaRPr lang="en-US" sz="1200" i="1" dirty="0"/>
                     </a:p>
                   </a:txBody>
                   <a:tcPr anchor="ctr">
@@ -4295,10 +4490,9 @@
                     <a:p>
                       <a:pPr algn="ctr"/>
                       <a:r>
-                        <a:rPr lang="en-US" sz="1200" dirty="0" smtClean="0"/>
+                        <a:rPr lang="en-US" sz="1200" dirty="0"/>
                         <a:t>2.07</a:t>
                       </a:r>
-                      <a:endParaRPr lang="en-US" sz="1200" dirty="0"/>
                     </a:p>
                   </a:txBody>
                   <a:tcPr anchor="ctr">
@@ -4337,10 +4531,9 @@
                     <a:p>
                       <a:pPr algn="ctr"/>
                       <a:r>
-                        <a:rPr lang="en-US" sz="1200" dirty="0" smtClean="0"/>
+                        <a:rPr lang="en-US" sz="1200" dirty="0"/>
                         <a:t>0.0978</a:t>
                       </a:r>
-                      <a:endParaRPr lang="en-US" sz="1200" dirty="0"/>
                     </a:p>
                   </a:txBody>
                   <a:tcPr anchor="ctr">
@@ -4379,10 +4572,9 @@
                     <a:p>
                       <a:pPr algn="ctr"/>
                       <a:r>
-                        <a:rPr lang="en-US" sz="1200" dirty="0" smtClean="0"/>
+                        <a:rPr lang="en-US" sz="1200" dirty="0"/>
                         <a:t>21.16</a:t>
                       </a:r>
-                      <a:endParaRPr lang="en-US" sz="1200" dirty="0"/>
                     </a:p>
                   </a:txBody>
                   <a:tcPr anchor="ctr">
@@ -4421,10 +4613,9 @@
                     <a:p>
                       <a:pPr algn="ctr"/>
                       <a:r>
-                        <a:rPr lang="en-US" sz="1200" dirty="0" smtClean="0"/>
+                        <a:rPr lang="en-US" sz="1200" dirty="0"/>
                         <a:t>&lt; 0.0001</a:t>
                       </a:r>
-                      <a:endParaRPr lang="en-US" sz="1200" dirty="0"/>
                     </a:p>
                   </a:txBody>
                   <a:tcPr anchor="ctr">
@@ -4456,6 +4647,11 @@
                     </a:lnBlToTr>
                   </a:tcPr>
                 </a:tc>
+                <a:extLst>
+                  <a:ext uri="{0D108BD9-81ED-4DB2-BD59-A6C34878D82A}">
+                    <a16:rowId xmlns:a16="http://schemas.microsoft.com/office/drawing/2014/main" val="10002"/>
+                  </a:ext>
+                </a:extLst>
               </a:tr>
             </a:tbl>
           </a:graphicData>
@@ -4514,10 +4710,9 @@
           <a:lstStyle/>
           <a:p>
             <a:r>
-              <a:rPr lang="en-US" sz="1400" dirty="0" smtClean="0"/>
+              <a:rPr lang="en-US" sz="1400" b="1" dirty="0"/>
               <a:t>Interpreting model outputs</a:t>
             </a:r>
-            <a:endParaRPr lang="en-US" sz="1400" dirty="0"/>
           </a:p>
         </p:txBody>
       </p:sp>
@@ -4546,10 +4741,34 @@
                 <a:tableStyleId>{5940675A-B579-460E-94D1-54222C63F5DA}</a:tableStyleId>
               </a:tblPr>
               <a:tblGrid>
-                <a:gridCol w="1008380"/>
-                <a:gridCol w="914400"/>
-                <a:gridCol w="914400"/>
-                <a:gridCol w="914400"/>
+                <a:gridCol w="1008380">
+                  <a:extLst>
+                    <a:ext uri="{9D8B030D-6E8A-4147-A177-3AD203B41FA5}">
+                      <a16:colId xmlns:a16="http://schemas.microsoft.com/office/drawing/2014/main" val="20000"/>
+                    </a:ext>
+                  </a:extLst>
+                </a:gridCol>
+                <a:gridCol w="914400">
+                  <a:extLst>
+                    <a:ext uri="{9D8B030D-6E8A-4147-A177-3AD203B41FA5}">
+                      <a16:colId xmlns:a16="http://schemas.microsoft.com/office/drawing/2014/main" val="20001"/>
+                    </a:ext>
+                  </a:extLst>
+                </a:gridCol>
+                <a:gridCol w="914400">
+                  <a:extLst>
+                    <a:ext uri="{9D8B030D-6E8A-4147-A177-3AD203B41FA5}">
+                      <a16:colId xmlns:a16="http://schemas.microsoft.com/office/drawing/2014/main" val="20002"/>
+                    </a:ext>
+                  </a:extLst>
+                </a:gridCol>
+                <a:gridCol w="914400">
+                  <a:extLst>
+                    <a:ext uri="{9D8B030D-6E8A-4147-A177-3AD203B41FA5}">
+                      <a16:colId xmlns:a16="http://schemas.microsoft.com/office/drawing/2014/main" val="20003"/>
+                    </a:ext>
+                  </a:extLst>
+                </a:gridCol>
               </a:tblGrid>
               <a:tr h="370840">
                 <a:tc>
@@ -4559,10 +4778,9 @@
                     <a:p>
                       <a:pPr algn="ctr"/>
                       <a:r>
-                        <a:rPr lang="en-US" sz="1200" dirty="0" smtClean="0"/>
+                        <a:rPr lang="en-US" sz="1200" dirty="0"/>
                         <a:t>Parameter</a:t>
                       </a:r>
-                      <a:endParaRPr lang="en-US" sz="1200" dirty="0"/>
                     </a:p>
                   </a:txBody>
                   <a:tcPr anchor="ctr">
@@ -4607,10 +4825,9 @@
                     <a:p>
                       <a:pPr algn="ctr"/>
                       <a:r>
-                        <a:rPr lang="en-US" sz="1200" dirty="0" smtClean="0"/>
+                        <a:rPr lang="en-US" sz="1200" dirty="0"/>
                         <a:t>Estimate</a:t>
                       </a:r>
-                      <a:endParaRPr lang="en-US" sz="1200" dirty="0"/>
                     </a:p>
                   </a:txBody>
                   <a:tcPr anchor="ctr">
@@ -4655,10 +4872,9 @@
                     <a:p>
                       <a:pPr algn="ctr"/>
                       <a:r>
-                        <a:rPr lang="en-US" sz="1200" dirty="0" smtClean="0"/>
+                        <a:rPr lang="en-US" sz="1200" dirty="0"/>
                         <a:t>SE</a:t>
                       </a:r>
-                      <a:endParaRPr lang="en-US" sz="1200" dirty="0"/>
                     </a:p>
                   </a:txBody>
                   <a:tcPr anchor="ctr">
@@ -4703,10 +4919,9 @@
                     <a:p>
                       <a:pPr algn="ctr"/>
                       <a:r>
-                        <a:rPr lang="en-US" sz="1200" dirty="0" smtClean="0"/>
+                        <a:rPr lang="en-US" sz="1200" dirty="0"/>
                         <a:t>p-value</a:t>
                       </a:r>
-                      <a:endParaRPr lang="en-US" sz="1200" dirty="0"/>
                     </a:p>
                   </a:txBody>
                   <a:tcPr anchor="ctr">
@@ -4744,6 +4959,11 @@
                     </a:lnBlToTr>
                   </a:tcPr>
                 </a:tc>
+                <a:extLst>
+                  <a:ext uri="{0D108BD9-81ED-4DB2-BD59-A6C34878D82A}">
+                    <a16:rowId xmlns:a16="http://schemas.microsoft.com/office/drawing/2014/main" val="10000"/>
+                  </a:ext>
+                </a:extLst>
               </a:tr>
               <a:tr h="370840">
                 <a:tc>
@@ -4753,10 +4973,9 @@
                     <a:p>
                       <a:pPr algn="ctr"/>
                       <a:r>
-                        <a:rPr lang="en-US" sz="1200" dirty="0" smtClean="0"/>
+                        <a:rPr lang="en-US" sz="1200" dirty="0"/>
                         <a:t>Intercept</a:t>
                       </a:r>
-                      <a:endParaRPr lang="en-US" sz="1200" dirty="0"/>
                     </a:p>
                   </a:txBody>
                   <a:tcPr anchor="ctr">
@@ -4795,10 +5014,9 @@
                     <a:p>
                       <a:pPr algn="ctr"/>
                       <a:r>
-                        <a:rPr lang="en-US" sz="1200" dirty="0" smtClean="0"/>
+                        <a:rPr lang="en-US" sz="1200" dirty="0"/>
                         <a:t>-0.22</a:t>
                       </a:r>
-                      <a:endParaRPr lang="en-US" sz="1200" dirty="0"/>
                     </a:p>
                   </a:txBody>
                   <a:tcPr anchor="ctr">
@@ -4837,10 +5055,9 @@
                     <a:p>
                       <a:pPr algn="ctr"/>
                       <a:r>
-                        <a:rPr lang="en-US" sz="1200" dirty="0" smtClean="0"/>
+                        <a:rPr lang="en-US" sz="1200" dirty="0"/>
                         <a:t>1.29</a:t>
                       </a:r>
-                      <a:endParaRPr lang="en-US" sz="1200" dirty="0"/>
                     </a:p>
                   </a:txBody>
                   <a:tcPr anchor="ctr">
@@ -4879,10 +5096,9 @@
                     <a:p>
                       <a:pPr algn="ctr"/>
                       <a:r>
-                        <a:rPr lang="en-US" sz="1200" dirty="0" smtClean="0"/>
+                        <a:rPr lang="en-US" sz="1200" dirty="0"/>
                         <a:t>0.866</a:t>
                       </a:r>
-                      <a:endParaRPr lang="en-US" sz="1200" dirty="0"/>
                     </a:p>
                   </a:txBody>
                   <a:tcPr anchor="ctr">
@@ -4914,6 +5130,11 @@
                     </a:lnBlToTr>
                   </a:tcPr>
                 </a:tc>
+                <a:extLst>
+                  <a:ext uri="{0D108BD9-81ED-4DB2-BD59-A6C34878D82A}">
+                    <a16:rowId xmlns:a16="http://schemas.microsoft.com/office/drawing/2014/main" val="10001"/>
+                  </a:ext>
+                </a:extLst>
               </a:tr>
               <a:tr h="370840">
                 <a:tc>
@@ -4923,11 +5144,11 @@
                     <a:p>
                       <a:pPr algn="ctr"/>
                       <a:r>
-                        <a:rPr lang="en-US" sz="1200" i="0" dirty="0" smtClean="0"/>
+                        <a:rPr lang="en-US" sz="1200" i="0" dirty="0"/>
                         <a:t>Covariate</a:t>
                       </a:r>
                       <a:r>
-                        <a:rPr lang="en-US" sz="1200" i="0" baseline="0" dirty="0" smtClean="0"/>
+                        <a:rPr lang="en-US" sz="1200" i="0" baseline="0" dirty="0"/>
                         <a:t> 1</a:t>
                       </a:r>
                       <a:endParaRPr lang="en-US" sz="1200" i="0" dirty="0"/>
@@ -4967,10 +5188,9 @@
                     <a:p>
                       <a:pPr algn="ctr"/>
                       <a:r>
-                        <a:rPr lang="en-US" sz="1200" dirty="0" smtClean="0"/>
+                        <a:rPr lang="en-US" sz="1200" dirty="0"/>
                         <a:t>2.07</a:t>
                       </a:r>
-                      <a:endParaRPr lang="en-US" sz="1200" dirty="0"/>
                     </a:p>
                   </a:txBody>
                   <a:tcPr anchor="ctr">
@@ -5007,10 +5227,9 @@
                     <a:p>
                       <a:pPr algn="ctr"/>
                       <a:r>
-                        <a:rPr lang="en-US" sz="1200" dirty="0" smtClean="0"/>
+                        <a:rPr lang="en-US" sz="1200" dirty="0"/>
                         <a:t>0.0978</a:t>
                       </a:r>
-                      <a:endParaRPr lang="en-US" sz="1200" dirty="0"/>
                     </a:p>
                   </a:txBody>
                   <a:tcPr anchor="ctr">
@@ -5047,10 +5266,9 @@
                     <a:p>
                       <a:pPr algn="ctr"/>
                       <a:r>
-                        <a:rPr lang="en-US" sz="1200" dirty="0" smtClean="0"/>
+                        <a:rPr lang="en-US" sz="1200" dirty="0"/>
                         <a:t>&lt; 0.0001</a:t>
                       </a:r>
-                      <a:endParaRPr lang="en-US" sz="1200" dirty="0"/>
                     </a:p>
                   </a:txBody>
                   <a:tcPr anchor="ctr">
@@ -5080,6 +5298,11 @@
                     </a:lnBlToTr>
                   </a:tcPr>
                 </a:tc>
+                <a:extLst>
+                  <a:ext uri="{0D108BD9-81ED-4DB2-BD59-A6C34878D82A}">
+                    <a16:rowId xmlns:a16="http://schemas.microsoft.com/office/drawing/2014/main" val="10002"/>
+                  </a:ext>
+                </a:extLst>
               </a:tr>
               <a:tr h="370840">
                 <a:tc>
@@ -5089,11 +5312,11 @@
                     <a:p>
                       <a:pPr algn="ctr"/>
                       <a:r>
-                        <a:rPr lang="en-US" sz="1200" i="0" dirty="0" smtClean="0"/>
+                        <a:rPr lang="en-US" sz="1200" i="0" dirty="0"/>
                         <a:t>Covariate</a:t>
                       </a:r>
                       <a:r>
-                        <a:rPr lang="en-US" sz="1200" i="0" baseline="0" dirty="0" smtClean="0"/>
+                        <a:rPr lang="en-US" sz="1200" i="0" baseline="0" dirty="0"/>
                         <a:t> 2</a:t>
                       </a:r>
                       <a:endParaRPr lang="en-US" sz="1200" i="0" dirty="0"/>
@@ -5133,10 +5356,9 @@
                     <a:p>
                       <a:pPr algn="ctr"/>
                       <a:r>
-                        <a:rPr lang="en-US" sz="1200" dirty="0" smtClean="0"/>
+                        <a:rPr lang="en-US" sz="1200" dirty="0"/>
                         <a:t>-4.1</a:t>
                       </a:r>
-                      <a:endParaRPr lang="en-US" sz="1200" dirty="0"/>
                     </a:p>
                   </a:txBody>
                   <a:tcPr anchor="ctr">
@@ -5173,10 +5395,9 @@
                     <a:p>
                       <a:pPr algn="ctr"/>
                       <a:r>
-                        <a:rPr lang="en-US" sz="1200" dirty="0" smtClean="0"/>
+                        <a:rPr lang="en-US" sz="1200" dirty="0"/>
                         <a:t>2.31</a:t>
                       </a:r>
-                      <a:endParaRPr lang="en-US" sz="1200" dirty="0"/>
                     </a:p>
                   </a:txBody>
                   <a:tcPr anchor="ctr">
@@ -5213,10 +5434,9 @@
                     <a:p>
                       <a:pPr algn="ctr"/>
                       <a:r>
-                        <a:rPr lang="en-US" sz="1200" dirty="0" smtClean="0"/>
+                        <a:rPr lang="en-US" sz="1200" dirty="0"/>
                         <a:t>0.062</a:t>
                       </a:r>
-                      <a:endParaRPr lang="en-US" sz="1200" dirty="0"/>
                     </a:p>
                   </a:txBody>
                   <a:tcPr anchor="ctr">
@@ -5246,6 +5466,11 @@
                     </a:lnBlToTr>
                   </a:tcPr>
                 </a:tc>
+                <a:extLst>
+                  <a:ext uri="{0D108BD9-81ED-4DB2-BD59-A6C34878D82A}">
+                    <a16:rowId xmlns:a16="http://schemas.microsoft.com/office/drawing/2014/main" val="10003"/>
+                  </a:ext>
+                </a:extLst>
               </a:tr>
               <a:tr h="370840">
                 <a:tc>
@@ -5255,11 +5480,11 @@
                     <a:p>
                       <a:pPr algn="ctr"/>
                       <a:r>
-                        <a:rPr lang="en-US" sz="1200" i="0" dirty="0" smtClean="0"/>
+                        <a:rPr lang="en-US" sz="1200" i="0" dirty="0"/>
                         <a:t>Covariate</a:t>
                       </a:r>
                       <a:r>
-                        <a:rPr lang="en-US" sz="1200" i="0" baseline="0" dirty="0" smtClean="0"/>
+                        <a:rPr lang="en-US" sz="1200" i="0" baseline="0" dirty="0"/>
                         <a:t> 3</a:t>
                       </a:r>
                       <a:endParaRPr lang="en-US" sz="1200" i="0" dirty="0"/>
@@ -5299,10 +5524,9 @@
                     <a:p>
                       <a:pPr algn="ctr"/>
                       <a:r>
-                        <a:rPr lang="en-US" sz="1200" dirty="0" smtClean="0"/>
+                        <a:rPr lang="en-US" sz="1200" dirty="0"/>
                         <a:t>0.00287</a:t>
                       </a:r>
-                      <a:endParaRPr lang="en-US" sz="1200" dirty="0"/>
                     </a:p>
                   </a:txBody>
                   <a:tcPr anchor="ctr">
@@ -5339,10 +5563,9 @@
                     <a:p>
                       <a:pPr algn="ctr"/>
                       <a:r>
-                        <a:rPr lang="en-US" sz="1200" dirty="0" smtClean="0"/>
+                        <a:rPr lang="en-US" sz="1200" dirty="0"/>
                         <a:t>0.00013</a:t>
                       </a:r>
-                      <a:endParaRPr lang="en-US" sz="1200" dirty="0"/>
                     </a:p>
                   </a:txBody>
                   <a:tcPr anchor="ctr">
@@ -5379,10 +5602,9 @@
                     <a:p>
                       <a:pPr algn="ctr"/>
                       <a:r>
-                        <a:rPr lang="en-US" sz="1200" dirty="0" smtClean="0"/>
+                        <a:rPr lang="en-US" sz="1200" dirty="0"/>
                         <a:t>0.0021</a:t>
                       </a:r>
-                      <a:endParaRPr lang="en-US" sz="1200" dirty="0"/>
                     </a:p>
                   </a:txBody>
                   <a:tcPr anchor="ctr">
@@ -5412,6 +5634,11 @@
                     </a:lnBlToTr>
                   </a:tcPr>
                 </a:tc>
+                <a:extLst>
+                  <a:ext uri="{0D108BD9-81ED-4DB2-BD59-A6C34878D82A}">
+                    <a16:rowId xmlns:a16="http://schemas.microsoft.com/office/drawing/2014/main" val="10004"/>
+                  </a:ext>
+                </a:extLst>
               </a:tr>
               <a:tr h="370840">
                 <a:tc>
@@ -5421,11 +5648,11 @@
                     <a:p>
                       <a:pPr algn="ctr"/>
                       <a:r>
-                        <a:rPr lang="en-US" sz="1200" i="0" dirty="0" smtClean="0"/>
+                        <a:rPr lang="en-US" sz="1200" i="0" dirty="0"/>
                         <a:t>Covariate</a:t>
                       </a:r>
                       <a:r>
-                        <a:rPr lang="en-US" sz="1200" i="0" baseline="0" dirty="0" smtClean="0"/>
+                        <a:rPr lang="en-US" sz="1200" i="0" baseline="0" dirty="0"/>
                         <a:t> 4</a:t>
                       </a:r>
                       <a:endParaRPr lang="en-US" sz="1200" i="0" dirty="0"/>
@@ -5467,10 +5694,9 @@
                     <a:p>
                       <a:pPr algn="ctr"/>
                       <a:r>
-                        <a:rPr lang="en-US" sz="1200" dirty="0" smtClean="0"/>
+                        <a:rPr lang="en-US" sz="1200" dirty="0"/>
                         <a:t>-0.278</a:t>
                       </a:r>
-                      <a:endParaRPr lang="en-US" sz="1200" dirty="0"/>
                     </a:p>
                   </a:txBody>
                   <a:tcPr anchor="ctr">
@@ -5509,10 +5735,9 @@
                     <a:p>
                       <a:pPr algn="ctr"/>
                       <a:r>
-                        <a:rPr lang="en-US" sz="1200" dirty="0" smtClean="0"/>
+                        <a:rPr lang="en-US" sz="1200" dirty="0"/>
                         <a:t>0.145</a:t>
                       </a:r>
-                      <a:endParaRPr lang="en-US" sz="1200" dirty="0"/>
                     </a:p>
                   </a:txBody>
                   <a:tcPr anchor="ctr">
@@ -5551,10 +5776,9 @@
                     <a:p>
                       <a:pPr algn="ctr"/>
                       <a:r>
-                        <a:rPr lang="en-US" sz="1200" dirty="0" smtClean="0"/>
+                        <a:rPr lang="en-US" sz="1200" dirty="0"/>
                         <a:t>0.835</a:t>
                       </a:r>
-                      <a:endParaRPr lang="en-US" sz="1200" dirty="0"/>
                     </a:p>
                   </a:txBody>
                   <a:tcPr anchor="ctr">
@@ -5586,13 +5810,18 @@
                     </a:lnBlToTr>
                   </a:tcPr>
                 </a:tc>
+                <a:extLst>
+                  <a:ext uri="{0D108BD9-81ED-4DB2-BD59-A6C34878D82A}">
+                    <a16:rowId xmlns:a16="http://schemas.microsoft.com/office/drawing/2014/main" val="10005"/>
+                  </a:ext>
+                </a:extLst>
               </a:tr>
             </a:tbl>
           </a:graphicData>
         </a:graphic>
       </p:graphicFrame>
-      <mc:AlternateContent xmlns:mc="http://schemas.openxmlformats.org/markup-compatibility/2006">
-        <mc:Choice xmlns:a14="http://schemas.microsoft.com/office/drawing/2010/main" Requires="a14">
+      <mc:AlternateContent xmlns:mc="http://schemas.openxmlformats.org/markup-compatibility/2006" xmlns:a14="http://schemas.microsoft.com/office/drawing/2010/main">
+        <mc:Choice Requires="a14">
           <p:graphicFrame>
             <p:nvGraphicFramePr>
               <p:cNvPr id="7" name="Table 6"/>
@@ -5618,11 +5847,41 @@
                     <a:tableStyleId>{5940675A-B579-460E-94D1-54222C63F5DA}</a:tableStyleId>
                   </a:tblPr>
                   <a:tblGrid>
-                    <a:gridCol w="1993646"/>
-                    <a:gridCol w="775256"/>
-                    <a:gridCol w="775256"/>
-                    <a:gridCol w="775256"/>
-                    <a:gridCol w="775256"/>
+                    <a:gridCol w="1993646">
+                      <a:extLst>
+                        <a:ext uri="{9D8B030D-6E8A-4147-A177-3AD203B41FA5}">
+                          <a16:colId xmlns:a16="http://schemas.microsoft.com/office/drawing/2014/main" val="20000"/>
+                        </a:ext>
+                      </a:extLst>
+                    </a:gridCol>
+                    <a:gridCol w="775256">
+                      <a:extLst>
+                        <a:ext uri="{9D8B030D-6E8A-4147-A177-3AD203B41FA5}">
+                          <a16:colId xmlns:a16="http://schemas.microsoft.com/office/drawing/2014/main" val="20001"/>
+                        </a:ext>
+                      </a:extLst>
+                    </a:gridCol>
+                    <a:gridCol w="775256">
+                      <a:extLst>
+                        <a:ext uri="{9D8B030D-6E8A-4147-A177-3AD203B41FA5}">
+                          <a16:colId xmlns:a16="http://schemas.microsoft.com/office/drawing/2014/main" val="20002"/>
+                        </a:ext>
+                      </a:extLst>
+                    </a:gridCol>
+                    <a:gridCol w="775256">
+                      <a:extLst>
+                        <a:ext uri="{9D8B030D-6E8A-4147-A177-3AD203B41FA5}">
+                          <a16:colId xmlns:a16="http://schemas.microsoft.com/office/drawing/2014/main" val="20003"/>
+                        </a:ext>
+                      </a:extLst>
+                    </a:gridCol>
+                    <a:gridCol w="775256">
+                      <a:extLst>
+                        <a:ext uri="{9D8B030D-6E8A-4147-A177-3AD203B41FA5}">
+                          <a16:colId xmlns:a16="http://schemas.microsoft.com/office/drawing/2014/main" val="20004"/>
+                        </a:ext>
+                      </a:extLst>
+                    </a:gridCol>
                   </a:tblGrid>
                   <a:tr h="340431">
                     <a:tc>
@@ -5632,10 +5891,9 @@
                         <a:p>
                           <a:pPr algn="ctr"/>
                           <a:r>
-                            <a:rPr lang="en-US" sz="1200" dirty="0" smtClean="0"/>
+                            <a:rPr lang="en-US" sz="1200" dirty="0"/>
                             <a:t>Model</a:t>
                           </a:r>
-                          <a:endParaRPr lang="en-US" sz="1200" dirty="0"/>
                         </a:p>
                       </a:txBody>
                       <a:tcPr anchor="ctr">
@@ -5680,10 +5938,9 @@
                         <a:p>
                           <a:pPr algn="ctr"/>
                           <a:r>
-                            <a:rPr lang="en-US" sz="1200" dirty="0" smtClean="0"/>
+                            <a:rPr lang="en-US" sz="1200" dirty="0"/>
                             <a:t>AIC</a:t>
                           </a:r>
-                          <a:endParaRPr lang="en-US" sz="1200" dirty="0"/>
                         </a:p>
                       </a:txBody>
                       <a:tcPr anchor="ctr">
@@ -5740,10 +5997,9 @@
                             </m:oMath>
                           </a14:m>
                           <a:r>
-                            <a:rPr lang="en-US" sz="1200" dirty="0" smtClean="0"/>
+                            <a:rPr lang="en-US" sz="1200" dirty="0"/>
                             <a:t>AIC</a:t>
                           </a:r>
-                          <a:endParaRPr lang="en-US" sz="1200" dirty="0"/>
                         </a:p>
                       </a:txBody>
                       <a:tcPr anchor="ctr">
@@ -5788,7 +6044,7 @@
                         <a:p>
                           <a:pPr algn="ctr"/>
                           <a:r>
-                            <a:rPr lang="en-US" sz="1200" i="0" baseline="0" dirty="0" smtClean="0"/>
+                            <a:rPr lang="en-US" sz="1200" i="0" baseline="0" dirty="0"/>
                             <a:t>Np</a:t>
                           </a:r>
                           <a:endParaRPr lang="en-US" sz="1200" i="0" baseline="-25000" dirty="0"/>
@@ -5836,11 +6092,11 @@
                         <a:p>
                           <a:pPr algn="ctr"/>
                           <a:r>
-                            <a:rPr lang="en-US" sz="1200" dirty="0" err="1" smtClean="0"/>
+                            <a:rPr lang="en-US" sz="1200" dirty="0" err="1"/>
                             <a:t>w</a:t>
                           </a:r>
                           <a:r>
-                            <a:rPr lang="en-US" sz="1200" i="1" baseline="-25000" dirty="0" err="1" smtClean="0"/>
+                            <a:rPr lang="en-US" sz="1200" i="1" baseline="-25000" dirty="0" err="1"/>
                             <a:t>i</a:t>
                           </a:r>
                           <a:endParaRPr lang="en-US" sz="1200" i="1" baseline="-25000" dirty="0"/>
@@ -5881,6 +6137,11 @@
                         </a:lnBlToTr>
                       </a:tcPr>
                     </a:tc>
+                    <a:extLst>
+                      <a:ext uri="{0D108BD9-81ED-4DB2-BD59-A6C34878D82A}">
+                        <a16:rowId xmlns:a16="http://schemas.microsoft.com/office/drawing/2014/main" val="10000"/>
+                      </a:ext>
+                    </a:extLst>
                   </a:tr>
                   <a:tr h="457200">
                     <a:tc>
@@ -5890,14 +6151,13 @@
                         <a:p>
                           <a:pPr algn="ctr"/>
                           <a:r>
-                            <a:rPr lang="en-US" sz="1200" dirty="0" err="1" smtClean="0"/>
+                            <a:rPr lang="en-US" sz="1200" dirty="0" err="1"/>
                             <a:t>Int</a:t>
                           </a:r>
                           <a:r>
-                            <a:rPr lang="en-US" sz="1200" dirty="0" smtClean="0"/>
+                            <a:rPr lang="en-US" sz="1200" dirty="0"/>
                             <a:t> + Covariate 1 + Covariate 3</a:t>
                           </a:r>
-                          <a:endParaRPr lang="en-US" sz="1200" dirty="0"/>
                         </a:p>
                       </a:txBody>
                       <a:tcPr anchor="ctr">
@@ -5936,10 +6196,9 @@
                         <a:p>
                           <a:pPr algn="ctr"/>
                           <a:r>
-                            <a:rPr lang="en-US" sz="1200" dirty="0" smtClean="0"/>
+                            <a:rPr lang="en-US" sz="1200" dirty="0"/>
                             <a:t>345.8</a:t>
                           </a:r>
-                          <a:endParaRPr lang="en-US" sz="1200" dirty="0"/>
                         </a:p>
                       </a:txBody>
                       <a:tcPr anchor="ctr">
@@ -5978,10 +6237,9 @@
                         <a:p>
                           <a:pPr algn="ctr"/>
                           <a:r>
-                            <a:rPr lang="en-US" sz="1200" dirty="0" smtClean="0"/>
+                            <a:rPr lang="en-US" sz="1200" dirty="0"/>
                             <a:t>0</a:t>
                           </a:r>
-                          <a:endParaRPr lang="en-US" sz="1200" dirty="0"/>
                         </a:p>
                       </a:txBody>
                       <a:tcPr anchor="ctr">
@@ -6020,10 +6278,9 @@
                         <a:p>
                           <a:pPr algn="ctr"/>
                           <a:r>
-                            <a:rPr lang="en-US" sz="1200" dirty="0" smtClean="0"/>
+                            <a:rPr lang="en-US" sz="1200" dirty="0"/>
                             <a:t>3</a:t>
                           </a:r>
-                          <a:endParaRPr lang="en-US" sz="1200" dirty="0"/>
                         </a:p>
                       </a:txBody>
                       <a:tcPr anchor="ctr">
@@ -6062,10 +6319,9 @@
                         <a:p>
                           <a:pPr algn="ctr"/>
                           <a:r>
-                            <a:rPr lang="en-US" sz="1200" dirty="0" smtClean="0"/>
+                            <a:rPr lang="en-US" sz="1200" dirty="0"/>
                             <a:t>0.82</a:t>
                           </a:r>
-                          <a:endParaRPr lang="en-US" sz="1200" dirty="0"/>
                         </a:p>
                       </a:txBody>
                       <a:tcPr anchor="ctr">
@@ -6097,6 +6353,11 @@
                         </a:lnBlToTr>
                       </a:tcPr>
                     </a:tc>
+                    <a:extLst>
+                      <a:ext uri="{0D108BD9-81ED-4DB2-BD59-A6C34878D82A}">
+                        <a16:rowId xmlns:a16="http://schemas.microsoft.com/office/drawing/2014/main" val="10001"/>
+                      </a:ext>
+                    </a:extLst>
                   </a:tr>
                   <a:tr h="457200">
                     <a:tc>
@@ -6106,15 +6367,15 @@
                         <a:p>
                           <a:pPr algn="ctr"/>
                           <a:r>
-                            <a:rPr lang="en-US" sz="1200" i="0" dirty="0" err="1" smtClean="0"/>
+                            <a:rPr lang="en-US" sz="1200" i="0" dirty="0" err="1"/>
                             <a:t>Int</a:t>
                           </a:r>
                           <a:r>
-                            <a:rPr lang="en-US" sz="1200" i="0" dirty="0" smtClean="0"/>
+                            <a:rPr lang="en-US" sz="1200" i="0" dirty="0"/>
                             <a:t> + Covariate 1 + Covariate 2 + Covariate</a:t>
                           </a:r>
                           <a:r>
-                            <a:rPr lang="en-US" sz="1200" i="0" baseline="0" dirty="0" smtClean="0"/>
+                            <a:rPr lang="en-US" sz="1200" i="0" baseline="0" dirty="0"/>
                             <a:t> 3</a:t>
                           </a:r>
                           <a:endParaRPr lang="en-US" sz="1200" i="0" dirty="0"/>
@@ -6154,10 +6415,9 @@
                         <a:p>
                           <a:pPr algn="ctr"/>
                           <a:r>
-                            <a:rPr lang="en-US" sz="1200" dirty="0" smtClean="0"/>
+                            <a:rPr lang="en-US" sz="1200" dirty="0"/>
                             <a:t>349.1</a:t>
                           </a:r>
-                          <a:endParaRPr lang="en-US" sz="1200" dirty="0"/>
                         </a:p>
                       </a:txBody>
                       <a:tcPr anchor="ctr">
@@ -6194,10 +6454,9 @@
                         <a:p>
                           <a:pPr algn="ctr"/>
                           <a:r>
-                            <a:rPr lang="en-US" sz="1200" dirty="0" smtClean="0"/>
+                            <a:rPr lang="en-US" sz="1200" dirty="0"/>
                             <a:t>3.1</a:t>
                           </a:r>
-                          <a:endParaRPr lang="en-US" sz="1200" dirty="0"/>
                         </a:p>
                       </a:txBody>
                       <a:tcPr anchor="ctr">
@@ -6234,10 +6493,9 @@
                         <a:p>
                           <a:pPr algn="ctr"/>
                           <a:r>
-                            <a:rPr lang="en-US" sz="1200" dirty="0" smtClean="0"/>
+                            <a:rPr lang="en-US" sz="1200" dirty="0"/>
                             <a:t>4</a:t>
                           </a:r>
-                          <a:endParaRPr lang="en-US" sz="1200" dirty="0"/>
                         </a:p>
                       </a:txBody>
                       <a:tcPr anchor="ctr">
@@ -6274,10 +6532,9 @@
                         <a:p>
                           <a:pPr algn="ctr"/>
                           <a:r>
-                            <a:rPr lang="en-US" sz="1200" dirty="0" smtClean="0"/>
+                            <a:rPr lang="en-US" sz="1200" dirty="0"/>
                             <a:t>0.18</a:t>
                           </a:r>
-                          <a:endParaRPr lang="en-US" sz="1200" dirty="0"/>
                         </a:p>
                       </a:txBody>
                       <a:tcPr anchor="ctr">
@@ -6307,6 +6564,11 @@
                         </a:lnBlToTr>
                       </a:tcPr>
                     </a:tc>
+                    <a:extLst>
+                      <a:ext uri="{0D108BD9-81ED-4DB2-BD59-A6C34878D82A}">
+                        <a16:rowId xmlns:a16="http://schemas.microsoft.com/office/drawing/2014/main" val="10002"/>
+                      </a:ext>
+                    </a:extLst>
                   </a:tr>
                   <a:tr h="370840">
                     <a:tc>
@@ -6316,15 +6578,15 @@
                         <a:p>
                           <a:pPr algn="ctr"/>
                           <a:r>
-                            <a:rPr lang="en-US" sz="1200" i="0" dirty="0" err="1" smtClean="0"/>
+                            <a:rPr lang="en-US" sz="1200" i="0" dirty="0" err="1"/>
                             <a:t>Int</a:t>
                           </a:r>
                           <a:r>
-                            <a:rPr lang="en-US" sz="1200" i="0" dirty="0" smtClean="0"/>
+                            <a:rPr lang="en-US" sz="1200" i="0" dirty="0"/>
                             <a:t> </a:t>
                           </a:r>
                           <a:r>
-                            <a:rPr lang="en-US" sz="1200" i="0" baseline="0" dirty="0" smtClean="0"/>
+                            <a:rPr lang="en-US" sz="1200" i="0" baseline="0" dirty="0"/>
                             <a:t>+ Covariate 1</a:t>
                           </a:r>
                           <a:endParaRPr lang="en-US" sz="1200" i="0" dirty="0"/>
@@ -6364,10 +6626,9 @@
                         <a:p>
                           <a:pPr algn="ctr"/>
                           <a:r>
-                            <a:rPr lang="en-US" sz="1200" dirty="0" smtClean="0"/>
+                            <a:rPr lang="en-US" sz="1200" dirty="0"/>
                             <a:t>359.8</a:t>
                           </a:r>
-                          <a:endParaRPr lang="en-US" sz="1200" dirty="0"/>
                         </a:p>
                       </a:txBody>
                       <a:tcPr anchor="ctr">
@@ -6404,10 +6665,9 @@
                         <a:p>
                           <a:pPr algn="ctr"/>
                           <a:r>
-                            <a:rPr lang="en-US" sz="1200" dirty="0" smtClean="0"/>
+                            <a:rPr lang="en-US" sz="1200" dirty="0"/>
                             <a:t>14.0</a:t>
                           </a:r>
-                          <a:endParaRPr lang="en-US" sz="1200" dirty="0"/>
                         </a:p>
                       </a:txBody>
                       <a:tcPr anchor="ctr">
@@ -6444,10 +6704,9 @@
                         <a:p>
                           <a:pPr algn="ctr"/>
                           <a:r>
-                            <a:rPr lang="en-US" sz="1200" dirty="0" smtClean="0"/>
+                            <a:rPr lang="en-US" sz="1200" dirty="0"/>
                             <a:t>2</a:t>
                           </a:r>
-                          <a:endParaRPr lang="en-US" sz="1200" dirty="0"/>
                         </a:p>
                       </a:txBody>
                       <a:tcPr anchor="ctr">
@@ -6484,10 +6743,9 @@
                         <a:p>
                           <a:pPr algn="ctr"/>
                           <a:r>
-                            <a:rPr lang="en-US" sz="1200" dirty="0" smtClean="0"/>
+                            <a:rPr lang="en-US" sz="1200" dirty="0"/>
                             <a:t>0</a:t>
                           </a:r>
-                          <a:endParaRPr lang="en-US" sz="1200" dirty="0"/>
                         </a:p>
                       </a:txBody>
                       <a:tcPr anchor="ctr">
@@ -6517,6 +6775,11 @@
                         </a:lnBlToTr>
                       </a:tcPr>
                     </a:tc>
+                    <a:extLst>
+                      <a:ext uri="{0D108BD9-81ED-4DB2-BD59-A6C34878D82A}">
+                        <a16:rowId xmlns:a16="http://schemas.microsoft.com/office/drawing/2014/main" val="10003"/>
+                      </a:ext>
+                    </a:extLst>
                   </a:tr>
                   <a:tr h="370840">
                     <a:tc>
@@ -6526,7 +6789,7 @@
                         <a:p>
                           <a:pPr algn="ctr"/>
                           <a:r>
-                            <a:rPr lang="en-US" sz="1200" i="0" dirty="0" err="1" smtClean="0"/>
+                            <a:rPr lang="en-US" sz="1200" i="0" dirty="0" err="1"/>
                             <a:t>Int</a:t>
                           </a:r>
                           <a:endParaRPr lang="en-US" sz="1200" i="0" dirty="0"/>
@@ -6566,7 +6829,7 @@
                         <a:p>
                           <a:pPr algn="ctr"/>
                           <a:r>
-                            <a:rPr lang="en-US" sz="1200" dirty="0" smtClean="0"/>
+                            <a:rPr lang="en-US" sz="1200" dirty="0"/>
                             <a:t>361.1</a:t>
                           </a:r>
                         </a:p>
@@ -6605,10 +6868,9 @@
                         <a:p>
                           <a:pPr algn="ctr"/>
                           <a:r>
-                            <a:rPr lang="en-US" sz="1200" dirty="0" smtClean="0"/>
+                            <a:rPr lang="en-US" sz="1200" dirty="0"/>
                             <a:t>15.3</a:t>
                           </a:r>
-                          <a:endParaRPr lang="en-US" sz="1200" dirty="0"/>
                         </a:p>
                       </a:txBody>
                       <a:tcPr anchor="ctr">
@@ -6645,10 +6907,9 @@
                         <a:p>
                           <a:pPr algn="ctr"/>
                           <a:r>
-                            <a:rPr lang="en-US" sz="1200" dirty="0" smtClean="0"/>
+                            <a:rPr lang="en-US" sz="1200" dirty="0"/>
                             <a:t>1</a:t>
                           </a:r>
-                          <a:endParaRPr lang="en-US" sz="1200" dirty="0"/>
                         </a:p>
                       </a:txBody>
                       <a:tcPr anchor="ctr">
@@ -6685,10 +6946,9 @@
                         <a:p>
                           <a:pPr algn="ctr"/>
                           <a:r>
-                            <a:rPr lang="en-US" sz="1200" dirty="0" smtClean="0"/>
+                            <a:rPr lang="en-US" sz="1200" dirty="0"/>
                             <a:t>0</a:t>
                           </a:r>
-                          <a:endParaRPr lang="en-US" sz="1200" dirty="0"/>
                         </a:p>
                       </a:txBody>
                       <a:tcPr anchor="ctr">
@@ -6718,6 +6978,11 @@
                         </a:lnBlToTr>
                       </a:tcPr>
                     </a:tc>
+                    <a:extLst>
+                      <a:ext uri="{0D108BD9-81ED-4DB2-BD59-A6C34878D82A}">
+                        <a16:rowId xmlns:a16="http://schemas.microsoft.com/office/drawing/2014/main" val="10004"/>
+                      </a:ext>
+                    </a:extLst>
                   </a:tr>
                   <a:tr h="457200">
                     <a:tc>
@@ -6727,15 +6992,15 @@
                         <a:p>
                           <a:pPr algn="ctr"/>
                           <a:r>
-                            <a:rPr lang="en-US" sz="1200" i="0" dirty="0" err="1" smtClean="0"/>
+                            <a:rPr lang="en-US" sz="1200" i="0" dirty="0" err="1"/>
                             <a:t>Int</a:t>
                           </a:r>
                           <a:r>
-                            <a:rPr lang="en-US" sz="1200" i="0" dirty="0" smtClean="0"/>
+                            <a:rPr lang="en-US" sz="1200" i="0" dirty="0"/>
                             <a:t> + Covariate</a:t>
                           </a:r>
                           <a:r>
-                            <a:rPr lang="en-US" sz="1200" i="0" baseline="0" dirty="0" smtClean="0"/>
+                            <a:rPr lang="en-US" sz="1200" i="0" baseline="0" dirty="0"/>
                             <a:t> 1 + Covariate 2 + Covariate 3 + Covariate 4</a:t>
                           </a:r>
                           <a:endParaRPr lang="en-US" sz="1200" i="0" dirty="0"/>
@@ -6777,10 +7042,9 @@
                         <a:p>
                           <a:pPr algn="ctr"/>
                           <a:r>
-                            <a:rPr lang="en-US" sz="1200" dirty="0" smtClean="0"/>
+                            <a:rPr lang="en-US" sz="1200" dirty="0"/>
                             <a:t>402.9</a:t>
                           </a:r>
-                          <a:endParaRPr lang="en-US" sz="1200" dirty="0"/>
                         </a:p>
                       </a:txBody>
                       <a:tcPr anchor="ctr">
@@ -6819,10 +7083,9 @@
                         <a:p>
                           <a:pPr algn="ctr"/>
                           <a:r>
-                            <a:rPr lang="en-US" sz="1200" dirty="0" smtClean="0"/>
+                            <a:rPr lang="en-US" sz="1200" dirty="0"/>
                             <a:t>57.1</a:t>
                           </a:r>
-                          <a:endParaRPr lang="en-US" sz="1200" dirty="0"/>
                         </a:p>
                       </a:txBody>
                       <a:tcPr anchor="ctr">
@@ -6861,10 +7124,9 @@
                         <a:p>
                           <a:pPr algn="ctr"/>
                           <a:r>
-                            <a:rPr lang="en-US" sz="1200" dirty="0" smtClean="0"/>
+                            <a:rPr lang="en-US" sz="1200" dirty="0"/>
                             <a:t>5</a:t>
                           </a:r>
-                          <a:endParaRPr lang="en-US" sz="1200" dirty="0"/>
                         </a:p>
                       </a:txBody>
                       <a:tcPr anchor="ctr">
@@ -6903,10 +7165,9 @@
                         <a:p>
                           <a:pPr algn="ctr"/>
                           <a:r>
-                            <a:rPr lang="en-US" sz="1200" dirty="0" smtClean="0"/>
+                            <a:rPr lang="en-US" sz="1200" dirty="0"/>
                             <a:t>0</a:t>
                           </a:r>
-                          <a:endParaRPr lang="en-US" sz="1200" dirty="0"/>
                         </a:p>
                       </a:txBody>
                       <a:tcPr anchor="ctr">
@@ -6938,13 +7199,18 @@
                         </a:lnBlToTr>
                       </a:tcPr>
                     </a:tc>
+                    <a:extLst>
+                      <a:ext uri="{0D108BD9-81ED-4DB2-BD59-A6C34878D82A}">
+                        <a16:rowId xmlns:a16="http://schemas.microsoft.com/office/drawing/2014/main" val="10005"/>
+                      </a:ext>
+                    </a:extLst>
                   </a:tr>
                 </a:tbl>
               </a:graphicData>
             </a:graphic>
           </p:graphicFrame>
         </mc:Choice>
-        <mc:Fallback>
+        <mc:Fallback xmlns="">
           <p:graphicFrame>
             <p:nvGraphicFramePr>
               <p:cNvPr id="7" name="Table 6"/>
@@ -8325,7 +8591,7 @@
         <p:spPr>
           <a:xfrm>
             <a:off x="666750" y="514350"/>
-            <a:ext cx="5048250" cy="338554"/>
+            <a:ext cx="5048250" cy="307777"/>
           </a:xfrm>
           <a:prstGeom prst="rect">
             <a:avLst/>
@@ -8339,10 +8605,9 @@
           <a:lstStyle/>
           <a:p>
             <a:r>
-              <a:rPr lang="en-US" sz="1600" dirty="0" smtClean="0"/>
+              <a:rPr lang="en-US" sz="1400" b="1" dirty="0"/>
               <a:t>Statistical distributions</a:t>
             </a:r>
-            <a:endParaRPr lang="en-US" sz="1600" dirty="0"/>
           </a:p>
         </p:txBody>
       </p:sp>
@@ -8373,12 +8638,48 @@
                     <a:tableStyleId>{5940675A-B579-460E-94D1-54222C63F5DA}</a:tableStyleId>
                   </a:tblPr>
                   <a:tblGrid>
-                    <a:gridCol w="1033710"/>
-                    <a:gridCol w="1114933"/>
-                    <a:gridCol w="679768"/>
-                    <a:gridCol w="1022008"/>
-                    <a:gridCol w="1084234"/>
-                    <a:gridCol w="1716506"/>
+                    <a:gridCol w="1033710">
+                      <a:extLst>
+                        <a:ext uri="{9D8B030D-6E8A-4147-A177-3AD203B41FA5}">
+                          <a16:colId xmlns:a16="http://schemas.microsoft.com/office/drawing/2014/main" val="20000"/>
+                        </a:ext>
+                      </a:extLst>
+                    </a:gridCol>
+                    <a:gridCol w="1114933">
+                      <a:extLst>
+                        <a:ext uri="{9D8B030D-6E8A-4147-A177-3AD203B41FA5}">
+                          <a16:colId xmlns:a16="http://schemas.microsoft.com/office/drawing/2014/main" val="20001"/>
+                        </a:ext>
+                      </a:extLst>
+                    </a:gridCol>
+                    <a:gridCol w="679768">
+                      <a:extLst>
+                        <a:ext uri="{9D8B030D-6E8A-4147-A177-3AD203B41FA5}">
+                          <a16:colId xmlns:a16="http://schemas.microsoft.com/office/drawing/2014/main" val="20002"/>
+                        </a:ext>
+                      </a:extLst>
+                    </a:gridCol>
+                    <a:gridCol w="1022008">
+                      <a:extLst>
+                        <a:ext uri="{9D8B030D-6E8A-4147-A177-3AD203B41FA5}">
+                          <a16:colId xmlns:a16="http://schemas.microsoft.com/office/drawing/2014/main" val="20003"/>
+                        </a:ext>
+                      </a:extLst>
+                    </a:gridCol>
+                    <a:gridCol w="1084234">
+                      <a:extLst>
+                        <a:ext uri="{9D8B030D-6E8A-4147-A177-3AD203B41FA5}">
+                          <a16:colId xmlns:a16="http://schemas.microsoft.com/office/drawing/2014/main" val="20004"/>
+                        </a:ext>
+                      </a:extLst>
+                    </a:gridCol>
+                    <a:gridCol w="1716506">
+                      <a:extLst>
+                        <a:ext uri="{9D8B030D-6E8A-4147-A177-3AD203B41FA5}">
+                          <a16:colId xmlns:a16="http://schemas.microsoft.com/office/drawing/2014/main" val="20005"/>
+                        </a:ext>
+                      </a:extLst>
+                    </a:gridCol>
                   </a:tblGrid>
                   <a:tr h="457200">
                     <a:tc>
@@ -8388,9 +8689,34 @@
                         <a:p>
                           <a:pPr algn="ctr"/>
                           <a:r>
-                            <a:rPr lang="en-US" sz="1200" b="1" dirty="0" smtClean="0"/>
+                            <a:rPr lang="en-US" sz="1200" b="1" dirty="0"/>
                             <a:t>Name</a:t>
                           </a:r>
+                        </a:p>
+                      </a:txBody>
+                      <a:tcPr anchor="ctr"/>
+                    </a:tc>
+                    <a:tc>
+                      <a:txBody>
+                        <a:bodyPr/>
+                        <a:lstStyle/>
+                        <a:p>
+                          <a:pPr algn="ctr"/>
+                          <a:r>
+                            <a:rPr lang="en-US" sz="1200" b="1" dirty="0"/>
+                            <a:t>Continuous</a:t>
+                          </a:r>
+                          <a:r>
+                            <a:rPr lang="en-US" sz="1200" b="1" baseline="0" dirty="0"/>
+                            <a:t> or</a:t>
+                          </a:r>
+                        </a:p>
+                        <a:p>
+                          <a:pPr algn="ctr"/>
+                          <a:r>
+                            <a:rPr lang="en-US" sz="1200" b="1" baseline="0" dirty="0"/>
+                            <a:t>Discrete</a:t>
+                          </a:r>
                           <a:endParaRPr lang="en-US" sz="1200" b="1" dirty="0"/>
                         </a:p>
                       </a:txBody>
@@ -8403,21 +8729,9 @@
                         <a:p>
                           <a:pPr algn="ctr"/>
                           <a:r>
-                            <a:rPr lang="en-US" sz="1200" b="1" dirty="0" smtClean="0"/>
-                            <a:t>Continuous</a:t>
-                          </a:r>
-                          <a:r>
-                            <a:rPr lang="en-US" sz="1200" b="1" baseline="0" dirty="0" smtClean="0"/>
-                            <a:t> or</a:t>
-                          </a:r>
-                        </a:p>
-                        <a:p>
-                          <a:pPr algn="ctr"/>
-                          <a:r>
-                            <a:rPr lang="en-US" sz="1200" b="1" baseline="0" dirty="0" smtClean="0"/>
-                            <a:t>Discrete</a:t>
-                          </a:r>
-                          <a:endParaRPr lang="en-US" sz="1200" b="1" dirty="0"/>
+                            <a:rPr lang="en-US" sz="1200" b="1" dirty="0"/>
+                            <a:t>Bounds</a:t>
+                          </a:r>
                         </a:p>
                       </a:txBody>
                       <a:tcPr anchor="ctr"/>
@@ -8429,10 +8743,16 @@
                         <a:p>
                           <a:pPr algn="ctr"/>
                           <a:r>
-                            <a:rPr lang="en-US" sz="1200" b="1" dirty="0" smtClean="0"/>
-                            <a:t>Bounds</a:t>
-                          </a:r>
-                          <a:endParaRPr lang="en-US" sz="1200" b="1" dirty="0"/>
+                            <a:rPr lang="en-US" sz="1200" b="1" dirty="0"/>
+                            <a:t>Common</a:t>
+                          </a:r>
+                        </a:p>
+                        <a:p>
+                          <a:pPr algn="ctr"/>
+                          <a:r>
+                            <a:rPr lang="en-US" sz="1200" b="1" dirty="0"/>
+                            <a:t>applications</a:t>
+                          </a:r>
                         </a:p>
                       </a:txBody>
                       <a:tcPr anchor="ctr"/>
@@ -8444,17 +8764,9 @@
                         <a:p>
                           <a:pPr algn="ctr"/>
                           <a:r>
-                            <a:rPr lang="en-US" sz="1200" b="1" dirty="0" smtClean="0"/>
-                            <a:t>Common</a:t>
-                          </a:r>
-                        </a:p>
-                        <a:p>
-                          <a:pPr algn="ctr"/>
-                          <a:r>
-                            <a:rPr lang="en-US" sz="1200" b="1" dirty="0" smtClean="0"/>
-                            <a:t>applications</a:t>
-                          </a:r>
-                          <a:endParaRPr lang="en-US" sz="1200" b="1" dirty="0"/>
+                            <a:rPr lang="en-US" sz="1200" b="1" dirty="0"/>
+                            <a:t>Shape</a:t>
+                          </a:r>
                         </a:p>
                       </a:txBody>
                       <a:tcPr anchor="ctr"/>
@@ -8466,28 +8778,18 @@
                         <a:p>
                           <a:pPr algn="ctr"/>
                           <a:r>
-                            <a:rPr lang="en-US" sz="1200" b="1" dirty="0" smtClean="0"/>
-                            <a:t>Shape</a:t>
+                            <a:rPr lang="en-US" sz="1200" b="1" dirty="0"/>
+                            <a:t>Notes</a:t>
                           </a:r>
                         </a:p>
                       </a:txBody>
                       <a:tcPr anchor="ctr"/>
                     </a:tc>
-                    <a:tc>
-                      <a:txBody>
-                        <a:bodyPr/>
-                        <a:lstStyle/>
-                        <a:p>
-                          <a:pPr algn="ctr"/>
-                          <a:r>
-                            <a:rPr lang="en-US" sz="1200" b="1" dirty="0" smtClean="0"/>
-                            <a:t>Notes</a:t>
-                          </a:r>
-                          <a:endParaRPr lang="en-US" sz="1200" b="1" dirty="0"/>
-                        </a:p>
-                      </a:txBody>
-                      <a:tcPr anchor="ctr"/>
-                    </a:tc>
+                    <a:extLst>
+                      <a:ext uri="{0D108BD9-81ED-4DB2-BD59-A6C34878D82A}">
+                        <a16:rowId xmlns:a16="http://schemas.microsoft.com/office/drawing/2014/main" val="10000"/>
+                      </a:ext>
+                    </a:extLst>
                   </a:tr>
                   <a:tr h="914400">
                     <a:tc>
@@ -8497,10 +8799,9 @@
                         <a:p>
                           <a:pPr algn="ctr"/>
                           <a:r>
-                            <a:rPr lang="en-US" sz="1200" dirty="0" smtClean="0"/>
+                            <a:rPr lang="en-US" sz="1200" dirty="0"/>
                             <a:t>Normal</a:t>
                           </a:r>
-                          <a:endParaRPr lang="en-US" sz="1200" dirty="0"/>
                         </a:p>
                       </a:txBody>
                       <a:tcPr anchor="ctr"/>
@@ -8512,10 +8813,9 @@
                         <a:p>
                           <a:pPr algn="ctr"/>
                           <a:r>
-                            <a:rPr lang="en-US" sz="1200" dirty="0" smtClean="0"/>
+                            <a:rPr lang="en-US" sz="1200" dirty="0"/>
                             <a:t>Continuous</a:t>
                           </a:r>
-                          <a:endParaRPr lang="en-US" sz="1200" dirty="0"/>
                         </a:p>
                       </a:txBody>
                       <a:tcPr anchor="ctr"/>
@@ -8527,7 +8827,7 @@
                         <a:p>
                           <a:pPr algn="ctr"/>
                           <a:r>
-                            <a:rPr lang="en-US" sz="1200" dirty="0" smtClean="0">
+                            <a:rPr lang="en-US" sz="1200" dirty="0">
                               <a:ea typeface="Cambria Math" charset="0"/>
                               <a:cs typeface="Cambria Math" charset="0"/>
                             </a:rPr>
@@ -8565,11 +8865,11 @@
                         <a:p>
                           <a:pPr algn="ctr"/>
                           <a:r>
-                            <a:rPr lang="en-US" sz="1200" dirty="0" smtClean="0"/>
+                            <a:rPr lang="en-US" sz="1200" dirty="0"/>
                             <a:t>Linear</a:t>
                           </a:r>
                           <a:r>
-                            <a:rPr lang="en-US" sz="1200" baseline="0" dirty="0" smtClean="0"/>
+                            <a:rPr lang="en-US" sz="1200" baseline="0" dirty="0"/>
                             <a:t> regression</a:t>
                           </a:r>
                           <a:endParaRPr lang="en-US" sz="1200" dirty="0"/>
@@ -8599,6 +8899,11 @@
                       </a:txBody>
                       <a:tcPr anchor="ctr"/>
                     </a:tc>
+                    <a:extLst>
+                      <a:ext uri="{0D108BD9-81ED-4DB2-BD59-A6C34878D82A}">
+                        <a16:rowId xmlns:a16="http://schemas.microsoft.com/office/drawing/2014/main" val="10001"/>
+                      </a:ext>
+                    </a:extLst>
                   </a:tr>
                   <a:tr h="914400">
                     <a:tc>
@@ -8608,9 +8913,41 @@
                         <a:p>
                           <a:pPr algn="ctr"/>
                           <a:r>
-                            <a:rPr lang="en-US" sz="1200" dirty="0" smtClean="0"/>
+                            <a:rPr lang="en-US" sz="1200" dirty="0"/>
                             <a:t>Binomial</a:t>
                           </a:r>
+                        </a:p>
+                      </a:txBody>
+                      <a:tcPr anchor="ctr"/>
+                    </a:tc>
+                    <a:tc>
+                      <a:txBody>
+                        <a:bodyPr/>
+                        <a:lstStyle/>
+                        <a:p>
+                          <a:pPr algn="ctr"/>
+                          <a:r>
+                            <a:rPr lang="en-US" sz="1200" dirty="0"/>
+                            <a:t>Discrete</a:t>
+                          </a:r>
+                        </a:p>
+                      </a:txBody>
+                      <a:tcPr anchor="ctr"/>
+                    </a:tc>
+                    <a:tc>
+                      <a:txBody>
+                        <a:bodyPr/>
+                        <a:lstStyle/>
+                        <a:p>
+                          <a:pPr algn="ctr"/>
+                          <a:r>
+                            <a:rPr lang="en-US" sz="1200" dirty="0"/>
+                            <a:t>0</a:t>
+                          </a:r>
+                          <a:r>
+                            <a:rPr lang="en-US" sz="1200" baseline="0" dirty="0"/>
+                            <a:t> or 1</a:t>
+                          </a:r>
                           <a:endParaRPr lang="en-US" sz="1200" dirty="0"/>
                         </a:p>
                       </a:txBody>
@@ -8623,8 +8960,16 @@
                         <a:p>
                           <a:pPr algn="ctr"/>
                           <a:r>
-                            <a:rPr lang="en-US" sz="1200" dirty="0" smtClean="0"/>
-                            <a:t>Discrete</a:t>
+                            <a:rPr lang="en-US" sz="1200" dirty="0"/>
+                            <a:t>Occupancy</a:t>
+                          </a:r>
+                          <a:endParaRPr lang="en-US" sz="1200" baseline="0" dirty="0"/>
+                        </a:p>
+                        <a:p>
+                          <a:pPr algn="ctr"/>
+                          <a:r>
+                            <a:rPr lang="en-US" sz="1200" baseline="0" dirty="0"/>
+                            <a:t>Survival</a:t>
                           </a:r>
                           <a:endParaRPr lang="en-US" sz="1200" dirty="0"/>
                         </a:p>
@@ -8637,14 +8982,6 @@
                         <a:lstStyle/>
                         <a:p>
                           <a:pPr algn="ctr"/>
-                          <a:r>
-                            <a:rPr lang="en-US" sz="1200" dirty="0" smtClean="0"/>
-                            <a:t>0</a:t>
-                          </a:r>
-                          <a:r>
-                            <a:rPr lang="en-US" sz="1200" baseline="0" dirty="0" smtClean="0"/>
-                            <a:t> or 1</a:t>
-                          </a:r>
                           <a:endParaRPr lang="en-US" sz="1200" dirty="0"/>
                         </a:p>
                       </a:txBody>
@@ -8656,45 +8993,16 @@
                         <a:lstStyle/>
                         <a:p>
                           <a:pPr algn="ctr"/>
-                          <a:r>
-                            <a:rPr lang="en-US" sz="1200" dirty="0" smtClean="0"/>
-                            <a:t>Occupancy</a:t>
-                          </a:r>
-                          <a:endParaRPr lang="en-US" sz="1200" baseline="0" dirty="0" smtClean="0"/>
-                        </a:p>
-                        <a:p>
-                          <a:pPr algn="ctr"/>
-                          <a:r>
-                            <a:rPr lang="en-US" sz="1200" baseline="0" dirty="0" smtClean="0"/>
-                            <a:t>Survival</a:t>
-                          </a:r>
-                          <a:endParaRPr lang="en-US" sz="1200" dirty="0"/>
+                          <a:endParaRPr lang="en-US" sz="1200"/>
                         </a:p>
                       </a:txBody>
                       <a:tcPr anchor="ctr"/>
                     </a:tc>
-                    <a:tc>
-                      <a:txBody>
-                        <a:bodyPr/>
-                        <a:lstStyle/>
-                        <a:p>
-                          <a:pPr algn="ctr"/>
-                          <a:endParaRPr lang="en-US" sz="1200" dirty="0"/>
-                        </a:p>
-                      </a:txBody>
-                      <a:tcPr anchor="ctr"/>
-                    </a:tc>
-                    <a:tc>
-                      <a:txBody>
-                        <a:bodyPr/>
-                        <a:lstStyle/>
-                        <a:p>
-                          <a:pPr algn="ctr"/>
-                          <a:endParaRPr lang="en-US" sz="1200"/>
-                        </a:p>
-                      </a:txBody>
-                      <a:tcPr anchor="ctr"/>
-                    </a:tc>
+                    <a:extLst>
+                      <a:ext uri="{0D108BD9-81ED-4DB2-BD59-A6C34878D82A}">
+                        <a16:rowId xmlns:a16="http://schemas.microsoft.com/office/drawing/2014/main" val="10002"/>
+                      </a:ext>
+                    </a:extLst>
                   </a:tr>
                   <a:tr h="914400">
                     <a:tc>
@@ -8704,7 +9012,7 @@
                         <a:p>
                           <a:pPr algn="ctr"/>
                           <a:r>
-                            <a:rPr lang="en-US" sz="1200" dirty="0" smtClean="0"/>
+                            <a:rPr lang="en-US" sz="1200" dirty="0"/>
                             <a:t>Multinomial</a:t>
                           </a:r>
                         </a:p>
@@ -8718,10 +9026,9 @@
                         <a:p>
                           <a:pPr algn="ctr"/>
                           <a:r>
-                            <a:rPr lang="en-US" sz="1200" dirty="0" smtClean="0"/>
+                            <a:rPr lang="en-US" sz="1200" dirty="0"/>
                             <a:t>Discrete</a:t>
                           </a:r>
-                          <a:endParaRPr lang="en-US" sz="1200" dirty="0"/>
                         </a:p>
                       </a:txBody>
                       <a:tcPr anchor="ctr"/>
@@ -8733,11 +9040,11 @@
                         <a:p>
                           <a:pPr algn="ctr"/>
                           <a:r>
-                            <a:rPr lang="en-US" sz="1200" dirty="0" smtClean="0"/>
+                            <a:rPr lang="en-US" sz="1200" dirty="0"/>
                             <a:t>0,</a:t>
                           </a:r>
                           <a:r>
-                            <a:rPr lang="en-US" sz="1200" baseline="0" dirty="0" smtClean="0"/>
+                            <a:rPr lang="en-US" sz="1200" baseline="0" dirty="0"/>
                             <a:t> </a:t>
                           </a:r>
                           <a14:m>
@@ -8764,9 +9071,19 @@
                         <a:p>
                           <a:pPr algn="ctr"/>
                           <a:r>
-                            <a:rPr lang="en-US" sz="1200" dirty="0" smtClean="0"/>
+                            <a:rPr lang="en-US" sz="1200" dirty="0"/>
                             <a:t>State transitions</a:t>
                           </a:r>
+                        </a:p>
+                      </a:txBody>
+                      <a:tcPr anchor="ctr"/>
+                    </a:tc>
+                    <a:tc>
+                      <a:txBody>
+                        <a:bodyPr/>
+                        <a:lstStyle/>
+                        <a:p>
+                          <a:pPr algn="ctr"/>
                           <a:endParaRPr lang="en-US" sz="1200" dirty="0"/>
                         </a:p>
                       </a:txBody>
@@ -8783,17 +9100,11 @@
                       </a:txBody>
                       <a:tcPr anchor="ctr"/>
                     </a:tc>
-                    <a:tc>
-                      <a:txBody>
-                        <a:bodyPr/>
-                        <a:lstStyle/>
-                        <a:p>
-                          <a:pPr algn="ctr"/>
-                          <a:endParaRPr lang="en-US" sz="1200" dirty="0"/>
-                        </a:p>
-                      </a:txBody>
-                      <a:tcPr anchor="ctr"/>
-                    </a:tc>
+                    <a:extLst>
+                      <a:ext uri="{0D108BD9-81ED-4DB2-BD59-A6C34878D82A}">
+                        <a16:rowId xmlns:a16="http://schemas.microsoft.com/office/drawing/2014/main" val="10003"/>
+                      </a:ext>
+                    </a:extLst>
                   </a:tr>
                   <a:tr h="914400">
                     <a:tc>
@@ -8803,7 +9114,7 @@
                         <a:p>
                           <a:pPr algn="ctr"/>
                           <a:r>
-                            <a:rPr lang="en-US" sz="1200" dirty="0" smtClean="0"/>
+                            <a:rPr lang="en-US" sz="1200" dirty="0"/>
                             <a:t>Poisson</a:t>
                           </a:r>
                         </a:p>
@@ -8817,10 +9128,9 @@
                         <a:p>
                           <a:pPr algn="ctr"/>
                           <a:r>
-                            <a:rPr lang="en-US" sz="1200" dirty="0" smtClean="0"/>
+                            <a:rPr lang="en-US" sz="1200" dirty="0"/>
                             <a:t>Discrete</a:t>
                           </a:r>
-                          <a:endParaRPr lang="en-US" sz="1200" dirty="0"/>
                         </a:p>
                       </a:txBody>
                       <a:tcPr anchor="ctr"/>
@@ -8832,11 +9142,11 @@
                         <a:p>
                           <a:pPr algn="ctr"/>
                           <a:r>
-                            <a:rPr lang="en-US" sz="1200" dirty="0" smtClean="0"/>
+                            <a:rPr lang="en-US" sz="1200" dirty="0"/>
                             <a:t>0,</a:t>
                           </a:r>
                           <a:r>
-                            <a:rPr lang="en-US" sz="1200" baseline="0" dirty="0" smtClean="0"/>
+                            <a:rPr lang="en-US" sz="1200" baseline="0" dirty="0"/>
                             <a:t> </a:t>
                           </a:r>
                           <a14:m>
@@ -8863,9 +9173,19 @@
                         <a:p>
                           <a:pPr algn="ctr"/>
                           <a:r>
-                            <a:rPr lang="en-US" sz="1200" dirty="0" smtClean="0"/>
+                            <a:rPr lang="en-US" sz="1200" dirty="0"/>
                             <a:t>Count data</a:t>
                           </a:r>
+                        </a:p>
+                      </a:txBody>
+                      <a:tcPr anchor="ctr"/>
+                    </a:tc>
+                    <a:tc>
+                      <a:txBody>
+                        <a:bodyPr/>
+                        <a:lstStyle/>
+                        <a:p>
+                          <a:pPr algn="ctr"/>
                           <a:endParaRPr lang="en-US" sz="1200" dirty="0"/>
                         </a:p>
                       </a:txBody>
@@ -8882,17 +9202,11 @@
                       </a:txBody>
                       <a:tcPr anchor="ctr"/>
                     </a:tc>
-                    <a:tc>
-                      <a:txBody>
-                        <a:bodyPr/>
-                        <a:lstStyle/>
-                        <a:p>
-                          <a:pPr algn="ctr"/>
-                          <a:endParaRPr lang="en-US" sz="1200" dirty="0"/>
-                        </a:p>
-                      </a:txBody>
-                      <a:tcPr anchor="ctr"/>
-                    </a:tc>
+                    <a:extLst>
+                      <a:ext uri="{0D108BD9-81ED-4DB2-BD59-A6C34878D82A}">
+                        <a16:rowId xmlns:a16="http://schemas.microsoft.com/office/drawing/2014/main" val="10004"/>
+                      </a:ext>
+                    </a:extLst>
                   </a:tr>
                   <a:tr h="914400">
                     <a:tc>
@@ -8902,10 +9216,9 @@
                         <a:p>
                           <a:pPr algn="ctr"/>
                           <a:r>
-                            <a:rPr lang="en-US" sz="1200" dirty="0" smtClean="0"/>
+                            <a:rPr lang="en-US" sz="1200" dirty="0"/>
                             <a:t>Negative Binomial</a:t>
                           </a:r>
-                          <a:endParaRPr lang="en-US" sz="1200" dirty="0"/>
                         </a:p>
                       </a:txBody>
                       <a:tcPr anchor="ctr"/>
@@ -8917,10 +9230,9 @@
                         <a:p>
                           <a:pPr algn="ctr"/>
                           <a:r>
-                            <a:rPr lang="en-US" sz="1200" dirty="0" smtClean="0"/>
+                            <a:rPr lang="en-US" sz="1200" dirty="0"/>
                             <a:t>Discrete</a:t>
                           </a:r>
-                          <a:endParaRPr lang="en-US" sz="1200" dirty="0"/>
                         </a:p>
                       </a:txBody>
                       <a:tcPr anchor="ctr"/>
@@ -8932,7 +9244,7 @@
                         <a:p>
                           <a:pPr algn="ctr"/>
                           <a:r>
-                            <a:rPr lang="en-US" sz="1200" dirty="0" smtClean="0"/>
+                            <a:rPr lang="en-US" sz="1200" dirty="0"/>
                             <a:t>0, </a:t>
                           </a:r>
                           <a14:m>
@@ -8959,11 +9271,11 @@
                         <a:p>
                           <a:pPr algn="ctr"/>
                           <a:r>
-                            <a:rPr lang="en-US" sz="1200" dirty="0" smtClean="0"/>
+                            <a:rPr lang="en-US" sz="1200" dirty="0"/>
                             <a:t>Counts with many</a:t>
                           </a:r>
                           <a:r>
-                            <a:rPr lang="en-US" sz="1200" baseline="0" dirty="0" smtClean="0"/>
+                            <a:rPr lang="en-US" sz="1200" baseline="0" dirty="0"/>
                             <a:t> zeros</a:t>
                           </a:r>
                           <a:endParaRPr lang="en-US" sz="1200" dirty="0"/>
@@ -8993,6 +9305,11 @@
                       </a:txBody>
                       <a:tcPr anchor="ctr"/>
                     </a:tc>
+                    <a:extLst>
+                      <a:ext uri="{0D108BD9-81ED-4DB2-BD59-A6C34878D82A}">
+                        <a16:rowId xmlns:a16="http://schemas.microsoft.com/office/drawing/2014/main" val="10005"/>
+                      </a:ext>
+                    </a:extLst>
                   </a:tr>
                   <a:tr h="914400">
                     <a:tc>
@@ -9002,10 +9319,9 @@
                         <a:p>
                           <a:pPr algn="ctr"/>
                           <a:r>
-                            <a:rPr lang="en-US" sz="1200" dirty="0" smtClean="0"/>
+                            <a:rPr lang="en-US" sz="1200" dirty="0"/>
                             <a:t>Log-normal</a:t>
                           </a:r>
-                          <a:endParaRPr lang="en-US" sz="1200" dirty="0"/>
                         </a:p>
                       </a:txBody>
                       <a:tcPr anchor="ctr"/>
@@ -9017,10 +9333,9 @@
                         <a:p>
                           <a:pPr algn="ctr"/>
                           <a:r>
-                            <a:rPr lang="en-US" sz="1200" dirty="0" smtClean="0"/>
+                            <a:rPr lang="en-US" sz="1200" dirty="0"/>
                             <a:t>Continuous</a:t>
                           </a:r>
-                          <a:endParaRPr lang="en-US" sz="1200" dirty="0"/>
                         </a:p>
                       </a:txBody>
                       <a:tcPr anchor="ctr"/>
@@ -9032,7 +9347,7 @@
                         <a:p>
                           <a:pPr algn="ctr"/>
                           <a:r>
-                            <a:rPr lang="en-US" sz="1200" dirty="0" smtClean="0"/>
+                            <a:rPr lang="en-US" sz="1200" dirty="0"/>
                             <a:t>0, </a:t>
                           </a:r>
                           <a14:m>
@@ -9059,11 +9374,11 @@
                         <a:p>
                           <a:pPr algn="ctr"/>
                           <a:r>
-                            <a:rPr lang="en-US" sz="1200" dirty="0" smtClean="0"/>
+                            <a:rPr lang="en-US" sz="1200" dirty="0"/>
                             <a:t>Population-level</a:t>
                           </a:r>
                           <a:r>
-                            <a:rPr lang="en-US" sz="1200" baseline="0" dirty="0" smtClean="0"/>
+                            <a:rPr lang="en-US" sz="1200" baseline="0" dirty="0"/>
                             <a:t> productivity (projections)</a:t>
                           </a:r>
                           <a:endParaRPr lang="en-US" sz="1200" dirty="0"/>
@@ -9093,6 +9408,11 @@
                       </a:txBody>
                       <a:tcPr anchor="ctr"/>
                     </a:tc>
+                    <a:extLst>
+                      <a:ext uri="{0D108BD9-81ED-4DB2-BD59-A6C34878D82A}">
+                        <a16:rowId xmlns:a16="http://schemas.microsoft.com/office/drawing/2014/main" val="10006"/>
+                      </a:ext>
+                    </a:extLst>
                   </a:tr>
                   <a:tr h="914400">
                     <a:tc>
@@ -9102,9 +9422,55 @@
                         <a:p>
                           <a:pPr algn="ctr"/>
                           <a:r>
-                            <a:rPr lang="en-US" sz="1200" dirty="0" smtClean="0"/>
+                            <a:rPr lang="en-US" sz="1200" dirty="0"/>
                             <a:t>Beta</a:t>
                           </a:r>
+                        </a:p>
+                      </a:txBody>
+                      <a:tcPr anchor="ctr"/>
+                    </a:tc>
+                    <a:tc>
+                      <a:txBody>
+                        <a:bodyPr/>
+                        <a:lstStyle/>
+                        <a:p>
+                          <a:pPr algn="ctr"/>
+                          <a:r>
+                            <a:rPr lang="en-US" sz="1200" dirty="0"/>
+                            <a:t>Continuous</a:t>
+                          </a:r>
+                        </a:p>
+                      </a:txBody>
+                      <a:tcPr anchor="ctr"/>
+                    </a:tc>
+                    <a:tc>
+                      <a:txBody>
+                        <a:bodyPr/>
+                        <a:lstStyle/>
+                        <a:p>
+                          <a:pPr algn="ctr"/>
+                          <a:r>
+                            <a:rPr lang="en-US" sz="1200" dirty="0"/>
+                            <a:t>0, 1</a:t>
+                          </a:r>
+                        </a:p>
+                      </a:txBody>
+                      <a:tcPr anchor="ctr"/>
+                    </a:tc>
+                    <a:tc>
+                      <a:txBody>
+                        <a:bodyPr/>
+                        <a:lstStyle/>
+                        <a:p>
+                          <a:pPr algn="ctr"/>
+                          <a:r>
+                            <a:rPr lang="en-US" sz="1200" dirty="0"/>
+                            <a:t>Population rates</a:t>
+                          </a:r>
+                          <a:r>
+                            <a:rPr lang="en-US" sz="1200" baseline="0" dirty="0"/>
+                            <a:t> (projections)</a:t>
+                          </a:r>
                           <a:endParaRPr lang="en-US" sz="1200" dirty="0"/>
                         </a:p>
                       </a:txBody>
@@ -9116,10 +9482,6 @@
                         <a:lstStyle/>
                         <a:p>
                           <a:pPr algn="ctr"/>
-                          <a:r>
-                            <a:rPr lang="en-US" sz="1200" dirty="0" smtClean="0"/>
-                            <a:t>Continuous</a:t>
-                          </a:r>
                           <a:endParaRPr lang="en-US" sz="1200" dirty="0"/>
                         </a:p>
                       </a:txBody>
@@ -9131,56 +9493,16 @@
                         <a:lstStyle/>
                         <a:p>
                           <a:pPr algn="ctr"/>
-                          <a:r>
-                            <a:rPr lang="en-US" sz="1200" dirty="0" smtClean="0"/>
-                            <a:t>0, 1</a:t>
-                          </a:r>
-                          <a:endParaRPr lang="en-US" sz="1200" dirty="0"/>
+                          <a:endParaRPr lang="en-US" sz="1200"/>
                         </a:p>
                       </a:txBody>
                       <a:tcPr anchor="ctr"/>
                     </a:tc>
-                    <a:tc>
-                      <a:txBody>
-                        <a:bodyPr/>
-                        <a:lstStyle/>
-                        <a:p>
-                          <a:pPr algn="ctr"/>
-                          <a:r>
-                            <a:rPr lang="en-US" sz="1200" dirty="0" smtClean="0"/>
-                            <a:t>Population rates</a:t>
-                          </a:r>
-                          <a:r>
-                            <a:rPr lang="en-US" sz="1200" baseline="0" dirty="0" smtClean="0"/>
-                            <a:t> (projections)</a:t>
-                          </a:r>
-                          <a:endParaRPr lang="en-US" sz="1200" dirty="0"/>
-                        </a:p>
-                      </a:txBody>
-                      <a:tcPr anchor="ctr"/>
-                    </a:tc>
-                    <a:tc>
-                      <a:txBody>
-                        <a:bodyPr/>
-                        <a:lstStyle/>
-                        <a:p>
-                          <a:pPr algn="ctr"/>
-                          <a:endParaRPr lang="en-US" sz="1200" dirty="0"/>
-                        </a:p>
-                      </a:txBody>
-                      <a:tcPr anchor="ctr"/>
-                    </a:tc>
-                    <a:tc>
-                      <a:txBody>
-                        <a:bodyPr/>
-                        <a:lstStyle/>
-                        <a:p>
-                          <a:pPr algn="ctr"/>
-                          <a:endParaRPr lang="en-US" sz="1200"/>
-                        </a:p>
-                      </a:txBody>
-                      <a:tcPr anchor="ctr"/>
-                    </a:tc>
+                    <a:extLst>
+                      <a:ext uri="{0D108BD9-81ED-4DB2-BD59-A6C34878D82A}">
+                        <a16:rowId xmlns:a16="http://schemas.microsoft.com/office/drawing/2014/main" val="10007"/>
+                      </a:ext>
+                    </a:extLst>
                   </a:tr>
                   <a:tr h="914400">
                     <a:tc>
@@ -9190,9 +9512,55 @@
                         <a:p>
                           <a:pPr algn="ctr"/>
                           <a:r>
-                            <a:rPr lang="en-US" sz="1200" dirty="0" smtClean="0"/>
+                            <a:rPr lang="en-US" sz="1200" dirty="0"/>
                             <a:t>Uniform</a:t>
                           </a:r>
+                        </a:p>
+                      </a:txBody>
+                      <a:tcPr anchor="ctr"/>
+                    </a:tc>
+                    <a:tc>
+                      <a:txBody>
+                        <a:bodyPr/>
+                        <a:lstStyle/>
+                        <a:p>
+                          <a:pPr algn="ctr"/>
+                          <a:r>
+                            <a:rPr lang="en-US" sz="1200" dirty="0"/>
+                            <a:t>Continuous</a:t>
+                          </a:r>
+                        </a:p>
+                      </a:txBody>
+                      <a:tcPr anchor="ctr"/>
+                    </a:tc>
+                    <a:tc>
+                      <a:txBody>
+                        <a:bodyPr/>
+                        <a:lstStyle/>
+                        <a:p>
+                          <a:pPr algn="ctr"/>
+                          <a:r>
+                            <a:rPr lang="en-US" sz="1200" dirty="0"/>
+                            <a:t>User-defined</a:t>
+                          </a:r>
+                        </a:p>
+                      </a:txBody>
+                      <a:tcPr anchor="ctr"/>
+                    </a:tc>
+                    <a:tc>
+                      <a:txBody>
+                        <a:bodyPr/>
+                        <a:lstStyle/>
+                        <a:p>
+                          <a:pPr algn="ctr"/>
+                          <a:r>
+                            <a:rPr lang="en-US" sz="1200" dirty="0"/>
+                            <a:t>Variety</a:t>
+                          </a:r>
+                          <a:r>
+                            <a:rPr lang="en-US" sz="1200" baseline="0" dirty="0"/>
+                            <a:t> of applications (projections)</a:t>
+                          </a:r>
                           <a:endParaRPr lang="en-US" sz="1200" dirty="0"/>
                         </a:p>
                       </a:txBody>
@@ -9204,10 +9572,6 @@
                         <a:lstStyle/>
                         <a:p>
                           <a:pPr algn="ctr"/>
-                          <a:r>
-                            <a:rPr lang="en-US" sz="1200" dirty="0" smtClean="0"/>
-                            <a:t>Continuous</a:t>
-                          </a:r>
                           <a:endParaRPr lang="en-US" sz="1200" dirty="0"/>
                         </a:p>
                       </a:txBody>
@@ -9219,56 +9583,16 @@
                         <a:lstStyle/>
                         <a:p>
                           <a:pPr algn="ctr"/>
-                          <a:r>
-                            <a:rPr lang="en-US" sz="1200" dirty="0" smtClean="0"/>
-                            <a:t>User-defined</a:t>
-                          </a:r>
                           <a:endParaRPr lang="en-US" sz="1200" dirty="0"/>
                         </a:p>
                       </a:txBody>
                       <a:tcPr anchor="ctr"/>
                     </a:tc>
-                    <a:tc>
-                      <a:txBody>
-                        <a:bodyPr/>
-                        <a:lstStyle/>
-                        <a:p>
-                          <a:pPr algn="ctr"/>
-                          <a:r>
-                            <a:rPr lang="en-US" sz="1200" dirty="0" smtClean="0"/>
-                            <a:t>Variety</a:t>
-                          </a:r>
-                          <a:r>
-                            <a:rPr lang="en-US" sz="1200" baseline="0" dirty="0" smtClean="0"/>
-                            <a:t> of applications (projections)</a:t>
-                          </a:r>
-                          <a:endParaRPr lang="en-US" sz="1200" dirty="0"/>
-                        </a:p>
-                      </a:txBody>
-                      <a:tcPr anchor="ctr"/>
-                    </a:tc>
-                    <a:tc>
-                      <a:txBody>
-                        <a:bodyPr/>
-                        <a:lstStyle/>
-                        <a:p>
-                          <a:pPr algn="ctr"/>
-                          <a:endParaRPr lang="en-US" sz="1200" dirty="0"/>
-                        </a:p>
-                      </a:txBody>
-                      <a:tcPr anchor="ctr"/>
-                    </a:tc>
-                    <a:tc>
-                      <a:txBody>
-                        <a:bodyPr/>
-                        <a:lstStyle/>
-                        <a:p>
-                          <a:pPr algn="ctr"/>
-                          <a:endParaRPr lang="en-US" sz="1200" dirty="0"/>
-                        </a:p>
-                      </a:txBody>
-                      <a:tcPr anchor="ctr"/>
-                    </a:tc>
+                    <a:extLst>
+                      <a:ext uri="{0D108BD9-81ED-4DB2-BD59-A6C34878D82A}">
+                        <a16:rowId xmlns:a16="http://schemas.microsoft.com/office/drawing/2014/main" val="10008"/>
+                      </a:ext>
+                    </a:extLst>
                   </a:tr>
                 </a:tbl>
               </a:graphicData>
@@ -10150,6 +10474,642 @@
 </file>
 
 <file path=ppt/slides/slide5.xml><?xml version="1.0" encoding="utf-8"?>
+<p:sld xmlns:a="http://schemas.openxmlformats.org/drawingml/2006/main" xmlns:r="http://schemas.openxmlformats.org/officeDocument/2006/relationships" xmlns:p="http://schemas.openxmlformats.org/presentationml/2006/main">
+  <p:cSld>
+    <p:spTree>
+      <p:nvGrpSpPr>
+        <p:cNvPr id="1" name=""/>
+        <p:cNvGrpSpPr/>
+        <p:nvPr/>
+      </p:nvGrpSpPr>
+      <p:grpSpPr>
+        <a:xfrm>
+          <a:off x="0" y="0"/>
+          <a:ext cx="0" cy="0"/>
+          <a:chOff x="0" y="0"/>
+          <a:chExt cx="0" cy="0"/>
+        </a:xfrm>
+      </p:grpSpPr>
+      <p:sp>
+        <p:nvSpPr>
+          <p:cNvPr id="4" name="TextBox 3">
+            <a:extLst>
+              <a:ext uri="{FF2B5EF4-FFF2-40B4-BE49-F238E27FC236}">
+                <a16:creationId xmlns:a16="http://schemas.microsoft.com/office/drawing/2014/main" id="{51292966-3E7B-4BA1-958B-D77DE3A3E506}"/>
+              </a:ext>
+            </a:extLst>
+          </p:cNvPr>
+          <p:cNvSpPr txBox="1"/>
+          <p:nvPr/>
+        </p:nvSpPr>
+        <p:spPr>
+          <a:xfrm>
+            <a:off x="666750" y="514352"/>
+            <a:ext cx="5048250" cy="307777"/>
+          </a:xfrm>
+          <a:prstGeom prst="rect">
+            <a:avLst/>
+          </a:prstGeom>
+          <a:noFill/>
+        </p:spPr>
+        <p:txBody>
+          <a:bodyPr wrap="square" rtlCol="0">
+            <a:spAutoFit/>
+          </a:bodyPr>
+          <a:lstStyle/>
+          <a:p>
+            <a:r>
+              <a:rPr lang="en-US" sz="1400" b="1" dirty="0"/>
+              <a:t>Types of uncertainty</a:t>
+            </a:r>
+          </a:p>
+        </p:txBody>
+      </p:sp>
+      <p:sp>
+        <p:nvSpPr>
+          <p:cNvPr id="5" name="TextBox 4">
+            <a:extLst>
+              <a:ext uri="{FF2B5EF4-FFF2-40B4-BE49-F238E27FC236}">
+                <a16:creationId xmlns:a16="http://schemas.microsoft.com/office/drawing/2014/main" id="{1B1A515D-0B5C-4D01-A86E-358ED2CA6CF1}"/>
+              </a:ext>
+            </a:extLst>
+          </p:cNvPr>
+          <p:cNvSpPr txBox="1"/>
+          <p:nvPr/>
+        </p:nvSpPr>
+        <p:spPr>
+          <a:xfrm>
+            <a:off x="666751" y="879484"/>
+            <a:ext cx="5545207" cy="7663636"/>
+          </a:xfrm>
+          <a:prstGeom prst="rect">
+            <a:avLst/>
+          </a:prstGeom>
+          <a:noFill/>
+        </p:spPr>
+        <p:txBody>
+          <a:bodyPr wrap="square" rtlCol="0">
+            <a:spAutoFit/>
+          </a:bodyPr>
+          <a:lstStyle/>
+          <a:p>
+            <a:r>
+              <a:rPr lang="en-US" sz="1200" b="1" dirty="0"/>
+              <a:t>Partial controllability </a:t>
+            </a:r>
+            <a:r>
+              <a:rPr lang="en-US" sz="1200" dirty="0"/>
+              <a:t>– We are unable to control the exact management actions taken in a system.</a:t>
+            </a:r>
+          </a:p>
+          <a:p>
+            <a:endParaRPr lang="en-US" sz="1200" dirty="0"/>
+          </a:p>
+          <a:p>
+            <a:r>
+              <a:rPr lang="en-US" sz="1200" dirty="0"/>
+              <a:t>Examples:</a:t>
+            </a:r>
+          </a:p>
+          <a:p>
+            <a:pPr marL="171450" indent="-171450">
+              <a:buFontTx/>
+              <a:buChar char="-"/>
+            </a:pPr>
+            <a:r>
+              <a:rPr lang="en-US" sz="1200" dirty="0"/>
+              <a:t>Setting management goals – we may intend to fully restore a habitat, but may not be able to implement the exact management goals due to other logistical constraints</a:t>
+            </a:r>
+            <a:endParaRPr lang="en-US" sz="1200" b="1" dirty="0"/>
+          </a:p>
+          <a:p>
+            <a:endParaRPr lang="en-US" sz="1200" b="1" dirty="0"/>
+          </a:p>
+          <a:p>
+            <a:endParaRPr lang="en-US" sz="1200" b="1" dirty="0"/>
+          </a:p>
+          <a:p>
+            <a:endParaRPr lang="en-US" sz="1200" b="1" dirty="0"/>
+          </a:p>
+          <a:p>
+            <a:r>
+              <a:rPr lang="en-US" sz="1200" b="1" dirty="0"/>
+              <a:t>Observational uncertainty </a:t>
+            </a:r>
+            <a:r>
+              <a:rPr lang="en-US" sz="1200" dirty="0"/>
+              <a:t>– We are unable to perfectly observe the state of natural systems.</a:t>
+            </a:r>
+          </a:p>
+          <a:p>
+            <a:endParaRPr lang="en-US" sz="1200" b="1" dirty="0"/>
+          </a:p>
+          <a:p>
+            <a:r>
+              <a:rPr lang="en-US" sz="1200" dirty="0"/>
+              <a:t>Examples:</a:t>
+            </a:r>
+          </a:p>
+          <a:p>
+            <a:pPr marL="171450" indent="-171450">
+              <a:buFontTx/>
+              <a:buChar char="-"/>
+            </a:pPr>
+            <a:r>
+              <a:rPr lang="en-US" sz="1200" dirty="0"/>
+              <a:t>Count data – in almost all cases, we cannot count every individual present at a specific location, but instead assume there is some probability of detecting individuals</a:t>
+            </a:r>
+          </a:p>
+          <a:p>
+            <a:endParaRPr lang="en-US" sz="1200" dirty="0"/>
+          </a:p>
+          <a:p>
+            <a:endParaRPr lang="en-US" sz="1200" b="1" dirty="0"/>
+          </a:p>
+          <a:p>
+            <a:endParaRPr lang="en-US" sz="1200" b="1" dirty="0"/>
+          </a:p>
+          <a:p>
+            <a:endParaRPr lang="en-US" sz="1200" b="1" dirty="0"/>
+          </a:p>
+          <a:p>
+            <a:r>
+              <a:rPr lang="en-US" sz="1200" b="1" dirty="0"/>
+              <a:t>Environmental  variation </a:t>
+            </a:r>
+            <a:r>
+              <a:rPr lang="en-US" sz="1200" dirty="0"/>
+              <a:t>– Stochastic environmental fluctuations mean that conditions typically vary randomly from year to year.</a:t>
+            </a:r>
+          </a:p>
+          <a:p>
+            <a:endParaRPr lang="en-US" sz="1200" b="1" dirty="0"/>
+          </a:p>
+          <a:p>
+            <a:r>
+              <a:rPr lang="en-US" sz="1200" dirty="0"/>
+              <a:t>Examples:</a:t>
+            </a:r>
+          </a:p>
+          <a:p>
+            <a:pPr marL="171450" indent="-171450">
+              <a:buFontTx/>
+              <a:buChar char="-"/>
+            </a:pPr>
+            <a:r>
+              <a:rPr lang="en-US" sz="1200" dirty="0"/>
+              <a:t>Predicting effects of temperature – we may estimate a relationship between temperature and survival probability that we can use to predict survival under future temperature conditions, but temperature will likely vary in a stochastic way from year to year.</a:t>
+            </a:r>
+          </a:p>
+          <a:p>
+            <a:endParaRPr lang="en-US" sz="1200" b="1" dirty="0"/>
+          </a:p>
+          <a:p>
+            <a:endParaRPr lang="en-US" sz="1200" b="1" dirty="0"/>
+          </a:p>
+          <a:p>
+            <a:endParaRPr lang="en-US" sz="1200" b="1" dirty="0"/>
+          </a:p>
+          <a:p>
+            <a:r>
+              <a:rPr lang="en-US" sz="1200" b="1" dirty="0"/>
+              <a:t>Ecological uncertainty </a:t>
+            </a:r>
+            <a:r>
+              <a:rPr lang="en-US" sz="1200" dirty="0"/>
+              <a:t>– We have an imperfect understanding of how ecological systems work.</a:t>
+            </a:r>
+          </a:p>
+          <a:p>
+            <a:endParaRPr lang="en-US" sz="1200" b="1" dirty="0"/>
+          </a:p>
+          <a:p>
+            <a:r>
+              <a:rPr lang="en-US" sz="1200" dirty="0"/>
+              <a:t>Examples: </a:t>
+            </a:r>
+          </a:p>
+          <a:p>
+            <a:pPr marL="171450" indent="-171450">
+              <a:buFontTx/>
+              <a:buChar char="-"/>
+            </a:pPr>
+            <a:r>
+              <a:rPr lang="en-US" sz="1200" dirty="0"/>
+              <a:t>Metapopulation dynamics – we think a set of populations function as a metapopulation, but have not conducted studies to explicitly estimate immigration among sites, and therefore we are unsure to what extent immigration plays a role in measured population growth rate at each site. </a:t>
+            </a:r>
+          </a:p>
+        </p:txBody>
+      </p:sp>
+    </p:spTree>
+    <p:extLst>
+      <p:ext uri="{BB962C8B-B14F-4D97-AF65-F5344CB8AC3E}">
+        <p14:creationId xmlns:p14="http://schemas.microsoft.com/office/powerpoint/2010/main" val="4268326199"/>
+      </p:ext>
+    </p:extLst>
+  </p:cSld>
+  <p:clrMapOvr>
+    <a:masterClrMapping/>
+  </p:clrMapOvr>
+</p:sld>
+</file>
+
+<file path=ppt/slides/slide6.xml><?xml version="1.0" encoding="utf-8"?>
+<p:sld xmlns:a="http://schemas.openxmlformats.org/drawingml/2006/main" xmlns:r="http://schemas.openxmlformats.org/officeDocument/2006/relationships" xmlns:p="http://schemas.openxmlformats.org/presentationml/2006/main">
+  <p:cSld>
+    <p:spTree>
+      <p:nvGrpSpPr>
+        <p:cNvPr id="1" name=""/>
+        <p:cNvGrpSpPr/>
+        <p:nvPr/>
+      </p:nvGrpSpPr>
+      <p:grpSpPr>
+        <a:xfrm>
+          <a:off x="0" y="0"/>
+          <a:ext cx="0" cy="0"/>
+          <a:chOff x="0" y="0"/>
+          <a:chExt cx="0" cy="0"/>
+        </a:xfrm>
+      </p:grpSpPr>
+      <p:sp>
+        <p:nvSpPr>
+          <p:cNvPr id="5" name="TextBox 4"/>
+          <p:cNvSpPr txBox="1"/>
+          <p:nvPr/>
+        </p:nvSpPr>
+        <p:spPr>
+          <a:xfrm>
+            <a:off x="666750" y="514350"/>
+            <a:ext cx="5048250" cy="307777"/>
+          </a:xfrm>
+          <a:prstGeom prst="rect">
+            <a:avLst/>
+          </a:prstGeom>
+          <a:noFill/>
+        </p:spPr>
+        <p:txBody>
+          <a:bodyPr wrap="square" rtlCol="0">
+            <a:spAutoFit/>
+          </a:bodyPr>
+          <a:lstStyle/>
+          <a:p>
+            <a:r>
+              <a:rPr lang="en-US" sz="1400" b="1" dirty="0"/>
+              <a:t>Key terms</a:t>
+            </a:r>
+          </a:p>
+        </p:txBody>
+      </p:sp>
+      <p:sp>
+        <p:nvSpPr>
+          <p:cNvPr id="6" name="TextBox 5"/>
+          <p:cNvSpPr txBox="1"/>
+          <p:nvPr/>
+        </p:nvSpPr>
+        <p:spPr>
+          <a:xfrm>
+            <a:off x="666751" y="1125609"/>
+            <a:ext cx="5545207" cy="7750455"/>
+          </a:xfrm>
+          <a:prstGeom prst="rect">
+            <a:avLst/>
+          </a:prstGeom>
+          <a:noFill/>
+        </p:spPr>
+        <p:txBody>
+          <a:bodyPr wrap="square" rtlCol="0">
+            <a:spAutoFit/>
+          </a:bodyPr>
+          <a:lstStyle/>
+          <a:p>
+            <a:pPr marL="285750" marR="0" lvl="0" indent="-285750" defTabSz="914400" eaLnBrk="1" fontAlgn="auto" latinLnBrk="0" hangingPunct="1">
+              <a:lnSpc>
+                <a:spcPct val="300000"/>
+              </a:lnSpc>
+              <a:spcBef>
+                <a:spcPts val="0"/>
+              </a:spcBef>
+              <a:spcAft>
+                <a:spcPts val="0"/>
+              </a:spcAft>
+              <a:buClrTx/>
+              <a:buSzTx/>
+              <a:buFontTx/>
+              <a:buNone/>
+              <a:tabLst/>
+              <a:defRPr/>
+            </a:pPr>
+            <a:r>
+              <a:rPr lang="en-US" sz="1200" b="1" dirty="0"/>
+              <a:t>Covariate</a:t>
+            </a:r>
+          </a:p>
+          <a:p>
+            <a:pPr marL="285750" marR="0" lvl="0" indent="-285750" defTabSz="914400" eaLnBrk="1" fontAlgn="auto" latinLnBrk="0" hangingPunct="1">
+              <a:lnSpc>
+                <a:spcPct val="300000"/>
+              </a:lnSpc>
+              <a:spcBef>
+                <a:spcPts val="0"/>
+              </a:spcBef>
+              <a:spcAft>
+                <a:spcPts val="0"/>
+              </a:spcAft>
+              <a:buClrTx/>
+              <a:buSzTx/>
+              <a:buFontTx/>
+              <a:buNone/>
+              <a:tabLst/>
+              <a:defRPr/>
+            </a:pPr>
+            <a:r>
+              <a:rPr lang="en-US" sz="1200" b="1" dirty="0"/>
+              <a:t>Parameter</a:t>
+            </a:r>
+          </a:p>
+          <a:p>
+            <a:pPr marL="285750" marR="0" lvl="0" indent="-285750" defTabSz="914400" eaLnBrk="1" fontAlgn="auto" latinLnBrk="0" hangingPunct="1">
+              <a:lnSpc>
+                <a:spcPct val="300000"/>
+              </a:lnSpc>
+              <a:spcBef>
+                <a:spcPts val="0"/>
+              </a:spcBef>
+              <a:spcAft>
+                <a:spcPts val="0"/>
+              </a:spcAft>
+              <a:buClrTx/>
+              <a:buSzTx/>
+              <a:buFontTx/>
+              <a:buNone/>
+              <a:tabLst/>
+              <a:defRPr/>
+            </a:pPr>
+            <a:r>
+              <a:rPr lang="en-US" sz="1200" b="1" dirty="0"/>
+              <a:t>Distribution</a:t>
+            </a:r>
+          </a:p>
+          <a:p>
+            <a:pPr marL="285750" marR="0" lvl="0" indent="-285750" defTabSz="914400" eaLnBrk="1" fontAlgn="auto" latinLnBrk="0" hangingPunct="1">
+              <a:lnSpc>
+                <a:spcPct val="300000"/>
+              </a:lnSpc>
+              <a:spcBef>
+                <a:spcPts val="0"/>
+              </a:spcBef>
+              <a:spcAft>
+                <a:spcPts val="0"/>
+              </a:spcAft>
+              <a:buClrTx/>
+              <a:buSzTx/>
+              <a:buFontTx/>
+              <a:buNone/>
+              <a:tabLst/>
+              <a:defRPr/>
+            </a:pPr>
+            <a:r>
+              <a:rPr lang="en-US" sz="1200" b="1" dirty="0"/>
+              <a:t>Response/dependent variable</a:t>
+            </a:r>
+          </a:p>
+          <a:p>
+            <a:pPr marL="285750" marR="0" lvl="0" indent="-285750" defTabSz="914400" eaLnBrk="1" fontAlgn="auto" latinLnBrk="0" hangingPunct="1">
+              <a:lnSpc>
+                <a:spcPct val="300000"/>
+              </a:lnSpc>
+              <a:spcBef>
+                <a:spcPts val="0"/>
+              </a:spcBef>
+              <a:spcAft>
+                <a:spcPts val="0"/>
+              </a:spcAft>
+              <a:buClrTx/>
+              <a:buSzTx/>
+              <a:buFontTx/>
+              <a:buNone/>
+              <a:tabLst/>
+              <a:defRPr/>
+            </a:pPr>
+            <a:r>
+              <a:rPr lang="en-US" sz="1200" b="1" dirty="0"/>
+              <a:t>Predictor/independent variable</a:t>
+            </a:r>
+          </a:p>
+          <a:p>
+            <a:pPr marL="285750" marR="0" lvl="0" indent="-285750" defTabSz="914400" eaLnBrk="1" fontAlgn="auto" latinLnBrk="0" hangingPunct="1">
+              <a:lnSpc>
+                <a:spcPct val="300000"/>
+              </a:lnSpc>
+              <a:spcBef>
+                <a:spcPts val="0"/>
+              </a:spcBef>
+              <a:spcAft>
+                <a:spcPts val="0"/>
+              </a:spcAft>
+              <a:buClrTx/>
+              <a:buSzTx/>
+              <a:buFontTx/>
+              <a:buNone/>
+              <a:tabLst/>
+              <a:defRPr/>
+            </a:pPr>
+            <a:r>
+              <a:rPr lang="en-US" sz="1200" b="1" dirty="0"/>
+              <a:t>Detection probability</a:t>
+            </a:r>
+          </a:p>
+          <a:p>
+            <a:pPr marL="285750" marR="0" lvl="0" indent="-285750" defTabSz="914400" eaLnBrk="1" fontAlgn="auto" latinLnBrk="0" hangingPunct="1">
+              <a:lnSpc>
+                <a:spcPct val="300000"/>
+              </a:lnSpc>
+              <a:spcBef>
+                <a:spcPts val="0"/>
+              </a:spcBef>
+              <a:spcAft>
+                <a:spcPts val="0"/>
+              </a:spcAft>
+              <a:buClrTx/>
+              <a:buSzTx/>
+              <a:buFontTx/>
+              <a:buNone/>
+              <a:tabLst/>
+              <a:defRPr/>
+            </a:pPr>
+            <a:r>
+              <a:rPr lang="en-US" sz="1200" b="1" dirty="0"/>
+              <a:t>AIC</a:t>
+            </a:r>
+          </a:p>
+          <a:p>
+            <a:pPr marL="285750" marR="0" lvl="0" indent="-285750" defTabSz="914400" eaLnBrk="1" fontAlgn="auto" latinLnBrk="0" hangingPunct="1">
+              <a:lnSpc>
+                <a:spcPct val="300000"/>
+              </a:lnSpc>
+              <a:spcBef>
+                <a:spcPts val="0"/>
+              </a:spcBef>
+              <a:spcAft>
+                <a:spcPts val="0"/>
+              </a:spcAft>
+              <a:buClrTx/>
+              <a:buSzTx/>
+              <a:buFontTx/>
+              <a:buNone/>
+              <a:tabLst/>
+              <a:defRPr/>
+            </a:pPr>
+            <a:r>
+              <a:rPr lang="en-US" sz="1200" b="1" dirty="0"/>
+              <a:t>Intercept</a:t>
+            </a:r>
+          </a:p>
+          <a:p>
+            <a:pPr marL="285750" marR="0" lvl="0" indent="-285750" defTabSz="914400" eaLnBrk="1" fontAlgn="auto" latinLnBrk="0" hangingPunct="1">
+              <a:lnSpc>
+                <a:spcPct val="300000"/>
+              </a:lnSpc>
+              <a:spcBef>
+                <a:spcPts val="0"/>
+              </a:spcBef>
+              <a:spcAft>
+                <a:spcPts val="0"/>
+              </a:spcAft>
+              <a:buClrTx/>
+              <a:buSzTx/>
+              <a:buFontTx/>
+              <a:buNone/>
+              <a:tabLst/>
+              <a:defRPr/>
+            </a:pPr>
+            <a:r>
+              <a:rPr lang="en-US" sz="1200" b="1" dirty="0"/>
+              <a:t>Null model</a:t>
+            </a:r>
+          </a:p>
+          <a:p>
+            <a:pPr marL="285750" marR="0" lvl="0" indent="-285750" defTabSz="914400" eaLnBrk="1" fontAlgn="auto" latinLnBrk="0" hangingPunct="1">
+              <a:lnSpc>
+                <a:spcPct val="300000"/>
+              </a:lnSpc>
+              <a:spcBef>
+                <a:spcPts val="0"/>
+              </a:spcBef>
+              <a:spcAft>
+                <a:spcPts val="0"/>
+              </a:spcAft>
+              <a:buClrTx/>
+              <a:buSzTx/>
+              <a:buFontTx/>
+              <a:buNone/>
+              <a:tabLst/>
+              <a:defRPr/>
+            </a:pPr>
+            <a:r>
+              <a:rPr lang="en-US" sz="1200" b="1" dirty="0"/>
+              <a:t>Global model</a:t>
+            </a:r>
+          </a:p>
+          <a:p>
+            <a:pPr marL="285750" marR="0" lvl="0" indent="-285750" defTabSz="914400" eaLnBrk="1" fontAlgn="auto" latinLnBrk="0" hangingPunct="1">
+              <a:lnSpc>
+                <a:spcPct val="300000"/>
+              </a:lnSpc>
+              <a:spcBef>
+                <a:spcPts val="0"/>
+              </a:spcBef>
+              <a:spcAft>
+                <a:spcPts val="0"/>
+              </a:spcAft>
+              <a:buClrTx/>
+              <a:buSzTx/>
+              <a:buFontTx/>
+              <a:buNone/>
+              <a:tabLst/>
+              <a:defRPr/>
+            </a:pPr>
+            <a:r>
+              <a:rPr lang="en-US" sz="1200" b="1" dirty="0"/>
+              <a:t>Population closure</a:t>
+            </a:r>
+          </a:p>
+          <a:p>
+            <a:pPr marL="285750" marR="0" lvl="0" indent="-285750" defTabSz="914400" eaLnBrk="1" fontAlgn="auto" latinLnBrk="0" hangingPunct="1">
+              <a:lnSpc>
+                <a:spcPct val="300000"/>
+              </a:lnSpc>
+              <a:spcBef>
+                <a:spcPts val="0"/>
+              </a:spcBef>
+              <a:spcAft>
+                <a:spcPts val="0"/>
+              </a:spcAft>
+              <a:buClrTx/>
+              <a:buSzTx/>
+              <a:buFontTx/>
+              <a:buNone/>
+              <a:tabLst/>
+              <a:defRPr/>
+            </a:pPr>
+            <a:endParaRPr lang="en-US" sz="1200" b="1" dirty="0"/>
+          </a:p>
+          <a:p>
+            <a:pPr marL="285750" marR="0" lvl="0" indent="-285750" defTabSz="914400" eaLnBrk="1" fontAlgn="auto" latinLnBrk="0" hangingPunct="1">
+              <a:lnSpc>
+                <a:spcPct val="300000"/>
+              </a:lnSpc>
+              <a:spcBef>
+                <a:spcPts val="0"/>
+              </a:spcBef>
+              <a:spcAft>
+                <a:spcPts val="0"/>
+              </a:spcAft>
+              <a:buClrTx/>
+              <a:buSzTx/>
+              <a:buFontTx/>
+              <a:buNone/>
+              <a:tabLst/>
+              <a:defRPr/>
+            </a:pPr>
+            <a:endParaRPr lang="en-US" sz="1200" b="1" dirty="0"/>
+          </a:p>
+          <a:p>
+            <a:pPr marL="285750" marR="0" lvl="0" indent="-285750" defTabSz="914400" eaLnBrk="1" fontAlgn="auto" latinLnBrk="0" hangingPunct="1">
+              <a:lnSpc>
+                <a:spcPct val="300000"/>
+              </a:lnSpc>
+              <a:spcBef>
+                <a:spcPts val="0"/>
+              </a:spcBef>
+              <a:spcAft>
+                <a:spcPts val="0"/>
+              </a:spcAft>
+              <a:buClrTx/>
+              <a:buSzTx/>
+              <a:buFontTx/>
+              <a:buNone/>
+              <a:tabLst/>
+              <a:defRPr/>
+            </a:pPr>
+            <a:endParaRPr lang="en-US" sz="1200" b="1" dirty="0"/>
+          </a:p>
+        </p:txBody>
+      </p:sp>
+    </p:spTree>
+    <p:extLst>
+      <p:ext uri="{BB962C8B-B14F-4D97-AF65-F5344CB8AC3E}">
+        <p14:creationId xmlns:p14="http://schemas.microsoft.com/office/powerpoint/2010/main" val="763165370"/>
+      </p:ext>
+    </p:extLst>
+  </p:cSld>
+  <p:clrMapOvr>
+    <a:masterClrMapping/>
+  </p:clrMapOvr>
+</p:sld>
+</file>
+
+<file path=ppt/slides/slide7.xml><?xml version="1.0" encoding="utf-8"?>
 <p:sld xmlns:a="http://schemas.openxmlformats.org/drawingml/2006/main" xmlns:r="http://schemas.openxmlformats.org/officeDocument/2006/relationships" xmlns:p="http://schemas.openxmlformats.org/presentationml/2006/main">
   <p:cSld>
     <p:spTree>
@@ -10211,18 +11171,13 @@
           <a:p>
             <a:pPr algn="ctr"/>
             <a:r>
-              <a:rPr lang="en-US" sz="1200" dirty="0" smtClean="0">
+              <a:rPr lang="en-US" sz="1200" dirty="0">
                 <a:solidFill>
                   <a:sysClr val="windowText" lastClr="000000"/>
                 </a:solidFill>
               </a:rPr>
               <a:t>Descriptive or categorical</a:t>
             </a:r>
-            <a:endParaRPr lang="en-US" sz="1200" dirty="0">
-              <a:solidFill>
-                <a:sysClr val="windowText" lastClr="000000"/>
-              </a:solidFill>
-            </a:endParaRPr>
           </a:p>
         </p:txBody>
       </p:sp>
@@ -10271,18 +11226,13 @@
           <a:p>
             <a:pPr algn="ctr"/>
             <a:r>
-              <a:rPr lang="en-US" sz="1200" dirty="0" smtClean="0">
+              <a:rPr lang="en-US" sz="1200" dirty="0">
                 <a:solidFill>
                   <a:sysClr val="windowText" lastClr="000000"/>
                 </a:solidFill>
               </a:rPr>
               <a:t>Presence-type data</a:t>
             </a:r>
-            <a:endParaRPr lang="en-US" sz="1200" dirty="0">
-              <a:solidFill>
-                <a:sysClr val="windowText" lastClr="000000"/>
-              </a:solidFill>
-            </a:endParaRPr>
           </a:p>
         </p:txBody>
       </p:sp>
@@ -10331,18 +11281,13 @@
           <a:p>
             <a:pPr algn="ctr"/>
             <a:r>
-              <a:rPr lang="en-US" sz="1200" dirty="0" smtClean="0">
+              <a:rPr lang="en-US" sz="1200" dirty="0">
                 <a:solidFill>
                   <a:sysClr val="windowText" lastClr="000000"/>
                 </a:solidFill>
               </a:rPr>
               <a:t>Counts</a:t>
             </a:r>
-            <a:endParaRPr lang="en-US" sz="1200" dirty="0">
-              <a:solidFill>
-                <a:sysClr val="windowText" lastClr="000000"/>
-              </a:solidFill>
-            </a:endParaRPr>
           </a:p>
         </p:txBody>
       </p:sp>
@@ -10512,18 +11457,13 @@
           <a:p>
             <a:pPr algn="ctr"/>
             <a:r>
-              <a:rPr lang="en-US" sz="1200" dirty="0" smtClean="0">
+              <a:rPr lang="en-US" sz="1200" dirty="0">
                 <a:solidFill>
                   <a:sysClr val="windowText" lastClr="000000"/>
                 </a:solidFill>
               </a:rPr>
               <a:t>Occupancy model</a:t>
             </a:r>
-            <a:endParaRPr lang="en-US" sz="1200" dirty="0">
-              <a:solidFill>
-                <a:sysClr val="windowText" lastClr="000000"/>
-              </a:solidFill>
-            </a:endParaRPr>
           </a:p>
         </p:txBody>
       </p:sp>
@@ -10572,18 +11512,13 @@
           <a:p>
             <a:pPr algn="ctr"/>
             <a:r>
-              <a:rPr lang="en-US" sz="1200" dirty="0" smtClean="0">
+              <a:rPr lang="en-US" sz="1200" dirty="0">
                 <a:solidFill>
                   <a:sysClr val="windowText" lastClr="000000"/>
                 </a:solidFill>
               </a:rPr>
               <a:t>N-mixture model</a:t>
             </a:r>
-            <a:endParaRPr lang="en-US" sz="1200" dirty="0">
-              <a:solidFill>
-                <a:sysClr val="windowText" lastClr="000000"/>
-              </a:solidFill>
-            </a:endParaRPr>
           </a:p>
         </p:txBody>
       </p:sp>
@@ -10632,23 +11567,15 @@
           <a:p>
             <a:pPr algn="ctr"/>
             <a:r>
-              <a:rPr lang="en-US" sz="1200" dirty="0" smtClean="0">
+              <a:rPr lang="en-US" sz="1200" dirty="0">
                 <a:solidFill>
                   <a:sysClr val="windowText" lastClr="000000"/>
                 </a:solidFill>
               </a:rPr>
-              <a:t>Species distribution </a:t>
-            </a:r>
-            <a:r>
-              <a:rPr lang="en-US" sz="1200" dirty="0" smtClean="0">
-                <a:solidFill>
-                  <a:sysClr val="windowText" lastClr="000000"/>
-                </a:solidFill>
-              </a:rPr>
-              <a:t>model </a:t>
-            </a:r>
-            <a:r>
-              <a:rPr lang="en-US" sz="1200" b="1" dirty="0" smtClean="0">
+              <a:t>Species distribution model </a:t>
+            </a:r>
+            <a:r>
+              <a:rPr lang="en-US" sz="1200" b="1" dirty="0">
                 <a:solidFill>
                   <a:sysClr val="windowText" lastClr="000000"/>
                 </a:solidFill>
@@ -10656,7 +11583,7 @@
               <a:t>OR</a:t>
             </a:r>
             <a:r>
-              <a:rPr lang="en-US" sz="1200" dirty="0" smtClean="0">
+              <a:rPr lang="en-US" sz="1200" dirty="0">
                 <a:solidFill>
                   <a:sysClr val="windowText" lastClr="000000"/>
                 </a:solidFill>
@@ -10716,18 +11643,13 @@
           <a:p>
             <a:pPr algn="ctr"/>
             <a:r>
-              <a:rPr lang="en-US" sz="1200" dirty="0" smtClean="0">
+              <a:rPr lang="en-US" sz="1200" dirty="0">
                 <a:solidFill>
                   <a:sysClr val="windowText" lastClr="000000"/>
                 </a:solidFill>
               </a:rPr>
               <a:t>State transition model</a:t>
             </a:r>
-            <a:endParaRPr lang="en-US" sz="1200" dirty="0">
-              <a:solidFill>
-                <a:sysClr val="windowText" lastClr="000000"/>
-              </a:solidFill>
-            </a:endParaRPr>
           </a:p>
         </p:txBody>
       </p:sp>
@@ -10774,18 +11696,13 @@
           <a:p>
             <a:pPr algn="ctr"/>
             <a:r>
-              <a:rPr lang="en-US" sz="1200" b="1" dirty="0" smtClean="0">
+              <a:rPr lang="en-US" sz="1200" b="1" dirty="0">
                 <a:solidFill>
                   <a:schemeClr val="tx1"/>
                 </a:solidFill>
               </a:rPr>
               <a:t>What kind of data do you have?</a:t>
             </a:r>
-            <a:endParaRPr lang="en-US" sz="1200" b="1" dirty="0">
-              <a:solidFill>
-                <a:schemeClr val="tx1"/>
-              </a:solidFill>
-            </a:endParaRPr>
           </a:p>
         </p:txBody>
       </p:sp>
@@ -10832,18 +11749,13 @@
           <a:p>
             <a:pPr algn="ctr"/>
             <a:r>
-              <a:rPr lang="en-US" sz="1200" b="1" dirty="0" smtClean="0">
+              <a:rPr lang="en-US" sz="1200" b="1" dirty="0">
                 <a:solidFill>
                   <a:schemeClr val="tx1"/>
                 </a:solidFill>
               </a:rPr>
               <a:t>How was it collected?</a:t>
             </a:r>
-            <a:endParaRPr lang="en-US" sz="1200" b="1" dirty="0">
-              <a:solidFill>
-                <a:schemeClr val="tx1"/>
-              </a:solidFill>
-            </a:endParaRPr>
           </a:p>
         </p:txBody>
       </p:sp>
@@ -10890,18 +11802,13 @@
           <a:p>
             <a:pPr algn="ctr"/>
             <a:r>
-              <a:rPr lang="en-US" sz="1200" dirty="0" smtClean="0">
+              <a:rPr lang="en-US" sz="1200" dirty="0">
                 <a:solidFill>
                   <a:sysClr val="windowText" lastClr="000000"/>
                 </a:solidFill>
               </a:rPr>
               <a:t>Demographic data</a:t>
             </a:r>
-            <a:endParaRPr lang="en-US" sz="1200" dirty="0">
-              <a:solidFill>
-                <a:sysClr val="windowText" lastClr="000000"/>
-              </a:solidFill>
-            </a:endParaRPr>
           </a:p>
         </p:txBody>
       </p:sp>
@@ -10965,6 +11872,8 @@
             <a:solidFill>
               <a:schemeClr val="tx1"/>
             </a:solidFill>
+            <a:headEnd type="none" w="med" len="med"/>
+            <a:tailEnd type="triangle" w="med" len="med"/>
           </a:ln>
         </p:spPr>
         <p:style>
@@ -11003,6 +11912,8 @@
             <a:solidFill>
               <a:schemeClr val="tx1"/>
             </a:solidFill>
+            <a:headEnd type="none" w="med" len="med"/>
+            <a:tailEnd type="triangle" w="med" len="med"/>
           </a:ln>
         </p:spPr>
         <p:style>
@@ -11041,6 +11952,8 @@
             <a:solidFill>
               <a:schemeClr val="tx1"/>
             </a:solidFill>
+            <a:headEnd type="none" w="med" len="med"/>
+            <a:tailEnd type="triangle" w="med" len="med"/>
           </a:ln>
         </p:spPr>
         <p:style>
@@ -11079,6 +11992,8 @@
             <a:solidFill>
               <a:schemeClr val="tx1"/>
             </a:solidFill>
+            <a:headEnd type="none" w="med" len="med"/>
+            <a:tailEnd type="triangle" w="med" len="med"/>
           </a:ln>
         </p:spPr>
         <p:style>
@@ -11139,29 +12054,24 @@
           <a:p>
             <a:pPr algn="ctr"/>
             <a:r>
-              <a:rPr lang="en-US" sz="1200" b="1" dirty="0" smtClean="0">
+              <a:rPr lang="en-US" sz="1200" b="1" dirty="0">
                 <a:solidFill>
                   <a:schemeClr val="tx1"/>
                 </a:solidFill>
               </a:rPr>
-              <a:t>Survey</a:t>
+              <a:t>Designed survey</a:t>
             </a:r>
           </a:p>
           <a:p>
             <a:pPr algn="ctr"/>
             <a:r>
-              <a:rPr lang="en-US" sz="1200" i="1" dirty="0" smtClean="0">
+              <a:rPr lang="en-US" sz="1200" i="1" dirty="0">
                 <a:solidFill>
                   <a:schemeClr val="tx1"/>
                 </a:solidFill>
               </a:rPr>
               <a:t>(e.g. transects, repeated counts, mark-recapture)</a:t>
             </a:r>
-            <a:endParaRPr lang="en-US" sz="1200" i="1" dirty="0">
-              <a:solidFill>
-                <a:schemeClr val="tx1"/>
-              </a:solidFill>
-            </a:endParaRPr>
           </a:p>
         </p:txBody>
       </p:sp>
@@ -11189,10 +12099,9 @@
           <a:p>
             <a:pPr algn="ctr"/>
             <a:r>
-              <a:rPr lang="en-US" sz="1200" i="1" dirty="0" smtClean="0"/>
+              <a:rPr lang="en-US" sz="1200" i="1" dirty="0"/>
               <a:t>Follow the color of your data type!</a:t>
             </a:r>
-            <a:endParaRPr lang="en-US" sz="1200" i="1" dirty="0"/>
           </a:p>
         </p:txBody>
       </p:sp>
@@ -11204,8 +12113,8 @@
         </p:nvSpPr>
         <p:spPr>
           <a:xfrm>
-            <a:off x="3844625" y="4547405"/>
-            <a:ext cx="2098566" cy="500744"/>
+            <a:off x="3562704" y="4547405"/>
+            <a:ext cx="2970079" cy="500744"/>
           </a:xfrm>
           <a:prstGeom prst="hexagon">
             <a:avLst/>
@@ -11239,18 +12148,13 @@
           <a:p>
             <a:pPr algn="ctr"/>
             <a:r>
-              <a:rPr lang="en-US" sz="1200" b="1" dirty="0" smtClean="0">
+              <a:rPr lang="en-US" sz="1200" b="1" dirty="0">
                 <a:solidFill>
                   <a:schemeClr val="tx1"/>
                 </a:solidFill>
               </a:rPr>
-              <a:t>Repeated visits within a closed period?</a:t>
-            </a:r>
-            <a:endParaRPr lang="en-US" sz="1200" b="1" dirty="0">
-              <a:solidFill>
-                <a:schemeClr val="tx1"/>
-              </a:solidFill>
-            </a:endParaRPr>
+              <a:t>Are there repeated measurements within a closed period?</a:t>
+            </a:r>
           </a:p>
         </p:txBody>
       </p:sp>
@@ -11284,14 +12188,13 @@
           <a:p>
             <a:pPr algn="ctr"/>
             <a:r>
-              <a:rPr lang="en-US" sz="1200" i="1" dirty="0" smtClean="0"/>
+              <a:rPr lang="en-US" sz="1200" i="1" dirty="0"/>
               <a:t>This roadmap is to serve as a general guide and is not an exhaustive list of all analysis options. Also, </a:t>
             </a:r>
             <a:r>
-              <a:rPr lang="en-US" sz="1200" b="1" i="1" dirty="0" smtClean="0"/>
+              <a:rPr lang="en-US" sz="1200" b="1" i="1" dirty="0"/>
               <a:t>always check the specific assumptions of your planned modeling approach!</a:t>
             </a:r>
-            <a:endParaRPr lang="en-US" sz="1200" b="1" i="1" dirty="0"/>
           </a:p>
         </p:txBody>
       </p:sp>
@@ -11338,18 +12241,13 @@
           <a:p>
             <a:pPr algn="ctr"/>
             <a:r>
-              <a:rPr lang="en-US" sz="1200" dirty="0" smtClean="0">
+              <a:rPr lang="en-US" sz="1200" dirty="0">
                 <a:solidFill>
                   <a:schemeClr val="tx1"/>
                 </a:solidFill>
               </a:rPr>
               <a:t>Yes</a:t>
             </a:r>
-            <a:endParaRPr lang="en-US" sz="1200" dirty="0">
-              <a:solidFill>
-                <a:schemeClr val="tx1"/>
-              </a:solidFill>
-            </a:endParaRPr>
           </a:p>
         </p:txBody>
       </p:sp>
@@ -11361,7 +12259,7 @@
         </p:nvSpPr>
         <p:spPr>
           <a:xfrm>
-            <a:off x="5541222" y="5318011"/>
+            <a:off x="5893866" y="5341005"/>
             <a:ext cx="736947" cy="412363"/>
           </a:xfrm>
           <a:prstGeom prst="rect">
@@ -11396,18 +12294,13 @@
           <a:p>
             <a:pPr algn="ctr"/>
             <a:r>
-              <a:rPr lang="en-US" sz="1200" dirty="0" smtClean="0">
+              <a:rPr lang="en-US" sz="1200" dirty="0">
                 <a:solidFill>
                   <a:schemeClr val="tx1"/>
                 </a:solidFill>
               </a:rPr>
               <a:t>No</a:t>
             </a:r>
-            <a:endParaRPr lang="en-US" sz="1200" dirty="0">
-              <a:solidFill>
-                <a:schemeClr val="tx1"/>
-              </a:solidFill>
-            </a:endParaRPr>
           </a:p>
         </p:txBody>
       </p:sp>
@@ -11415,6 +12308,7 @@
         <p:nvCxnSpPr>
           <p:cNvPr id="115" name="Straight Connector 114"/>
           <p:cNvCxnSpPr>
+            <a:cxnSpLocks/>
             <a:stCxn id="110" idx="0"/>
             <a:endCxn id="102" idx="2"/>
           </p:cNvCxnSpPr>
@@ -11423,7 +12317,7 @@
         <p:spPr>
           <a:xfrm flipV="1">
             <a:off x="2757871" y="5048149"/>
-            <a:ext cx="1211940" cy="952088"/>
+            <a:ext cx="930019" cy="952088"/>
           </a:xfrm>
           <a:prstGeom prst="line">
             <a:avLst/>
@@ -11432,6 +12326,8 @@
             <a:solidFill>
               <a:schemeClr val="tx1"/>
             </a:solidFill>
+            <a:headEnd type="triangle" w="med" len="med"/>
+            <a:tailEnd type="none" w="med" len="med"/>
           </a:ln>
         </p:spPr>
         <p:style>
@@ -11453,15 +12349,16 @@
         <p:nvCxnSpPr>
           <p:cNvPr id="118" name="Straight Connector 117"/>
           <p:cNvCxnSpPr>
+            <a:cxnSpLocks/>
             <a:stCxn id="111" idx="0"/>
             <a:endCxn id="102" idx="1"/>
           </p:cNvCxnSpPr>
           <p:nvPr/>
         </p:nvCxnSpPr>
         <p:spPr>
-          <a:xfrm flipH="1" flipV="1">
-            <a:off x="5818005" y="5048149"/>
-            <a:ext cx="91691" cy="269862"/>
+          <a:xfrm flipV="1">
+            <a:off x="6262340" y="5048149"/>
+            <a:ext cx="145257" cy="292856"/>
           </a:xfrm>
           <a:prstGeom prst="line">
             <a:avLst/>
@@ -11470,6 +12367,8 @@
             <a:solidFill>
               <a:schemeClr val="tx1"/>
             </a:solidFill>
+            <a:headEnd type="triangle" w="med" len="med"/>
+            <a:tailEnd type="none" w="med" len="med"/>
           </a:ln>
         </p:spPr>
         <p:style>
@@ -11532,18 +12431,13 @@
           <a:p>
             <a:pPr algn="ctr"/>
             <a:r>
-              <a:rPr lang="en-US" sz="1200" dirty="0" smtClean="0">
+              <a:rPr lang="en-US" sz="1200" dirty="0">
                 <a:solidFill>
                   <a:sysClr val="windowText" lastClr="000000"/>
                 </a:solidFill>
               </a:rPr>
               <a:t>State transition model</a:t>
             </a:r>
-            <a:endParaRPr lang="en-US" sz="1200" dirty="0">
-              <a:solidFill>
-                <a:sysClr val="windowText" lastClr="000000"/>
-              </a:solidFill>
-            </a:endParaRPr>
           </a:p>
         </p:txBody>
       </p:sp>
@@ -11793,7 +12687,7 @@
           <a:p>
             <a:pPr algn="ctr"/>
             <a:r>
-              <a:rPr lang="en-US" sz="1200" b="1" dirty="0" smtClean="0">
+              <a:rPr lang="en-US" sz="1200" b="1" dirty="0">
                 <a:solidFill>
                   <a:schemeClr val="tx1"/>
                 </a:solidFill>
@@ -11804,18 +12698,13 @@
           <a:p>
             <a:pPr algn="ctr"/>
             <a:r>
-              <a:rPr lang="en-US" sz="1200" i="1" dirty="0" smtClean="0">
+              <a:rPr lang="en-US" sz="1200" i="1" dirty="0">
                 <a:solidFill>
                   <a:schemeClr val="tx1"/>
                 </a:solidFill>
               </a:rPr>
               <a:t>(e.g. citizen science, historical records, museum specimens)</a:t>
             </a:r>
-            <a:endParaRPr lang="en-US" sz="1200" i="1" dirty="0">
-              <a:solidFill>
-                <a:schemeClr val="tx1"/>
-              </a:solidFill>
-            </a:endParaRPr>
           </a:p>
         </p:txBody>
       </p:sp>
@@ -12150,8 +13039,8 @@
         </p:nvCxnSpPr>
         <p:spPr>
           <a:xfrm flipH="1">
-            <a:off x="4661728" y="5730374"/>
-            <a:ext cx="1247968" cy="1415230"/>
+            <a:off x="4695762" y="5753368"/>
+            <a:ext cx="1566578" cy="823722"/>
           </a:xfrm>
           <a:prstGeom prst="straightConnector1">
             <a:avLst/>
@@ -12184,15 +13073,16 @@
         <p:nvCxnSpPr>
           <p:cNvPr id="123" name="Straight Arrow Connector 122"/>
           <p:cNvCxnSpPr>
+            <a:cxnSpLocks/>
             <a:stCxn id="111" idx="2"/>
-            <a:endCxn id="50" idx="0"/>
+            <a:endCxn id="50" idx="3"/>
           </p:cNvCxnSpPr>
           <p:nvPr/>
         </p:nvCxnSpPr>
         <p:spPr>
           <a:xfrm flipH="1">
-            <a:off x="4652279" y="5730374"/>
-            <a:ext cx="1257417" cy="423926"/>
+            <a:off x="5181139" y="5753368"/>
+            <a:ext cx="1081201" cy="182470"/>
           </a:xfrm>
           <a:prstGeom prst="straightConnector1">
             <a:avLst/>
@@ -12231,9 +13121,9 @@
           <p:nvPr/>
         </p:nvCxnSpPr>
         <p:spPr>
-          <a:xfrm>
-            <a:off x="5909696" y="5730374"/>
-            <a:ext cx="331359" cy="719375"/>
+          <a:xfrm flipH="1">
+            <a:off x="6241055" y="5753368"/>
+            <a:ext cx="21285" cy="696381"/>
           </a:xfrm>
           <a:prstGeom prst="straightConnector1">
             <a:avLst/>
@@ -12270,7 +13160,7 @@
         </p:nvSpPr>
         <p:spPr>
           <a:xfrm>
-            <a:off x="5547805" y="7462103"/>
+            <a:off x="5363596" y="7925513"/>
             <a:ext cx="1092200" cy="695324"/>
           </a:xfrm>
           <a:prstGeom prst="rect">
@@ -12305,18 +13195,13 @@
           <a:p>
             <a:pPr algn="ctr"/>
             <a:r>
-              <a:rPr lang="en-US" sz="1200" dirty="0" smtClean="0">
+              <a:rPr lang="en-US" sz="1200" dirty="0">
                 <a:solidFill>
                   <a:sysClr val="windowText" lastClr="000000"/>
                 </a:solidFill>
               </a:rPr>
               <a:t>Poisson regression (fecundity)</a:t>
             </a:r>
-            <a:endParaRPr lang="en-US" sz="1200" dirty="0">
-              <a:solidFill>
-                <a:sysClr val="windowText" lastClr="000000"/>
-              </a:solidFill>
-            </a:endParaRPr>
           </a:p>
         </p:txBody>
       </p:sp>
@@ -12330,9 +13215,9 @@
           <p:nvPr/>
         </p:nvCxnSpPr>
         <p:spPr>
-          <a:xfrm>
-            <a:off x="5909696" y="5730374"/>
-            <a:ext cx="184209" cy="1731729"/>
+          <a:xfrm flipH="1">
+            <a:off x="5909696" y="5753368"/>
+            <a:ext cx="352644" cy="2172145"/>
           </a:xfrm>
           <a:prstGeom prst="straightConnector1">
             <a:avLst/>
@@ -12359,6 +13244,364 @@
           </a:fontRef>
         </p:style>
       </p:cxnSp>
+      <p:sp>
+        <p:nvSpPr>
+          <p:cNvPr id="50" name="Rectangle 49"/>
+          <p:cNvSpPr/>
+          <p:nvPr/>
+        </p:nvSpPr>
+        <p:spPr>
+          <a:xfrm>
+            <a:off x="4088938" y="5588176"/>
+            <a:ext cx="1092201" cy="695324"/>
+          </a:xfrm>
+          <a:prstGeom prst="rect">
+            <a:avLst/>
+          </a:prstGeom>
+          <a:solidFill>
+            <a:schemeClr val="bg1"/>
+          </a:solidFill>
+          <a:ln w="38100">
+            <a:solidFill>
+              <a:schemeClr val="accent6">
+                <a:lumMod val="75000"/>
+              </a:schemeClr>
+            </a:solidFill>
+          </a:ln>
+        </p:spPr>
+        <p:style>
+          <a:lnRef idx="2">
+            <a:schemeClr val="accent1">
+              <a:shade val="50000"/>
+            </a:schemeClr>
+          </a:lnRef>
+          <a:fillRef idx="1">
+            <a:schemeClr val="accent1"/>
+          </a:fillRef>
+          <a:effectRef idx="0">
+            <a:schemeClr val="accent1"/>
+          </a:effectRef>
+          <a:fontRef idx="minor">
+            <a:schemeClr val="lt1"/>
+          </a:fontRef>
+        </p:style>
+        <p:txBody>
+          <a:bodyPr rtlCol="0" anchor="ctr"/>
+          <a:lstStyle/>
+          <a:p>
+            <a:pPr algn="ctr"/>
+            <a:r>
+              <a:rPr lang="en-US" sz="1200" dirty="0">
+                <a:solidFill>
+                  <a:sysClr val="windowText" lastClr="000000"/>
+                </a:solidFill>
+              </a:rPr>
+              <a:t>Logistic regression</a:t>
+            </a:r>
+          </a:p>
+        </p:txBody>
+      </p:sp>
+      <p:sp>
+        <p:nvSpPr>
+          <p:cNvPr id="136" name="Rectangle 135"/>
+          <p:cNvSpPr/>
+          <p:nvPr/>
+        </p:nvSpPr>
+        <p:spPr>
+          <a:xfrm>
+            <a:off x="4017640" y="8004939"/>
+            <a:ext cx="1269276" cy="569044"/>
+          </a:xfrm>
+          <a:prstGeom prst="rect">
+            <a:avLst/>
+          </a:prstGeom>
+          <a:noFill/>
+          <a:ln w="38100">
+            <a:solidFill>
+              <a:srgbClr val="7030A0"/>
+            </a:solidFill>
+          </a:ln>
+        </p:spPr>
+        <p:style>
+          <a:lnRef idx="2">
+            <a:schemeClr val="accent1">
+              <a:shade val="50000"/>
+            </a:schemeClr>
+          </a:lnRef>
+          <a:fillRef idx="1">
+            <a:schemeClr val="accent1"/>
+          </a:fillRef>
+          <a:effectRef idx="0">
+            <a:schemeClr val="accent1"/>
+          </a:effectRef>
+          <a:fontRef idx="minor">
+            <a:schemeClr val="lt1"/>
+          </a:fontRef>
+        </p:style>
+        <p:txBody>
+          <a:bodyPr rtlCol="0" anchor="ctr"/>
+          <a:lstStyle/>
+          <a:p>
+            <a:pPr algn="ctr"/>
+            <a:r>
+              <a:rPr lang="en-US" sz="1200" dirty="0">
+                <a:solidFill>
+                  <a:sysClr val="windowText" lastClr="000000"/>
+                </a:solidFill>
+              </a:rPr>
+              <a:t>Survival analysis (mark-recapture)</a:t>
+            </a:r>
+          </a:p>
+        </p:txBody>
+      </p:sp>
+      <p:cxnSp>
+        <p:nvCxnSpPr>
+          <p:cNvPr id="138" name="Straight Arrow Connector 137"/>
+          <p:cNvCxnSpPr>
+            <a:stCxn id="111" idx="2"/>
+            <a:endCxn id="136" idx="0"/>
+          </p:cNvCxnSpPr>
+          <p:nvPr/>
+        </p:nvCxnSpPr>
+        <p:spPr>
+          <a:xfrm flipH="1">
+            <a:off x="4652278" y="5753368"/>
+            <a:ext cx="1610062" cy="2251571"/>
+          </a:xfrm>
+          <a:prstGeom prst="straightConnector1">
+            <a:avLst/>
+          </a:prstGeom>
+          <a:ln w="38100">
+            <a:solidFill>
+              <a:srgbClr val="7030A0"/>
+            </a:solidFill>
+            <a:tailEnd type="triangle"/>
+          </a:ln>
+        </p:spPr>
+        <p:style>
+          <a:lnRef idx="1">
+            <a:schemeClr val="accent1"/>
+          </a:lnRef>
+          <a:fillRef idx="0">
+            <a:schemeClr val="accent1"/>
+          </a:fillRef>
+          <a:effectRef idx="0">
+            <a:schemeClr val="accent1"/>
+          </a:effectRef>
+          <a:fontRef idx="minor">
+            <a:schemeClr val="tx1"/>
+          </a:fontRef>
+        </p:style>
+      </p:cxnSp>
+      <p:sp>
+        <p:nvSpPr>
+          <p:cNvPr id="54" name="Rectangle 53"/>
+          <p:cNvSpPr/>
+          <p:nvPr/>
+        </p:nvSpPr>
+        <p:spPr>
+          <a:xfrm>
+            <a:off x="4149661" y="6577090"/>
+            <a:ext cx="1092201" cy="695324"/>
+          </a:xfrm>
+          <a:prstGeom prst="rect">
+            <a:avLst/>
+          </a:prstGeom>
+          <a:solidFill>
+            <a:schemeClr val="bg1"/>
+          </a:solidFill>
+          <a:ln w="38100">
+            <a:solidFill>
+              <a:schemeClr val="accent2">
+                <a:lumMod val="75000"/>
+              </a:schemeClr>
+            </a:solidFill>
+          </a:ln>
+        </p:spPr>
+        <p:style>
+          <a:lnRef idx="2">
+            <a:schemeClr val="accent1">
+              <a:shade val="50000"/>
+            </a:schemeClr>
+          </a:lnRef>
+          <a:fillRef idx="1">
+            <a:schemeClr val="accent1"/>
+          </a:fillRef>
+          <a:effectRef idx="0">
+            <a:schemeClr val="accent1"/>
+          </a:effectRef>
+          <a:fontRef idx="minor">
+            <a:schemeClr val="lt1"/>
+          </a:fontRef>
+        </p:style>
+        <p:txBody>
+          <a:bodyPr rtlCol="0" anchor="ctr"/>
+          <a:lstStyle/>
+          <a:p>
+            <a:pPr algn="ctr"/>
+            <a:r>
+              <a:rPr lang="en-US" sz="1200" dirty="0">
+                <a:solidFill>
+                  <a:sysClr val="windowText" lastClr="000000"/>
+                </a:solidFill>
+              </a:rPr>
+              <a:t>Poisson regression (counts)</a:t>
+            </a:r>
+          </a:p>
+        </p:txBody>
+      </p:sp>
+      <p:sp>
+        <p:nvSpPr>
+          <p:cNvPr id="141" name="Rectangle 140"/>
+          <p:cNvSpPr/>
+          <p:nvPr/>
+        </p:nvSpPr>
+        <p:spPr>
+          <a:xfrm>
+            <a:off x="2608235" y="7177581"/>
+            <a:ext cx="1269276" cy="569044"/>
+          </a:xfrm>
+          <a:prstGeom prst="rect">
+            <a:avLst/>
+          </a:prstGeom>
+          <a:noFill/>
+          <a:ln w="38100">
+            <a:solidFill>
+              <a:srgbClr val="7030A0"/>
+            </a:solidFill>
+          </a:ln>
+        </p:spPr>
+        <p:style>
+          <a:lnRef idx="2">
+            <a:schemeClr val="accent1">
+              <a:shade val="50000"/>
+            </a:schemeClr>
+          </a:lnRef>
+          <a:fillRef idx="1">
+            <a:schemeClr val="accent1"/>
+          </a:fillRef>
+          <a:effectRef idx="0">
+            <a:schemeClr val="accent1"/>
+          </a:effectRef>
+          <a:fontRef idx="minor">
+            <a:schemeClr val="lt1"/>
+          </a:fontRef>
+        </p:style>
+        <p:txBody>
+          <a:bodyPr rtlCol="0" anchor="ctr"/>
+          <a:lstStyle/>
+          <a:p>
+            <a:pPr algn="ctr"/>
+            <a:r>
+              <a:rPr lang="en-US" sz="1200" dirty="0">
+                <a:solidFill>
+                  <a:sysClr val="windowText" lastClr="000000"/>
+                </a:solidFill>
+              </a:rPr>
+              <a:t>Abundance estimation</a:t>
+            </a:r>
+          </a:p>
+        </p:txBody>
+      </p:sp>
+      <p:cxnSp>
+        <p:nvCxnSpPr>
+          <p:cNvPr id="142" name="Straight Arrow Connector 141"/>
+          <p:cNvCxnSpPr>
+            <a:stCxn id="110" idx="2"/>
+            <a:endCxn id="141" idx="0"/>
+          </p:cNvCxnSpPr>
+          <p:nvPr/>
+        </p:nvCxnSpPr>
+        <p:spPr>
+          <a:xfrm>
+            <a:off x="2757871" y="6412600"/>
+            <a:ext cx="485002" cy="764981"/>
+          </a:xfrm>
+          <a:prstGeom prst="straightConnector1">
+            <a:avLst/>
+          </a:prstGeom>
+          <a:ln w="38100">
+            <a:solidFill>
+              <a:srgbClr val="7030A0"/>
+            </a:solidFill>
+            <a:tailEnd type="triangle"/>
+          </a:ln>
+        </p:spPr>
+        <p:style>
+          <a:lnRef idx="1">
+            <a:schemeClr val="accent1"/>
+          </a:lnRef>
+          <a:fillRef idx="0">
+            <a:schemeClr val="accent1"/>
+          </a:fillRef>
+          <a:effectRef idx="0">
+            <a:schemeClr val="accent1"/>
+          </a:effectRef>
+          <a:fontRef idx="minor">
+            <a:schemeClr val="tx1"/>
+          </a:fontRef>
+        </p:style>
+      </p:cxnSp>
+      <p:sp>
+        <p:nvSpPr>
+          <p:cNvPr id="3" name="Rectangle 2">
+            <a:extLst>
+              <a:ext uri="{FF2B5EF4-FFF2-40B4-BE49-F238E27FC236}">
+                <a16:creationId xmlns:a16="http://schemas.microsoft.com/office/drawing/2014/main" id="{9B3C1F8F-68A8-45E2-885A-224326C87AA8}"/>
+              </a:ext>
+            </a:extLst>
+          </p:cNvPr>
+          <p:cNvSpPr/>
+          <p:nvPr/>
+        </p:nvSpPr>
+        <p:spPr>
+          <a:xfrm>
+            <a:off x="117641" y="178131"/>
+            <a:ext cx="1286118" cy="603400"/>
+          </a:xfrm>
+          <a:prstGeom prst="rect">
+            <a:avLst/>
+          </a:prstGeom>
+          <a:noFill/>
+          <a:ln w="28575">
+            <a:solidFill>
+              <a:schemeClr val="tx1"/>
+            </a:solidFill>
+            <a:prstDash val="dash"/>
+          </a:ln>
+        </p:spPr>
+        <p:style>
+          <a:lnRef idx="2">
+            <a:schemeClr val="accent1">
+              <a:shade val="50000"/>
+            </a:schemeClr>
+          </a:lnRef>
+          <a:fillRef idx="1">
+            <a:schemeClr val="accent1"/>
+          </a:fillRef>
+          <a:effectRef idx="0">
+            <a:schemeClr val="accent1"/>
+          </a:effectRef>
+          <a:fontRef idx="minor">
+            <a:schemeClr val="lt1"/>
+          </a:fontRef>
+        </p:style>
+        <p:txBody>
+          <a:bodyPr rtlCol="0" anchor="ctr"/>
+          <a:lstStyle/>
+          <a:p>
+            <a:pPr algn="ctr"/>
+            <a:r>
+              <a:rPr lang="en-US" sz="1400" dirty="0">
+                <a:solidFill>
+                  <a:schemeClr val="tx1"/>
+                </a:solidFill>
+              </a:rPr>
+              <a:t>Data analysis roadmap</a:t>
+            </a:r>
+          </a:p>
+        </p:txBody>
+      </p:sp>
       <p:sp>
         <p:nvSpPr>
           <p:cNvPr id="59" name="Rectangle 58"/>
@@ -12406,4589 +13649,20 @@
           <a:p>
             <a:pPr algn="ctr"/>
             <a:r>
-              <a:rPr lang="en-US" sz="1200" dirty="0" smtClean="0">
+              <a:rPr lang="en-US" sz="1200" dirty="0">
                 <a:solidFill>
                   <a:sysClr val="windowText" lastClr="000000"/>
                 </a:solidFill>
               </a:rPr>
               <a:t>Multinomial regression</a:t>
             </a:r>
-            <a:endParaRPr lang="en-US" sz="1200" dirty="0">
-              <a:solidFill>
-                <a:sysClr val="windowText" lastClr="000000"/>
-              </a:solidFill>
-            </a:endParaRPr>
-          </a:p>
-        </p:txBody>
-      </p:sp>
-      <p:sp>
-        <p:nvSpPr>
-          <p:cNvPr id="50" name="Rectangle 49"/>
-          <p:cNvSpPr/>
-          <p:nvPr/>
-        </p:nvSpPr>
-        <p:spPr>
-          <a:xfrm>
-            <a:off x="4106178" y="6154300"/>
-            <a:ext cx="1092201" cy="695324"/>
-          </a:xfrm>
-          <a:prstGeom prst="rect">
-            <a:avLst/>
-          </a:prstGeom>
-          <a:solidFill>
-            <a:schemeClr val="bg1"/>
-          </a:solidFill>
-          <a:ln w="38100">
-            <a:solidFill>
-              <a:schemeClr val="accent6">
-                <a:lumMod val="75000"/>
-              </a:schemeClr>
-            </a:solidFill>
-          </a:ln>
-        </p:spPr>
-        <p:style>
-          <a:lnRef idx="2">
-            <a:schemeClr val="accent1">
-              <a:shade val="50000"/>
-            </a:schemeClr>
-          </a:lnRef>
-          <a:fillRef idx="1">
-            <a:schemeClr val="accent1"/>
-          </a:fillRef>
-          <a:effectRef idx="0">
-            <a:schemeClr val="accent1"/>
-          </a:effectRef>
-          <a:fontRef idx="minor">
-            <a:schemeClr val="lt1"/>
-          </a:fontRef>
-        </p:style>
-        <p:txBody>
-          <a:bodyPr rtlCol="0" anchor="ctr"/>
-          <a:lstStyle/>
-          <a:p>
-            <a:pPr algn="ctr"/>
-            <a:r>
-              <a:rPr lang="en-US" sz="1200" dirty="0" smtClean="0">
-                <a:solidFill>
-                  <a:sysClr val="windowText" lastClr="000000"/>
-                </a:solidFill>
-              </a:rPr>
-              <a:t>Logistic regression</a:t>
-            </a:r>
-            <a:endParaRPr lang="en-US" sz="1200" dirty="0">
-              <a:solidFill>
-                <a:sysClr val="windowText" lastClr="000000"/>
-              </a:solidFill>
-            </a:endParaRPr>
-          </a:p>
-        </p:txBody>
-      </p:sp>
-      <p:sp>
-        <p:nvSpPr>
-          <p:cNvPr id="136" name="Rectangle 135"/>
-          <p:cNvSpPr/>
-          <p:nvPr/>
-        </p:nvSpPr>
-        <p:spPr>
-          <a:xfrm>
-            <a:off x="4153434" y="8079491"/>
-            <a:ext cx="1269276" cy="569044"/>
-          </a:xfrm>
-          <a:prstGeom prst="rect">
-            <a:avLst/>
-          </a:prstGeom>
-          <a:noFill/>
-          <a:ln w="38100">
-            <a:solidFill>
-              <a:srgbClr val="7030A0"/>
-            </a:solidFill>
-          </a:ln>
-        </p:spPr>
-        <p:style>
-          <a:lnRef idx="2">
-            <a:schemeClr val="accent1">
-              <a:shade val="50000"/>
-            </a:schemeClr>
-          </a:lnRef>
-          <a:fillRef idx="1">
-            <a:schemeClr val="accent1"/>
-          </a:fillRef>
-          <a:effectRef idx="0">
-            <a:schemeClr val="accent1"/>
-          </a:effectRef>
-          <a:fontRef idx="minor">
-            <a:schemeClr val="lt1"/>
-          </a:fontRef>
-        </p:style>
-        <p:txBody>
-          <a:bodyPr rtlCol="0" anchor="ctr"/>
-          <a:lstStyle/>
-          <a:p>
-            <a:pPr algn="ctr"/>
-            <a:r>
-              <a:rPr lang="en-US" sz="1200" dirty="0" smtClean="0">
-                <a:solidFill>
-                  <a:sysClr val="windowText" lastClr="000000"/>
-                </a:solidFill>
-              </a:rPr>
-              <a:t>Survival analysis (mark-recapture)</a:t>
-            </a:r>
-            <a:endParaRPr lang="en-US" sz="1200" dirty="0">
-              <a:solidFill>
-                <a:sysClr val="windowText" lastClr="000000"/>
-              </a:solidFill>
-            </a:endParaRPr>
-          </a:p>
-        </p:txBody>
-      </p:sp>
-      <p:cxnSp>
-        <p:nvCxnSpPr>
-          <p:cNvPr id="138" name="Straight Arrow Connector 137"/>
-          <p:cNvCxnSpPr>
-            <a:stCxn id="111" idx="2"/>
-            <a:endCxn id="136" idx="0"/>
-          </p:cNvCxnSpPr>
-          <p:nvPr/>
-        </p:nvCxnSpPr>
-        <p:spPr>
-          <a:xfrm flipH="1">
-            <a:off x="4788072" y="5730374"/>
-            <a:ext cx="1121624" cy="2349117"/>
-          </a:xfrm>
-          <a:prstGeom prst="straightConnector1">
-            <a:avLst/>
-          </a:prstGeom>
-          <a:ln w="38100">
-            <a:solidFill>
-              <a:srgbClr val="7030A0"/>
-            </a:solidFill>
-            <a:tailEnd type="triangle"/>
-          </a:ln>
-        </p:spPr>
-        <p:style>
-          <a:lnRef idx="1">
-            <a:schemeClr val="accent1"/>
-          </a:lnRef>
-          <a:fillRef idx="0">
-            <a:schemeClr val="accent1"/>
-          </a:fillRef>
-          <a:effectRef idx="0">
-            <a:schemeClr val="accent1"/>
-          </a:effectRef>
-          <a:fontRef idx="minor">
-            <a:schemeClr val="tx1"/>
-          </a:fontRef>
-        </p:style>
-      </p:cxnSp>
-      <p:sp>
-        <p:nvSpPr>
-          <p:cNvPr id="54" name="Rectangle 53"/>
-          <p:cNvSpPr/>
-          <p:nvPr/>
-        </p:nvSpPr>
-        <p:spPr>
-          <a:xfrm>
-            <a:off x="4115627" y="7145604"/>
-            <a:ext cx="1092201" cy="695324"/>
-          </a:xfrm>
-          <a:prstGeom prst="rect">
-            <a:avLst/>
-          </a:prstGeom>
-          <a:solidFill>
-            <a:schemeClr val="bg1"/>
-          </a:solidFill>
-          <a:ln w="38100">
-            <a:solidFill>
-              <a:schemeClr val="accent2">
-                <a:lumMod val="75000"/>
-              </a:schemeClr>
-            </a:solidFill>
-          </a:ln>
-        </p:spPr>
-        <p:style>
-          <a:lnRef idx="2">
-            <a:schemeClr val="accent1">
-              <a:shade val="50000"/>
-            </a:schemeClr>
-          </a:lnRef>
-          <a:fillRef idx="1">
-            <a:schemeClr val="accent1"/>
-          </a:fillRef>
-          <a:effectRef idx="0">
-            <a:schemeClr val="accent1"/>
-          </a:effectRef>
-          <a:fontRef idx="minor">
-            <a:schemeClr val="lt1"/>
-          </a:fontRef>
-        </p:style>
-        <p:txBody>
-          <a:bodyPr rtlCol="0" anchor="ctr"/>
-          <a:lstStyle/>
-          <a:p>
-            <a:pPr algn="ctr"/>
-            <a:r>
-              <a:rPr lang="en-US" sz="1200" dirty="0" smtClean="0">
-                <a:solidFill>
-                  <a:sysClr val="windowText" lastClr="000000"/>
-                </a:solidFill>
-              </a:rPr>
-              <a:t>Poisson </a:t>
-            </a:r>
-            <a:r>
-              <a:rPr lang="en-US" sz="1200" dirty="0" smtClean="0">
-                <a:solidFill>
-                  <a:sysClr val="windowText" lastClr="000000"/>
-                </a:solidFill>
-              </a:rPr>
-              <a:t>regression (counts)</a:t>
-            </a:r>
-            <a:endParaRPr lang="en-US" sz="1200" dirty="0">
-              <a:solidFill>
-                <a:sysClr val="windowText" lastClr="000000"/>
-              </a:solidFill>
-            </a:endParaRPr>
-          </a:p>
-        </p:txBody>
-      </p:sp>
-      <p:sp>
-        <p:nvSpPr>
-          <p:cNvPr id="141" name="Rectangle 140"/>
-          <p:cNvSpPr/>
-          <p:nvPr/>
-        </p:nvSpPr>
-        <p:spPr>
-          <a:xfrm>
-            <a:off x="2608235" y="7177581"/>
-            <a:ext cx="1269276" cy="569044"/>
-          </a:xfrm>
-          <a:prstGeom prst="rect">
-            <a:avLst/>
-          </a:prstGeom>
-          <a:noFill/>
-          <a:ln w="38100">
-            <a:solidFill>
-              <a:srgbClr val="7030A0"/>
-            </a:solidFill>
-          </a:ln>
-        </p:spPr>
-        <p:style>
-          <a:lnRef idx="2">
-            <a:schemeClr val="accent1">
-              <a:shade val="50000"/>
-            </a:schemeClr>
-          </a:lnRef>
-          <a:fillRef idx="1">
-            <a:schemeClr val="accent1"/>
-          </a:fillRef>
-          <a:effectRef idx="0">
-            <a:schemeClr val="accent1"/>
-          </a:effectRef>
-          <a:fontRef idx="minor">
-            <a:schemeClr val="lt1"/>
-          </a:fontRef>
-        </p:style>
-        <p:txBody>
-          <a:bodyPr rtlCol="0" anchor="ctr"/>
-          <a:lstStyle/>
-          <a:p>
-            <a:pPr algn="ctr"/>
-            <a:r>
-              <a:rPr lang="en-US" sz="1200" dirty="0" smtClean="0">
-                <a:solidFill>
-                  <a:sysClr val="windowText" lastClr="000000"/>
-                </a:solidFill>
-              </a:rPr>
-              <a:t>Abundance estimation</a:t>
-            </a:r>
-            <a:endParaRPr lang="en-US" sz="1200" dirty="0">
-              <a:solidFill>
-                <a:sysClr val="windowText" lastClr="000000"/>
-              </a:solidFill>
-            </a:endParaRPr>
-          </a:p>
-        </p:txBody>
-      </p:sp>
-      <p:cxnSp>
-        <p:nvCxnSpPr>
-          <p:cNvPr id="142" name="Straight Arrow Connector 141"/>
-          <p:cNvCxnSpPr>
-            <a:stCxn id="110" idx="2"/>
-            <a:endCxn id="141" idx="0"/>
-          </p:cNvCxnSpPr>
-          <p:nvPr/>
-        </p:nvCxnSpPr>
-        <p:spPr>
-          <a:xfrm>
-            <a:off x="2757871" y="6412600"/>
-            <a:ext cx="485002" cy="764981"/>
-          </a:xfrm>
-          <a:prstGeom prst="straightConnector1">
-            <a:avLst/>
-          </a:prstGeom>
-          <a:ln w="38100">
-            <a:solidFill>
-              <a:srgbClr val="7030A0"/>
-            </a:solidFill>
-            <a:tailEnd type="triangle"/>
-          </a:ln>
-        </p:spPr>
-        <p:style>
-          <a:lnRef idx="1">
-            <a:schemeClr val="accent1"/>
-          </a:lnRef>
-          <a:fillRef idx="0">
-            <a:schemeClr val="accent1"/>
-          </a:fillRef>
-          <a:effectRef idx="0">
-            <a:schemeClr val="accent1"/>
-          </a:effectRef>
-          <a:fontRef idx="minor">
-            <a:schemeClr val="tx1"/>
-          </a:fontRef>
-        </p:style>
-      </p:cxnSp>
-    </p:spTree>
-    <p:extLst>
-      <p:ext uri="{BB962C8B-B14F-4D97-AF65-F5344CB8AC3E}">
-        <p14:creationId xmlns:p14="http://schemas.microsoft.com/office/powerpoint/2010/main" val="2961731176"/>
-      </p:ext>
-    </p:extLst>
-  </p:cSld>
-  <p:clrMapOvr>
-    <a:masterClrMapping/>
-  </p:clrMapOvr>
-</p:sld>
-</file>
-
-<file path=ppt/slides/slide6.xml><?xml version="1.0" encoding="utf-8"?>
-<p:sld xmlns:a="http://schemas.openxmlformats.org/drawingml/2006/main" xmlns:r="http://schemas.openxmlformats.org/officeDocument/2006/relationships" xmlns:p="http://schemas.openxmlformats.org/presentationml/2006/main">
-  <p:cSld>
-    <p:spTree>
-      <p:nvGrpSpPr>
-        <p:cNvPr id="1" name=""/>
-        <p:cNvGrpSpPr/>
-        <p:nvPr/>
-      </p:nvGrpSpPr>
-      <p:grpSpPr>
-        <a:xfrm>
-          <a:off x="0" y="0"/>
-          <a:ext cx="0" cy="0"/>
-          <a:chOff x="0" y="0"/>
-          <a:chExt cx="0" cy="0"/>
-        </a:xfrm>
-      </p:grpSpPr>
-      <p:sp>
-        <p:nvSpPr>
-          <p:cNvPr id="4" name="Rectangle 3"/>
-          <p:cNvSpPr/>
-          <p:nvPr/>
-        </p:nvSpPr>
-        <p:spPr>
-          <a:xfrm>
-            <a:off x="196348" y="3191487"/>
-            <a:ext cx="1092200" cy="533400"/>
-          </a:xfrm>
-          <a:prstGeom prst="rect">
-            <a:avLst/>
-          </a:prstGeom>
-          <a:noFill/>
-          <a:ln w="38100">
-            <a:solidFill>
-              <a:schemeClr val="accent5">
-                <a:lumMod val="75000"/>
-              </a:schemeClr>
-            </a:solidFill>
-          </a:ln>
-        </p:spPr>
-        <p:style>
-          <a:lnRef idx="2">
-            <a:schemeClr val="accent1">
-              <a:shade val="50000"/>
-            </a:schemeClr>
-          </a:lnRef>
-          <a:fillRef idx="1">
-            <a:schemeClr val="accent1"/>
-          </a:fillRef>
-          <a:effectRef idx="0">
-            <a:schemeClr val="accent1"/>
-          </a:effectRef>
-          <a:fontRef idx="minor">
-            <a:schemeClr val="lt1"/>
-          </a:fontRef>
-        </p:style>
-        <p:txBody>
-          <a:bodyPr rtlCol="0" anchor="ctr"/>
-          <a:lstStyle/>
-          <a:p>
-            <a:pPr algn="ctr"/>
-            <a:r>
-              <a:rPr lang="en-US" sz="1200" dirty="0" smtClean="0">
-                <a:solidFill>
-                  <a:sysClr val="windowText" lastClr="000000"/>
-                </a:solidFill>
-              </a:rPr>
-              <a:t>Descriptive or categorical</a:t>
-            </a:r>
-            <a:endParaRPr lang="en-US" sz="1200" dirty="0">
-              <a:solidFill>
-                <a:sysClr val="windowText" lastClr="000000"/>
-              </a:solidFill>
-            </a:endParaRPr>
-          </a:p>
-        </p:txBody>
-      </p:sp>
-      <p:sp>
-        <p:nvSpPr>
-          <p:cNvPr id="7" name="Rectangle 6"/>
-          <p:cNvSpPr/>
-          <p:nvPr/>
-        </p:nvSpPr>
-        <p:spPr>
-          <a:xfrm>
-            <a:off x="1119571" y="3830287"/>
-            <a:ext cx="1092200" cy="533400"/>
-          </a:xfrm>
-          <a:prstGeom prst="rect">
-            <a:avLst/>
-          </a:prstGeom>
-          <a:noFill/>
-          <a:ln w="38100">
-            <a:solidFill>
-              <a:schemeClr val="accent6">
-                <a:lumMod val="75000"/>
-              </a:schemeClr>
-            </a:solidFill>
-          </a:ln>
-        </p:spPr>
-        <p:style>
-          <a:lnRef idx="2">
-            <a:schemeClr val="accent1">
-              <a:shade val="50000"/>
-            </a:schemeClr>
-          </a:lnRef>
-          <a:fillRef idx="1">
-            <a:schemeClr val="accent1"/>
-          </a:fillRef>
-          <a:effectRef idx="0">
-            <a:schemeClr val="accent1"/>
-          </a:effectRef>
-          <a:fontRef idx="minor">
-            <a:schemeClr val="lt1"/>
-          </a:fontRef>
-        </p:style>
-        <p:txBody>
-          <a:bodyPr rtlCol="0" anchor="ctr"/>
-          <a:lstStyle/>
-          <a:p>
-            <a:pPr algn="ctr"/>
-            <a:r>
-              <a:rPr lang="en-US" sz="1200" dirty="0" smtClean="0">
-                <a:solidFill>
-                  <a:sysClr val="windowText" lastClr="000000"/>
-                </a:solidFill>
-              </a:rPr>
-              <a:t>Presence-type data</a:t>
-            </a:r>
-            <a:endParaRPr lang="en-US" sz="1200" dirty="0">
-              <a:solidFill>
-                <a:sysClr val="windowText" lastClr="000000"/>
-              </a:solidFill>
-            </a:endParaRPr>
-          </a:p>
-        </p:txBody>
-      </p:sp>
-      <p:sp>
-        <p:nvSpPr>
-          <p:cNvPr id="8" name="Rectangle 7"/>
-          <p:cNvSpPr/>
-          <p:nvPr/>
-        </p:nvSpPr>
-        <p:spPr>
-          <a:xfrm>
-            <a:off x="2105983" y="3191487"/>
-            <a:ext cx="1092200" cy="533400"/>
-          </a:xfrm>
-          <a:prstGeom prst="rect">
-            <a:avLst/>
-          </a:prstGeom>
-          <a:noFill/>
-          <a:ln w="38100">
-            <a:solidFill>
-              <a:schemeClr val="accent2">
-                <a:lumMod val="75000"/>
-              </a:schemeClr>
-            </a:solidFill>
-          </a:ln>
-        </p:spPr>
-        <p:style>
-          <a:lnRef idx="2">
-            <a:schemeClr val="accent1">
-              <a:shade val="50000"/>
-            </a:schemeClr>
-          </a:lnRef>
-          <a:fillRef idx="1">
-            <a:schemeClr val="accent1"/>
-          </a:fillRef>
-          <a:effectRef idx="0">
-            <a:schemeClr val="accent1"/>
-          </a:effectRef>
-          <a:fontRef idx="minor">
-            <a:schemeClr val="lt1"/>
-          </a:fontRef>
-        </p:style>
-        <p:txBody>
-          <a:bodyPr rtlCol="0" anchor="ctr"/>
-          <a:lstStyle/>
-          <a:p>
-            <a:pPr algn="ctr"/>
-            <a:r>
-              <a:rPr lang="en-US" sz="1200" dirty="0" smtClean="0">
-                <a:solidFill>
-                  <a:sysClr val="windowText" lastClr="000000"/>
-                </a:solidFill>
-              </a:rPr>
-              <a:t>Counts</a:t>
-            </a:r>
-            <a:endParaRPr lang="en-US" sz="1200" dirty="0">
-              <a:solidFill>
-                <a:sysClr val="windowText" lastClr="000000"/>
-              </a:solidFill>
-            </a:endParaRPr>
-          </a:p>
-        </p:txBody>
-      </p:sp>
-      <p:cxnSp>
-        <p:nvCxnSpPr>
-          <p:cNvPr id="19" name="Straight Arrow Connector 18"/>
-          <p:cNvCxnSpPr>
-            <a:stCxn id="8" idx="2"/>
-            <a:endCxn id="178" idx="0"/>
-          </p:cNvCxnSpPr>
-          <p:nvPr/>
-        </p:nvCxnSpPr>
-        <p:spPr>
-          <a:xfrm flipH="1">
-            <a:off x="2598324" y="3724887"/>
-            <a:ext cx="53759" cy="780183"/>
-          </a:xfrm>
-          <a:prstGeom prst="straightConnector1">
-            <a:avLst/>
-          </a:prstGeom>
-          <a:ln w="38100">
-            <a:solidFill>
-              <a:schemeClr val="accent2">
-                <a:lumMod val="75000"/>
-              </a:schemeClr>
-            </a:solidFill>
-            <a:tailEnd type="triangle"/>
-          </a:ln>
-        </p:spPr>
-        <p:style>
-          <a:lnRef idx="1">
-            <a:schemeClr val="accent1"/>
-          </a:lnRef>
-          <a:fillRef idx="0">
-            <a:schemeClr val="accent1"/>
-          </a:fillRef>
-          <a:effectRef idx="0">
-            <a:schemeClr val="accent1"/>
-          </a:effectRef>
-          <a:fontRef idx="minor">
-            <a:schemeClr val="tx1"/>
-          </a:fontRef>
-        </p:style>
-      </p:cxnSp>
-      <p:sp>
-        <p:nvSpPr>
-          <p:cNvPr id="38" name="Rectangle 37"/>
-          <p:cNvSpPr/>
-          <p:nvPr/>
-        </p:nvSpPr>
-        <p:spPr>
-          <a:xfrm>
-            <a:off x="775744" y="8118989"/>
-            <a:ext cx="1092200" cy="424018"/>
-          </a:xfrm>
-          <a:prstGeom prst="rect">
-            <a:avLst/>
-          </a:prstGeom>
-          <a:noFill/>
-          <a:ln w="38100">
-            <a:solidFill>
-              <a:schemeClr val="accent6">
-                <a:lumMod val="75000"/>
-              </a:schemeClr>
-            </a:solidFill>
-          </a:ln>
-        </p:spPr>
-        <p:style>
-          <a:lnRef idx="2">
-            <a:schemeClr val="accent1">
-              <a:shade val="50000"/>
-            </a:schemeClr>
-          </a:lnRef>
-          <a:fillRef idx="1">
-            <a:schemeClr val="accent1"/>
-          </a:fillRef>
-          <a:effectRef idx="0">
-            <a:schemeClr val="accent1"/>
-          </a:effectRef>
-          <a:fontRef idx="minor">
-            <a:schemeClr val="lt1"/>
-          </a:fontRef>
-        </p:style>
-        <p:txBody>
-          <a:bodyPr rtlCol="0" anchor="ctr"/>
-          <a:lstStyle/>
-          <a:p>
-            <a:pPr algn="ctr"/>
-            <a:r>
-              <a:rPr lang="en-US" sz="1200" dirty="0" smtClean="0">
-                <a:solidFill>
-                  <a:sysClr val="windowText" lastClr="000000"/>
-                </a:solidFill>
-              </a:rPr>
-              <a:t>Occupancy model</a:t>
-            </a:r>
-            <a:endParaRPr lang="en-US" sz="1200" dirty="0">
-              <a:solidFill>
-                <a:sysClr val="windowText" lastClr="000000"/>
-              </a:solidFill>
-            </a:endParaRPr>
-          </a:p>
-        </p:txBody>
-      </p:sp>
-      <p:sp>
-        <p:nvSpPr>
-          <p:cNvPr id="55" name="Rectangle 54"/>
-          <p:cNvSpPr/>
-          <p:nvPr/>
-        </p:nvSpPr>
-        <p:spPr>
-          <a:xfrm>
-            <a:off x="2625203" y="8075140"/>
-            <a:ext cx="1092201" cy="467867"/>
-          </a:xfrm>
-          <a:prstGeom prst="rect">
-            <a:avLst/>
-          </a:prstGeom>
-          <a:noFill/>
-          <a:ln w="38100">
-            <a:solidFill>
-              <a:schemeClr val="accent2">
-                <a:lumMod val="75000"/>
-              </a:schemeClr>
-            </a:solidFill>
-          </a:ln>
-        </p:spPr>
-        <p:style>
-          <a:lnRef idx="2">
-            <a:schemeClr val="accent1">
-              <a:shade val="50000"/>
-            </a:schemeClr>
-          </a:lnRef>
-          <a:fillRef idx="1">
-            <a:schemeClr val="accent1"/>
-          </a:fillRef>
-          <a:effectRef idx="0">
-            <a:schemeClr val="accent1"/>
-          </a:effectRef>
-          <a:fontRef idx="minor">
-            <a:schemeClr val="lt1"/>
-          </a:fontRef>
-        </p:style>
-        <p:txBody>
-          <a:bodyPr rtlCol="0" anchor="ctr"/>
-          <a:lstStyle/>
-          <a:p>
-            <a:pPr algn="ctr"/>
-            <a:r>
-              <a:rPr lang="en-US" sz="1200" dirty="0" smtClean="0">
-                <a:solidFill>
-                  <a:sysClr val="windowText" lastClr="000000"/>
-                </a:solidFill>
-              </a:rPr>
-              <a:t>N-mixture model</a:t>
-            </a:r>
-            <a:endParaRPr lang="en-US" sz="1200" dirty="0">
-              <a:solidFill>
-                <a:sysClr val="windowText" lastClr="000000"/>
-              </a:solidFill>
-            </a:endParaRPr>
-          </a:p>
-        </p:txBody>
-      </p:sp>
-      <p:sp>
-        <p:nvSpPr>
-          <p:cNvPr id="56" name="Rectangle 55"/>
-          <p:cNvSpPr/>
-          <p:nvPr/>
-        </p:nvSpPr>
-        <p:spPr>
-          <a:xfrm>
-            <a:off x="665499" y="5511094"/>
-            <a:ext cx="1546272" cy="695325"/>
-          </a:xfrm>
-          <a:prstGeom prst="rect">
-            <a:avLst/>
-          </a:prstGeom>
-          <a:noFill/>
-          <a:ln w="38100">
-            <a:solidFill>
-              <a:schemeClr val="accent6">
-                <a:lumMod val="75000"/>
-              </a:schemeClr>
-            </a:solidFill>
-          </a:ln>
-        </p:spPr>
-        <p:style>
-          <a:lnRef idx="2">
-            <a:schemeClr val="accent1">
-              <a:shade val="50000"/>
-            </a:schemeClr>
-          </a:lnRef>
-          <a:fillRef idx="1">
-            <a:schemeClr val="accent1"/>
-          </a:fillRef>
-          <a:effectRef idx="0">
-            <a:schemeClr val="accent1"/>
-          </a:effectRef>
-          <a:fontRef idx="minor">
-            <a:schemeClr val="lt1"/>
-          </a:fontRef>
-        </p:style>
-        <p:txBody>
-          <a:bodyPr rtlCol="0" anchor="ctr"/>
-          <a:lstStyle/>
-          <a:p>
-            <a:pPr algn="ctr"/>
-            <a:r>
-              <a:rPr lang="en-US" sz="1200" dirty="0" smtClean="0">
-                <a:solidFill>
-                  <a:sysClr val="windowText" lastClr="000000"/>
-                </a:solidFill>
-              </a:rPr>
-              <a:t>Species distribution </a:t>
-            </a:r>
-            <a:r>
-              <a:rPr lang="en-US" sz="1200" dirty="0" smtClean="0">
-                <a:solidFill>
-                  <a:sysClr val="windowText" lastClr="000000"/>
-                </a:solidFill>
-              </a:rPr>
-              <a:t>model </a:t>
-            </a:r>
-            <a:r>
-              <a:rPr lang="en-US" sz="1200" b="1" dirty="0" smtClean="0">
-                <a:solidFill>
-                  <a:sysClr val="windowText" lastClr="000000"/>
-                </a:solidFill>
-              </a:rPr>
-              <a:t>OR</a:t>
-            </a:r>
-            <a:r>
-              <a:rPr lang="en-US" sz="1200" dirty="0" smtClean="0">
-                <a:solidFill>
-                  <a:sysClr val="windowText" lastClr="000000"/>
-                </a:solidFill>
-              </a:rPr>
-              <a:t> paired points analysis</a:t>
-            </a:r>
-            <a:endParaRPr lang="en-US" sz="1200" b="1" dirty="0">
-              <a:solidFill>
-                <a:sysClr val="windowText" lastClr="000000"/>
-              </a:solidFill>
-            </a:endParaRPr>
-          </a:p>
-        </p:txBody>
-      </p:sp>
-      <p:sp>
-        <p:nvSpPr>
-          <p:cNvPr id="58" name="Rectangle 57"/>
-          <p:cNvSpPr/>
-          <p:nvPr/>
-        </p:nvSpPr>
-        <p:spPr>
-          <a:xfrm>
-            <a:off x="119398" y="4547405"/>
-            <a:ext cx="1092201" cy="695324"/>
-          </a:xfrm>
-          <a:prstGeom prst="rect">
-            <a:avLst/>
-          </a:prstGeom>
-          <a:noFill/>
-          <a:ln w="38100">
-            <a:solidFill>
-              <a:schemeClr val="accent5">
-                <a:lumMod val="75000"/>
-              </a:schemeClr>
-            </a:solidFill>
-          </a:ln>
-        </p:spPr>
-        <p:style>
-          <a:lnRef idx="2">
-            <a:schemeClr val="accent1">
-              <a:shade val="50000"/>
-            </a:schemeClr>
-          </a:lnRef>
-          <a:fillRef idx="1">
-            <a:schemeClr val="accent1"/>
-          </a:fillRef>
-          <a:effectRef idx="0">
-            <a:schemeClr val="accent1"/>
-          </a:effectRef>
-          <a:fontRef idx="minor">
-            <a:schemeClr val="lt1"/>
-          </a:fontRef>
-        </p:style>
-        <p:txBody>
-          <a:bodyPr rtlCol="0" anchor="ctr"/>
-          <a:lstStyle/>
-          <a:p>
-            <a:pPr algn="ctr"/>
-            <a:r>
-              <a:rPr lang="en-US" sz="1200" dirty="0" smtClean="0">
-                <a:solidFill>
-                  <a:sysClr val="windowText" lastClr="000000"/>
-                </a:solidFill>
-              </a:rPr>
-              <a:t>State transition model</a:t>
-            </a:r>
-            <a:endParaRPr lang="en-US" sz="1200" dirty="0">
-              <a:solidFill>
-                <a:sysClr val="windowText" lastClr="000000"/>
-              </a:solidFill>
-            </a:endParaRPr>
-          </a:p>
-        </p:txBody>
-      </p:sp>
-      <p:sp>
-        <p:nvSpPr>
-          <p:cNvPr id="2" name="Hexagon 1"/>
-          <p:cNvSpPr/>
-          <p:nvPr/>
-        </p:nvSpPr>
-        <p:spPr>
-          <a:xfrm>
-            <a:off x="2532856" y="178131"/>
-            <a:ext cx="1792288" cy="783771"/>
-          </a:xfrm>
-          <a:prstGeom prst="hexagon">
-            <a:avLst/>
-          </a:prstGeom>
-          <a:noFill/>
-          <a:ln w="38100">
-            <a:solidFill>
-              <a:schemeClr val="tx1"/>
-            </a:solidFill>
-          </a:ln>
-        </p:spPr>
-        <p:style>
-          <a:lnRef idx="2">
-            <a:schemeClr val="accent1">
-              <a:shade val="50000"/>
-            </a:schemeClr>
-          </a:lnRef>
-          <a:fillRef idx="1">
-            <a:schemeClr val="accent1"/>
-          </a:fillRef>
-          <a:effectRef idx="0">
-            <a:schemeClr val="accent1"/>
-          </a:effectRef>
-          <a:fontRef idx="minor">
-            <a:schemeClr val="lt1"/>
-          </a:fontRef>
-        </p:style>
-        <p:txBody>
-          <a:bodyPr rtlCol="0" anchor="ctr"/>
-          <a:lstStyle/>
-          <a:p>
-            <a:pPr algn="ctr"/>
-            <a:r>
-              <a:rPr lang="en-US" sz="1200" b="1" dirty="0" smtClean="0">
-                <a:solidFill>
-                  <a:schemeClr val="tx1"/>
-                </a:solidFill>
-              </a:rPr>
-              <a:t>How was the data collected?</a:t>
-            </a:r>
-            <a:endParaRPr lang="en-US" sz="1200" b="1" dirty="0">
-              <a:solidFill>
-                <a:schemeClr val="tx1"/>
-              </a:solidFill>
-            </a:endParaRPr>
-          </a:p>
-        </p:txBody>
-      </p:sp>
-      <p:sp>
-        <p:nvSpPr>
-          <p:cNvPr id="80" name="Rectangle 79"/>
-          <p:cNvSpPr/>
-          <p:nvPr/>
-        </p:nvSpPr>
-        <p:spPr>
-          <a:xfrm>
-            <a:off x="3903234" y="1347347"/>
-            <a:ext cx="2006462" cy="707082"/>
-          </a:xfrm>
-          <a:prstGeom prst="rect">
-            <a:avLst/>
-          </a:prstGeom>
-          <a:noFill/>
-          <a:ln w="38100">
-            <a:solidFill>
-              <a:schemeClr val="tx1"/>
-            </a:solidFill>
-          </a:ln>
-        </p:spPr>
-        <p:style>
-          <a:lnRef idx="2">
-            <a:schemeClr val="accent1">
-              <a:shade val="50000"/>
-            </a:schemeClr>
-          </a:lnRef>
-          <a:fillRef idx="1">
-            <a:schemeClr val="accent1"/>
-          </a:fillRef>
-          <a:effectRef idx="0">
-            <a:schemeClr val="accent1"/>
-          </a:effectRef>
-          <a:fontRef idx="minor">
-            <a:schemeClr val="lt1"/>
-          </a:fontRef>
-        </p:style>
-        <p:txBody>
-          <a:bodyPr rtlCol="0" anchor="ctr"/>
-          <a:lstStyle/>
-          <a:p>
-            <a:pPr algn="ctr"/>
-            <a:r>
-              <a:rPr lang="en-US" sz="1200" b="1" dirty="0" smtClean="0">
-                <a:solidFill>
-                  <a:schemeClr val="tx1"/>
-                </a:solidFill>
-              </a:rPr>
-              <a:t>Survey</a:t>
-            </a:r>
-          </a:p>
-          <a:p>
-            <a:pPr algn="ctr"/>
-            <a:r>
-              <a:rPr lang="en-US" sz="1200" i="1" dirty="0" smtClean="0">
-                <a:solidFill>
-                  <a:schemeClr val="tx1"/>
-                </a:solidFill>
-              </a:rPr>
-              <a:t>(e.g. transects, repeated counts, mark-recapture)</a:t>
-            </a:r>
-            <a:endParaRPr lang="en-US" sz="1200" i="1" dirty="0">
-              <a:solidFill>
-                <a:schemeClr val="tx1"/>
-              </a:solidFill>
-            </a:endParaRPr>
-          </a:p>
-        </p:txBody>
-      </p:sp>
-      <p:sp>
-        <p:nvSpPr>
-          <p:cNvPr id="102" name="Hexagon 101"/>
-          <p:cNvSpPr/>
-          <p:nvPr/>
-        </p:nvSpPr>
-        <p:spPr>
-          <a:xfrm>
-            <a:off x="3877511" y="2420584"/>
-            <a:ext cx="2098566" cy="500744"/>
-          </a:xfrm>
-          <a:prstGeom prst="hexagon">
-            <a:avLst/>
-          </a:prstGeom>
-          <a:noFill/>
-          <a:ln w="38100">
-            <a:solidFill>
-              <a:schemeClr val="tx1"/>
-            </a:solidFill>
-          </a:ln>
-        </p:spPr>
-        <p:style>
-          <a:lnRef idx="2">
-            <a:schemeClr val="accent1">
-              <a:shade val="50000"/>
-            </a:schemeClr>
-          </a:lnRef>
-          <a:fillRef idx="1">
-            <a:schemeClr val="accent1"/>
-          </a:fillRef>
-          <a:effectRef idx="0">
-            <a:schemeClr val="accent1"/>
-          </a:effectRef>
-          <a:fontRef idx="minor">
-            <a:schemeClr val="lt1"/>
-          </a:fontRef>
-        </p:style>
-        <p:txBody>
-          <a:bodyPr rtlCol="0" anchor="ctr"/>
-          <a:lstStyle/>
-          <a:p>
-            <a:pPr algn="ctr"/>
-            <a:r>
-              <a:rPr lang="en-US" sz="1200" b="1" dirty="0" smtClean="0">
-                <a:solidFill>
-                  <a:schemeClr val="tx1"/>
-                </a:solidFill>
-              </a:rPr>
-              <a:t>Repeated visits within a closed period?</a:t>
-            </a:r>
-            <a:endParaRPr lang="en-US" sz="1200" b="1" dirty="0">
-              <a:solidFill>
-                <a:schemeClr val="tx1"/>
-              </a:solidFill>
-            </a:endParaRPr>
-          </a:p>
-        </p:txBody>
-      </p:sp>
-      <p:sp>
-        <p:nvSpPr>
-          <p:cNvPr id="109" name="TextBox 108"/>
-          <p:cNvSpPr txBox="1"/>
-          <p:nvPr/>
-        </p:nvSpPr>
-        <p:spPr>
-          <a:xfrm>
-            <a:off x="366793" y="8682335"/>
-            <a:ext cx="6165990" cy="461665"/>
-          </a:xfrm>
-          <a:prstGeom prst="rect">
-            <a:avLst/>
-          </a:prstGeom>
-          <a:noFill/>
-          <a:ln>
-            <a:solidFill>
-              <a:schemeClr val="tx1"/>
-            </a:solidFill>
-            <a:prstDash val="sysDot"/>
-          </a:ln>
-        </p:spPr>
-        <p:txBody>
-          <a:bodyPr wrap="square" rtlCol="0">
-            <a:spAutoFit/>
-          </a:bodyPr>
-          <a:lstStyle/>
-          <a:p>
-            <a:pPr algn="ctr"/>
-            <a:r>
-              <a:rPr lang="en-US" sz="1200" i="1" dirty="0" smtClean="0"/>
-              <a:t>This roadmap is to serve as a general guide and is not an exhaustive list of all analysis options. Also, </a:t>
-            </a:r>
-            <a:r>
-              <a:rPr lang="en-US" sz="1200" b="1" i="1" dirty="0" smtClean="0"/>
-              <a:t>always check the specific assumptions of your planned modeling approach!</a:t>
-            </a:r>
-            <a:endParaRPr lang="en-US" sz="1200" b="1" i="1" dirty="0"/>
-          </a:p>
-        </p:txBody>
-      </p:sp>
-      <p:sp>
-        <p:nvSpPr>
-          <p:cNvPr id="110" name="Rectangle 109"/>
-          <p:cNvSpPr/>
-          <p:nvPr/>
-        </p:nvSpPr>
-        <p:spPr>
-          <a:xfrm>
-            <a:off x="3588197" y="3314087"/>
-            <a:ext cx="736947" cy="412363"/>
-          </a:xfrm>
-          <a:prstGeom prst="rect">
-            <a:avLst/>
-          </a:prstGeom>
-          <a:noFill/>
-          <a:ln w="38100">
-            <a:solidFill>
-              <a:schemeClr val="tx1"/>
-            </a:solidFill>
-          </a:ln>
-        </p:spPr>
-        <p:style>
-          <a:lnRef idx="2">
-            <a:schemeClr val="accent1">
-              <a:shade val="50000"/>
-            </a:schemeClr>
-          </a:lnRef>
-          <a:fillRef idx="1">
-            <a:schemeClr val="accent1"/>
-          </a:fillRef>
-          <a:effectRef idx="0">
-            <a:schemeClr val="accent1"/>
-          </a:effectRef>
-          <a:fontRef idx="minor">
-            <a:schemeClr val="lt1"/>
-          </a:fontRef>
-        </p:style>
-        <p:txBody>
-          <a:bodyPr rtlCol="0" anchor="ctr"/>
-          <a:lstStyle/>
-          <a:p>
-            <a:pPr algn="ctr"/>
-            <a:r>
-              <a:rPr lang="en-US" sz="1200" dirty="0" smtClean="0">
-                <a:solidFill>
-                  <a:schemeClr val="tx1"/>
-                </a:solidFill>
-              </a:rPr>
-              <a:t>Yes</a:t>
-            </a:r>
-            <a:endParaRPr lang="en-US" sz="1200" dirty="0">
-              <a:solidFill>
-                <a:schemeClr val="tx1"/>
-              </a:solidFill>
-            </a:endParaRPr>
-          </a:p>
-        </p:txBody>
-      </p:sp>
-      <p:sp>
-        <p:nvSpPr>
-          <p:cNvPr id="111" name="Rectangle 110"/>
-          <p:cNvSpPr/>
-          <p:nvPr/>
-        </p:nvSpPr>
-        <p:spPr>
-          <a:xfrm>
-            <a:off x="5484036" y="3294399"/>
-            <a:ext cx="736947" cy="412363"/>
-          </a:xfrm>
-          <a:prstGeom prst="rect">
-            <a:avLst/>
-          </a:prstGeom>
-          <a:noFill/>
-          <a:ln w="38100">
-            <a:solidFill>
-              <a:schemeClr val="tx1"/>
-            </a:solidFill>
-          </a:ln>
-        </p:spPr>
-        <p:style>
-          <a:lnRef idx="2">
-            <a:schemeClr val="accent1">
-              <a:shade val="50000"/>
-            </a:schemeClr>
-          </a:lnRef>
-          <a:fillRef idx="1">
-            <a:schemeClr val="accent1"/>
-          </a:fillRef>
-          <a:effectRef idx="0">
-            <a:schemeClr val="accent1"/>
-          </a:effectRef>
-          <a:fontRef idx="minor">
-            <a:schemeClr val="lt1"/>
-          </a:fontRef>
-        </p:style>
-        <p:txBody>
-          <a:bodyPr rtlCol="0" anchor="ctr"/>
-          <a:lstStyle/>
-          <a:p>
-            <a:pPr algn="ctr"/>
-            <a:r>
-              <a:rPr lang="en-US" sz="1200" dirty="0" smtClean="0">
-                <a:solidFill>
-                  <a:schemeClr val="tx1"/>
-                </a:solidFill>
-              </a:rPr>
-              <a:t>No</a:t>
-            </a:r>
-            <a:endParaRPr lang="en-US" sz="1200" dirty="0">
-              <a:solidFill>
-                <a:schemeClr val="tx1"/>
-              </a:solidFill>
-            </a:endParaRPr>
-          </a:p>
-        </p:txBody>
-      </p:sp>
-      <p:cxnSp>
-        <p:nvCxnSpPr>
-          <p:cNvPr id="115" name="Straight Connector 114"/>
-          <p:cNvCxnSpPr>
-            <a:stCxn id="110" idx="0"/>
-            <a:endCxn id="102" idx="2"/>
-          </p:cNvCxnSpPr>
-          <p:nvPr/>
-        </p:nvCxnSpPr>
-        <p:spPr>
-          <a:xfrm flipV="1">
-            <a:off x="3956671" y="2921328"/>
-            <a:ext cx="46026" cy="392759"/>
-          </a:xfrm>
-          <a:prstGeom prst="line">
-            <a:avLst/>
-          </a:prstGeom>
-          <a:ln w="38100">
-            <a:solidFill>
-              <a:schemeClr val="tx1"/>
-            </a:solidFill>
-            <a:headEnd type="triangle" w="med" len="med"/>
-            <a:tailEnd type="none" w="med" len="med"/>
-          </a:ln>
-        </p:spPr>
-        <p:style>
-          <a:lnRef idx="1">
-            <a:schemeClr val="accent1"/>
-          </a:lnRef>
-          <a:fillRef idx="0">
-            <a:schemeClr val="accent1"/>
-          </a:fillRef>
-          <a:effectRef idx="0">
-            <a:schemeClr val="accent1"/>
-          </a:effectRef>
-          <a:fontRef idx="minor">
-            <a:schemeClr val="tx1"/>
-          </a:fontRef>
-        </p:style>
-      </p:cxnSp>
-      <p:cxnSp>
-        <p:nvCxnSpPr>
-          <p:cNvPr id="118" name="Straight Connector 117"/>
-          <p:cNvCxnSpPr>
-            <a:stCxn id="111" idx="0"/>
-            <a:endCxn id="102" idx="1"/>
-          </p:cNvCxnSpPr>
-          <p:nvPr/>
-        </p:nvCxnSpPr>
-        <p:spPr>
-          <a:xfrm flipH="1" flipV="1">
-            <a:off x="5850891" y="2921328"/>
-            <a:ext cx="1619" cy="373071"/>
-          </a:xfrm>
-          <a:prstGeom prst="line">
-            <a:avLst/>
-          </a:prstGeom>
-          <a:ln w="38100">
-            <a:solidFill>
-              <a:schemeClr val="tx1"/>
-            </a:solidFill>
-            <a:headEnd type="triangle" w="med" len="med"/>
-            <a:tailEnd type="none" w="med" len="med"/>
-          </a:ln>
-        </p:spPr>
-        <p:style>
-          <a:lnRef idx="1">
-            <a:schemeClr val="accent1"/>
-          </a:lnRef>
-          <a:fillRef idx="0">
-            <a:schemeClr val="accent1"/>
-          </a:fillRef>
-          <a:effectRef idx="0">
-            <a:schemeClr val="accent1"/>
-          </a:effectRef>
-          <a:fontRef idx="minor">
-            <a:schemeClr val="tx1"/>
-          </a:fontRef>
-        </p:style>
-      </p:cxnSp>
-      <p:sp>
-        <p:nvSpPr>
-          <p:cNvPr id="178" name="Rectangle 177"/>
-          <p:cNvSpPr/>
-          <p:nvPr/>
-        </p:nvSpPr>
-        <p:spPr>
-          <a:xfrm>
-            <a:off x="2052223" y="4505070"/>
-            <a:ext cx="1092201" cy="695324"/>
-          </a:xfrm>
-          <a:prstGeom prst="rect">
-            <a:avLst/>
-          </a:prstGeom>
-          <a:noFill/>
-          <a:ln w="38100">
-            <a:solidFill>
-              <a:schemeClr val="accent2">
-                <a:lumMod val="75000"/>
-              </a:schemeClr>
-            </a:solidFill>
-          </a:ln>
-        </p:spPr>
-        <p:style>
-          <a:lnRef idx="2">
-            <a:schemeClr val="accent1">
-              <a:shade val="50000"/>
-            </a:schemeClr>
-          </a:lnRef>
-          <a:fillRef idx="1">
-            <a:schemeClr val="accent1"/>
-          </a:fillRef>
-          <a:effectRef idx="0">
-            <a:schemeClr val="accent1"/>
-          </a:effectRef>
-          <a:fontRef idx="minor">
-            <a:schemeClr val="lt1"/>
-          </a:fontRef>
-        </p:style>
-        <p:txBody>
-          <a:bodyPr rtlCol="0" anchor="ctr"/>
-          <a:lstStyle/>
-          <a:p>
-            <a:pPr algn="ctr"/>
-            <a:r>
-              <a:rPr lang="en-US" sz="1200" dirty="0" smtClean="0">
-                <a:solidFill>
-                  <a:sysClr val="windowText" lastClr="000000"/>
-                </a:solidFill>
-              </a:rPr>
-              <a:t>State transition model</a:t>
-            </a:r>
-            <a:endParaRPr lang="en-US" sz="1200" dirty="0">
-              <a:solidFill>
-                <a:sysClr val="windowText" lastClr="000000"/>
-              </a:solidFill>
-            </a:endParaRPr>
-          </a:p>
-        </p:txBody>
-      </p:sp>
-      <p:cxnSp>
-        <p:nvCxnSpPr>
-          <p:cNvPr id="46" name="Straight Arrow Connector 45"/>
-          <p:cNvCxnSpPr>
-            <a:stCxn id="4" idx="2"/>
-            <a:endCxn id="58" idx="0"/>
-          </p:cNvCxnSpPr>
-          <p:nvPr/>
-        </p:nvCxnSpPr>
-        <p:spPr>
-          <a:xfrm flipH="1">
-            <a:off x="665499" y="3724887"/>
-            <a:ext cx="76949" cy="822518"/>
-          </a:xfrm>
-          <a:prstGeom prst="straightConnector1">
-            <a:avLst/>
-          </a:prstGeom>
-          <a:ln w="38100">
-            <a:solidFill>
-              <a:schemeClr val="accent5">
-                <a:lumMod val="75000"/>
-              </a:schemeClr>
-            </a:solidFill>
-            <a:tailEnd type="triangle"/>
-          </a:ln>
-        </p:spPr>
-        <p:style>
-          <a:lnRef idx="1">
-            <a:schemeClr val="accent1"/>
-          </a:lnRef>
-          <a:fillRef idx="0">
-            <a:schemeClr val="accent1"/>
-          </a:fillRef>
-          <a:effectRef idx="0">
-            <a:schemeClr val="accent1"/>
-          </a:effectRef>
-          <a:fontRef idx="minor">
-            <a:schemeClr val="tx1"/>
-          </a:fontRef>
-        </p:style>
-      </p:cxnSp>
-      <p:cxnSp>
-        <p:nvCxnSpPr>
-          <p:cNvPr id="60" name="Straight Arrow Connector 59"/>
-          <p:cNvCxnSpPr>
-            <a:stCxn id="7" idx="2"/>
-            <a:endCxn id="56" idx="0"/>
-          </p:cNvCxnSpPr>
-          <p:nvPr/>
-        </p:nvCxnSpPr>
-        <p:spPr>
-          <a:xfrm flipH="1">
-            <a:off x="1438635" y="4363687"/>
-            <a:ext cx="227036" cy="1147407"/>
-          </a:xfrm>
-          <a:prstGeom prst="straightConnector1">
-            <a:avLst/>
-          </a:prstGeom>
-          <a:ln w="38100">
-            <a:solidFill>
-              <a:schemeClr val="accent6">
-                <a:lumMod val="75000"/>
-              </a:schemeClr>
-            </a:solidFill>
-            <a:tailEnd type="triangle"/>
-          </a:ln>
-        </p:spPr>
-        <p:style>
-          <a:lnRef idx="1">
-            <a:schemeClr val="accent1"/>
-          </a:lnRef>
-          <a:fillRef idx="0">
-            <a:schemeClr val="accent1"/>
-          </a:fillRef>
-          <a:effectRef idx="0">
-            <a:schemeClr val="accent1"/>
-          </a:effectRef>
-          <a:fontRef idx="minor">
-            <a:schemeClr val="tx1"/>
-          </a:fontRef>
-        </p:style>
-      </p:cxnSp>
-      <p:sp>
-        <p:nvSpPr>
-          <p:cNvPr id="79" name="Rectangle 78"/>
-          <p:cNvSpPr/>
-          <p:nvPr/>
-        </p:nvSpPr>
-        <p:spPr>
-          <a:xfrm>
-            <a:off x="948304" y="1347346"/>
-            <a:ext cx="2006626" cy="707083"/>
-          </a:xfrm>
-          <a:prstGeom prst="rect">
-            <a:avLst/>
-          </a:prstGeom>
-          <a:noFill/>
-          <a:ln w="38100">
-            <a:solidFill>
-              <a:schemeClr val="tx1"/>
-            </a:solidFill>
-          </a:ln>
-        </p:spPr>
-        <p:style>
-          <a:lnRef idx="2">
-            <a:schemeClr val="accent1">
-              <a:shade val="50000"/>
-            </a:schemeClr>
-          </a:lnRef>
-          <a:fillRef idx="1">
-            <a:schemeClr val="accent1"/>
-          </a:fillRef>
-          <a:effectRef idx="0">
-            <a:schemeClr val="accent1"/>
-          </a:effectRef>
-          <a:fontRef idx="minor">
-            <a:schemeClr val="lt1"/>
-          </a:fontRef>
-        </p:style>
-        <p:txBody>
-          <a:bodyPr rtlCol="0" anchor="ctr"/>
-          <a:lstStyle/>
-          <a:p>
-            <a:pPr algn="ctr"/>
-            <a:r>
-              <a:rPr lang="en-US" sz="1200" b="1" dirty="0" smtClean="0">
-                <a:solidFill>
-                  <a:schemeClr val="tx1"/>
-                </a:solidFill>
-              </a:rPr>
-              <a:t>Opportunistic</a:t>
-            </a:r>
-          </a:p>
-          <a:p>
-            <a:pPr algn="ctr"/>
-            <a:r>
-              <a:rPr lang="en-US" sz="1200" i="1" dirty="0" smtClean="0">
-                <a:solidFill>
-                  <a:schemeClr val="tx1"/>
-                </a:solidFill>
-              </a:rPr>
-              <a:t>(e.g. citizen science, historical records, museum specimens)</a:t>
-            </a:r>
-            <a:endParaRPr lang="en-US" sz="1200" i="1" dirty="0">
-              <a:solidFill>
-                <a:schemeClr val="tx1"/>
-              </a:solidFill>
-            </a:endParaRPr>
-          </a:p>
-        </p:txBody>
-      </p:sp>
-      <p:cxnSp>
-        <p:nvCxnSpPr>
-          <p:cNvPr id="87" name="Straight Arrow Connector 86"/>
-          <p:cNvCxnSpPr>
-            <a:stCxn id="146" idx="2"/>
-            <a:endCxn id="38" idx="0"/>
-          </p:cNvCxnSpPr>
-          <p:nvPr/>
-        </p:nvCxnSpPr>
-        <p:spPr>
-          <a:xfrm>
-            <a:off x="1321844" y="7763759"/>
-            <a:ext cx="0" cy="355230"/>
-          </a:xfrm>
-          <a:prstGeom prst="straightConnector1">
-            <a:avLst/>
-          </a:prstGeom>
-          <a:ln w="38100">
-            <a:solidFill>
-              <a:schemeClr val="accent6">
-                <a:lumMod val="75000"/>
-              </a:schemeClr>
-            </a:solidFill>
-            <a:tailEnd type="triangle"/>
-          </a:ln>
-        </p:spPr>
-        <p:style>
-          <a:lnRef idx="1">
-            <a:schemeClr val="accent1"/>
-          </a:lnRef>
-          <a:fillRef idx="0">
-            <a:schemeClr val="accent1"/>
-          </a:fillRef>
-          <a:effectRef idx="0">
-            <a:schemeClr val="accent1"/>
-          </a:effectRef>
-          <a:fontRef idx="minor">
-            <a:schemeClr val="tx1"/>
-          </a:fontRef>
-        </p:style>
-      </p:cxnSp>
-      <p:cxnSp>
-        <p:nvCxnSpPr>
-          <p:cNvPr id="91" name="Straight Arrow Connector 90"/>
-          <p:cNvCxnSpPr>
-            <a:stCxn id="144" idx="2"/>
-            <a:endCxn id="55" idx="0"/>
-          </p:cNvCxnSpPr>
-          <p:nvPr/>
-        </p:nvCxnSpPr>
-        <p:spPr>
-          <a:xfrm>
-            <a:off x="3171303" y="7778036"/>
-            <a:ext cx="1" cy="297104"/>
-          </a:xfrm>
-          <a:prstGeom prst="straightConnector1">
-            <a:avLst/>
-          </a:prstGeom>
-          <a:ln w="38100">
-            <a:solidFill>
-              <a:schemeClr val="accent2">
-                <a:lumMod val="75000"/>
-              </a:schemeClr>
-            </a:solidFill>
-            <a:tailEnd type="triangle"/>
-          </a:ln>
-        </p:spPr>
-        <p:style>
-          <a:lnRef idx="1">
-            <a:schemeClr val="accent1"/>
-          </a:lnRef>
-          <a:fillRef idx="0">
-            <a:schemeClr val="accent1"/>
-          </a:fillRef>
-          <a:effectRef idx="0">
-            <a:schemeClr val="accent1"/>
-          </a:effectRef>
-          <a:fontRef idx="minor">
-            <a:schemeClr val="tx1"/>
-          </a:fontRef>
-        </p:style>
-      </p:cxnSp>
-      <p:cxnSp>
-        <p:nvCxnSpPr>
-          <p:cNvPr id="94" name="Straight Arrow Connector 93"/>
-          <p:cNvCxnSpPr>
-            <a:stCxn id="127" idx="2"/>
-            <a:endCxn id="54" idx="0"/>
-          </p:cNvCxnSpPr>
-          <p:nvPr/>
-        </p:nvCxnSpPr>
-        <p:spPr>
-          <a:xfrm>
-            <a:off x="6201316" y="5526730"/>
-            <a:ext cx="39334" cy="1326043"/>
-          </a:xfrm>
-          <a:prstGeom prst="straightConnector1">
-            <a:avLst/>
-          </a:prstGeom>
-          <a:ln w="38100">
-            <a:solidFill>
-              <a:schemeClr val="accent2">
-                <a:lumMod val="75000"/>
-              </a:schemeClr>
-            </a:solidFill>
-            <a:tailEnd type="triangle"/>
-          </a:ln>
-        </p:spPr>
-        <p:style>
-          <a:lnRef idx="1">
-            <a:schemeClr val="accent1"/>
-          </a:lnRef>
-          <a:fillRef idx="0">
-            <a:schemeClr val="accent1"/>
-          </a:fillRef>
-          <a:effectRef idx="0">
-            <a:schemeClr val="accent1"/>
-          </a:effectRef>
-          <a:fontRef idx="minor">
-            <a:schemeClr val="tx1"/>
-          </a:fontRef>
-        </p:style>
-      </p:cxnSp>
-      <p:cxnSp>
-        <p:nvCxnSpPr>
-          <p:cNvPr id="123" name="Straight Arrow Connector 122"/>
-          <p:cNvCxnSpPr>
-            <a:stCxn id="124" idx="2"/>
-            <a:endCxn id="50" idx="0"/>
-          </p:cNvCxnSpPr>
-          <p:nvPr/>
-        </p:nvCxnSpPr>
-        <p:spPr>
-          <a:xfrm flipH="1">
-            <a:off x="4835994" y="6456451"/>
-            <a:ext cx="518288" cy="729246"/>
-          </a:xfrm>
-          <a:prstGeom prst="straightConnector1">
-            <a:avLst/>
-          </a:prstGeom>
-          <a:ln w="38100">
-            <a:solidFill>
-              <a:schemeClr val="accent6">
-                <a:lumMod val="75000"/>
-              </a:schemeClr>
-            </a:solidFill>
-            <a:tailEnd type="triangle"/>
-          </a:ln>
-        </p:spPr>
-        <p:style>
-          <a:lnRef idx="1">
-            <a:schemeClr val="accent1"/>
-          </a:lnRef>
-          <a:fillRef idx="0">
-            <a:schemeClr val="accent1"/>
-          </a:fillRef>
-          <a:effectRef idx="0">
-            <a:schemeClr val="accent1"/>
-          </a:effectRef>
-          <a:fontRef idx="minor">
-            <a:schemeClr val="tx1"/>
-          </a:fontRef>
-        </p:style>
-      </p:cxnSp>
-      <p:cxnSp>
-        <p:nvCxnSpPr>
-          <p:cNvPr id="128" name="Straight Arrow Connector 127"/>
-          <p:cNvCxnSpPr>
-            <a:stCxn id="121" idx="2"/>
-            <a:endCxn id="59" idx="0"/>
-          </p:cNvCxnSpPr>
-          <p:nvPr/>
-        </p:nvCxnSpPr>
-        <p:spPr>
-          <a:xfrm flipH="1">
-            <a:off x="4036724" y="5526730"/>
-            <a:ext cx="382481" cy="436721"/>
-          </a:xfrm>
-          <a:prstGeom prst="straightConnector1">
-            <a:avLst/>
-          </a:prstGeom>
-          <a:ln w="38100">
-            <a:solidFill>
-              <a:schemeClr val="accent5">
-                <a:lumMod val="75000"/>
-              </a:schemeClr>
-            </a:solidFill>
-            <a:tailEnd type="triangle"/>
-          </a:ln>
-        </p:spPr>
-        <p:style>
-          <a:lnRef idx="1">
-            <a:schemeClr val="accent1"/>
-          </a:lnRef>
-          <a:fillRef idx="0">
-            <a:schemeClr val="accent1"/>
-          </a:fillRef>
-          <a:effectRef idx="0">
-            <a:schemeClr val="accent1"/>
-          </a:effectRef>
-          <a:fontRef idx="minor">
-            <a:schemeClr val="tx1"/>
-          </a:fontRef>
-        </p:style>
-      </p:cxnSp>
-      <p:sp>
-        <p:nvSpPr>
-          <p:cNvPr id="59" name="Rectangle 58"/>
-          <p:cNvSpPr/>
-          <p:nvPr/>
-        </p:nvSpPr>
-        <p:spPr>
-          <a:xfrm>
-            <a:off x="3490624" y="5963451"/>
-            <a:ext cx="1092200" cy="558015"/>
-          </a:xfrm>
-          <a:prstGeom prst="rect">
-            <a:avLst/>
-          </a:prstGeom>
-          <a:solidFill>
-            <a:schemeClr val="bg1"/>
-          </a:solidFill>
-          <a:ln w="38100">
-            <a:solidFill>
-              <a:schemeClr val="accent5">
-                <a:lumMod val="75000"/>
-              </a:schemeClr>
-            </a:solidFill>
-          </a:ln>
-        </p:spPr>
-        <p:style>
-          <a:lnRef idx="2">
-            <a:schemeClr val="accent1">
-              <a:shade val="50000"/>
-            </a:schemeClr>
-          </a:lnRef>
-          <a:fillRef idx="1">
-            <a:schemeClr val="accent1"/>
-          </a:fillRef>
-          <a:effectRef idx="0">
-            <a:schemeClr val="accent1"/>
-          </a:effectRef>
-          <a:fontRef idx="minor">
-            <a:schemeClr val="lt1"/>
-          </a:fontRef>
-        </p:style>
-        <p:txBody>
-          <a:bodyPr rtlCol="0" anchor="ctr"/>
-          <a:lstStyle/>
-          <a:p>
-            <a:pPr algn="ctr"/>
-            <a:r>
-              <a:rPr lang="en-US" sz="1200" dirty="0" smtClean="0">
-                <a:solidFill>
-                  <a:sysClr val="windowText" lastClr="000000"/>
-                </a:solidFill>
-              </a:rPr>
-              <a:t>Multinomial regression</a:t>
-            </a:r>
-            <a:endParaRPr lang="en-US" sz="1200" dirty="0">
-              <a:solidFill>
-                <a:sysClr val="windowText" lastClr="000000"/>
-              </a:solidFill>
-            </a:endParaRPr>
-          </a:p>
-        </p:txBody>
-      </p:sp>
-      <p:sp>
-        <p:nvSpPr>
-          <p:cNvPr id="50" name="Rectangle 49"/>
-          <p:cNvSpPr/>
-          <p:nvPr/>
-        </p:nvSpPr>
-        <p:spPr>
-          <a:xfrm>
-            <a:off x="4289893" y="7185697"/>
-            <a:ext cx="1092201" cy="399875"/>
-          </a:xfrm>
-          <a:prstGeom prst="rect">
-            <a:avLst/>
-          </a:prstGeom>
-          <a:solidFill>
-            <a:schemeClr val="bg1"/>
-          </a:solidFill>
-          <a:ln w="38100">
-            <a:solidFill>
-              <a:schemeClr val="accent6">
-                <a:lumMod val="75000"/>
-              </a:schemeClr>
-            </a:solidFill>
-          </a:ln>
-        </p:spPr>
-        <p:style>
-          <a:lnRef idx="2">
-            <a:schemeClr val="accent1">
-              <a:shade val="50000"/>
-            </a:schemeClr>
-          </a:lnRef>
-          <a:fillRef idx="1">
-            <a:schemeClr val="accent1"/>
-          </a:fillRef>
-          <a:effectRef idx="0">
-            <a:schemeClr val="accent1"/>
-          </a:effectRef>
-          <a:fontRef idx="minor">
-            <a:schemeClr val="lt1"/>
-          </a:fontRef>
-        </p:style>
-        <p:txBody>
-          <a:bodyPr rtlCol="0" anchor="ctr"/>
-          <a:lstStyle/>
-          <a:p>
-            <a:pPr algn="ctr"/>
-            <a:r>
-              <a:rPr lang="en-US" sz="1200" dirty="0" smtClean="0">
-                <a:solidFill>
-                  <a:sysClr val="windowText" lastClr="000000"/>
-                </a:solidFill>
-              </a:rPr>
-              <a:t>Logistic regression</a:t>
-            </a:r>
-            <a:endParaRPr lang="en-US" sz="1200" dirty="0">
-              <a:solidFill>
-                <a:sysClr val="windowText" lastClr="000000"/>
-              </a:solidFill>
-            </a:endParaRPr>
-          </a:p>
-        </p:txBody>
-      </p:sp>
-      <p:sp>
-        <p:nvSpPr>
-          <p:cNvPr id="54" name="Rectangle 53"/>
-          <p:cNvSpPr/>
-          <p:nvPr/>
-        </p:nvSpPr>
-        <p:spPr>
-          <a:xfrm>
-            <a:off x="5694549" y="6852773"/>
-            <a:ext cx="1092201" cy="466097"/>
-          </a:xfrm>
-          <a:prstGeom prst="rect">
-            <a:avLst/>
-          </a:prstGeom>
-          <a:solidFill>
-            <a:schemeClr val="bg1"/>
-          </a:solidFill>
-          <a:ln w="38100">
-            <a:solidFill>
-              <a:schemeClr val="accent2">
-                <a:lumMod val="75000"/>
-              </a:schemeClr>
-            </a:solidFill>
-          </a:ln>
-        </p:spPr>
-        <p:style>
-          <a:lnRef idx="2">
-            <a:schemeClr val="accent1">
-              <a:shade val="50000"/>
-            </a:schemeClr>
-          </a:lnRef>
-          <a:fillRef idx="1">
-            <a:schemeClr val="accent1"/>
-          </a:fillRef>
-          <a:effectRef idx="0">
-            <a:schemeClr val="accent1"/>
-          </a:effectRef>
-          <a:fontRef idx="minor">
-            <a:schemeClr val="lt1"/>
-          </a:fontRef>
-        </p:style>
-        <p:txBody>
-          <a:bodyPr rtlCol="0" anchor="ctr"/>
-          <a:lstStyle/>
-          <a:p>
-            <a:pPr algn="ctr"/>
-            <a:r>
-              <a:rPr lang="en-US" sz="1200" dirty="0" smtClean="0">
-                <a:solidFill>
-                  <a:sysClr val="windowText" lastClr="000000"/>
-                </a:solidFill>
-              </a:rPr>
-              <a:t>Poisson </a:t>
-            </a:r>
-            <a:r>
-              <a:rPr lang="en-US" sz="1200" dirty="0" smtClean="0">
-                <a:solidFill>
-                  <a:sysClr val="windowText" lastClr="000000"/>
-                </a:solidFill>
-              </a:rPr>
-              <a:t>regression</a:t>
-            </a:r>
-            <a:endParaRPr lang="en-US" sz="1200" dirty="0">
-              <a:solidFill>
-                <a:sysClr val="windowText" lastClr="000000"/>
-              </a:solidFill>
-            </a:endParaRPr>
-          </a:p>
-        </p:txBody>
-      </p:sp>
-      <p:cxnSp>
-        <p:nvCxnSpPr>
-          <p:cNvPr id="68" name="Straight Arrow Connector 67"/>
-          <p:cNvCxnSpPr>
-            <a:stCxn id="2" idx="2"/>
-            <a:endCxn id="79" idx="0"/>
-          </p:cNvCxnSpPr>
-          <p:nvPr/>
-        </p:nvCxnSpPr>
-        <p:spPr>
-          <a:xfrm flipH="1">
-            <a:off x="1951617" y="961902"/>
-            <a:ext cx="777182" cy="385444"/>
-          </a:xfrm>
-          <a:prstGeom prst="straightConnector1">
-            <a:avLst/>
-          </a:prstGeom>
-          <a:ln w="38100">
-            <a:solidFill>
-              <a:schemeClr val="tx1"/>
-            </a:solidFill>
-            <a:tailEnd type="triangle"/>
-          </a:ln>
-        </p:spPr>
-        <p:style>
-          <a:lnRef idx="1">
-            <a:schemeClr val="accent1"/>
-          </a:lnRef>
-          <a:fillRef idx="0">
-            <a:schemeClr val="accent1"/>
-          </a:fillRef>
-          <a:effectRef idx="0">
-            <a:schemeClr val="accent1"/>
-          </a:effectRef>
-          <a:fontRef idx="minor">
-            <a:schemeClr val="tx1"/>
-          </a:fontRef>
-        </p:style>
-      </p:cxnSp>
-      <p:cxnSp>
-        <p:nvCxnSpPr>
-          <p:cNvPr id="74" name="Straight Arrow Connector 73"/>
-          <p:cNvCxnSpPr>
-            <a:stCxn id="2" idx="1"/>
-            <a:endCxn id="80" idx="0"/>
-          </p:cNvCxnSpPr>
-          <p:nvPr/>
-        </p:nvCxnSpPr>
-        <p:spPr>
-          <a:xfrm>
-            <a:off x="4129201" y="961902"/>
-            <a:ext cx="777264" cy="385445"/>
-          </a:xfrm>
-          <a:prstGeom prst="straightConnector1">
-            <a:avLst/>
-          </a:prstGeom>
-          <a:ln w="38100">
-            <a:solidFill>
-              <a:schemeClr val="tx1"/>
-            </a:solidFill>
-            <a:tailEnd type="triangle"/>
-          </a:ln>
-        </p:spPr>
-        <p:style>
-          <a:lnRef idx="1">
-            <a:schemeClr val="accent1"/>
-          </a:lnRef>
-          <a:fillRef idx="0">
-            <a:schemeClr val="accent1"/>
-          </a:fillRef>
-          <a:effectRef idx="0">
-            <a:schemeClr val="accent1"/>
-          </a:effectRef>
-          <a:fontRef idx="minor">
-            <a:schemeClr val="tx1"/>
-          </a:fontRef>
-        </p:style>
-      </p:cxnSp>
-      <p:sp>
-        <p:nvSpPr>
-          <p:cNvPr id="83" name="Hexagon 82"/>
-          <p:cNvSpPr/>
-          <p:nvPr/>
-        </p:nvSpPr>
-        <p:spPr>
-          <a:xfrm>
-            <a:off x="969820" y="2420584"/>
-            <a:ext cx="1792288" cy="548243"/>
-          </a:xfrm>
-          <a:prstGeom prst="hexagon">
-            <a:avLst/>
-          </a:prstGeom>
-          <a:noFill/>
-          <a:ln w="38100">
-            <a:solidFill>
-              <a:schemeClr val="tx1"/>
-            </a:solidFill>
-          </a:ln>
-        </p:spPr>
-        <p:style>
-          <a:lnRef idx="2">
-            <a:schemeClr val="accent1">
-              <a:shade val="50000"/>
-            </a:schemeClr>
-          </a:lnRef>
-          <a:fillRef idx="1">
-            <a:schemeClr val="accent1"/>
-          </a:fillRef>
-          <a:effectRef idx="0">
-            <a:schemeClr val="accent1"/>
-          </a:effectRef>
-          <a:fontRef idx="minor">
-            <a:schemeClr val="lt1"/>
-          </a:fontRef>
-        </p:style>
-        <p:txBody>
-          <a:bodyPr rtlCol="0" anchor="ctr"/>
-          <a:lstStyle/>
-          <a:p>
-            <a:pPr algn="ctr"/>
-            <a:r>
-              <a:rPr lang="en-US" sz="1200" b="1" dirty="0" smtClean="0">
-                <a:solidFill>
-                  <a:schemeClr val="tx1"/>
-                </a:solidFill>
-              </a:rPr>
-              <a:t>What kind of data do you have?</a:t>
-            </a:r>
-            <a:endParaRPr lang="en-US" sz="1200" b="1" dirty="0">
-              <a:solidFill>
-                <a:schemeClr val="tx1"/>
-              </a:solidFill>
-            </a:endParaRPr>
-          </a:p>
-        </p:txBody>
-      </p:sp>
-      <p:cxnSp>
-        <p:nvCxnSpPr>
-          <p:cNvPr id="84" name="Straight Arrow Connector 83"/>
-          <p:cNvCxnSpPr>
-            <a:stCxn id="83" idx="2"/>
-            <a:endCxn id="4" idx="0"/>
-          </p:cNvCxnSpPr>
-          <p:nvPr/>
-        </p:nvCxnSpPr>
-        <p:spPr>
-          <a:xfrm flipH="1">
-            <a:off x="742448" y="2968827"/>
-            <a:ext cx="364433" cy="222660"/>
-          </a:xfrm>
-          <a:prstGeom prst="straightConnector1">
-            <a:avLst/>
-          </a:prstGeom>
-          <a:ln w="38100">
-            <a:solidFill>
-              <a:schemeClr val="tx1"/>
-            </a:solidFill>
-            <a:tailEnd type="triangle"/>
-          </a:ln>
-        </p:spPr>
-        <p:style>
-          <a:lnRef idx="1">
-            <a:schemeClr val="accent1"/>
-          </a:lnRef>
-          <a:fillRef idx="0">
-            <a:schemeClr val="accent1"/>
-          </a:fillRef>
-          <a:effectRef idx="0">
-            <a:schemeClr val="accent1"/>
-          </a:effectRef>
-          <a:fontRef idx="minor">
-            <a:schemeClr val="tx1"/>
-          </a:fontRef>
-        </p:style>
-      </p:cxnSp>
-      <p:cxnSp>
-        <p:nvCxnSpPr>
-          <p:cNvPr id="86" name="Straight Arrow Connector 85"/>
-          <p:cNvCxnSpPr>
-            <a:endCxn id="7" idx="0"/>
-          </p:cNvCxnSpPr>
-          <p:nvPr/>
-        </p:nvCxnSpPr>
-        <p:spPr>
-          <a:xfrm flipH="1">
-            <a:off x="1665671" y="2980705"/>
-            <a:ext cx="142973" cy="849582"/>
-          </a:xfrm>
-          <a:prstGeom prst="straightConnector1">
-            <a:avLst/>
-          </a:prstGeom>
-          <a:ln w="38100">
-            <a:solidFill>
-              <a:schemeClr val="tx1"/>
-            </a:solidFill>
-            <a:tailEnd type="triangle"/>
-          </a:ln>
-        </p:spPr>
-        <p:style>
-          <a:lnRef idx="1">
-            <a:schemeClr val="accent1"/>
-          </a:lnRef>
-          <a:fillRef idx="0">
-            <a:schemeClr val="accent1"/>
-          </a:fillRef>
-          <a:effectRef idx="0">
-            <a:schemeClr val="accent1"/>
-          </a:effectRef>
-          <a:fontRef idx="minor">
-            <a:schemeClr val="tx1"/>
-          </a:fontRef>
-        </p:style>
-      </p:cxnSp>
-      <p:cxnSp>
-        <p:nvCxnSpPr>
-          <p:cNvPr id="92" name="Straight Arrow Connector 91"/>
-          <p:cNvCxnSpPr>
-            <a:stCxn id="83" idx="1"/>
-            <a:endCxn id="8" idx="0"/>
-          </p:cNvCxnSpPr>
-          <p:nvPr/>
-        </p:nvCxnSpPr>
-        <p:spPr>
-          <a:xfrm>
-            <a:off x="2625047" y="2968827"/>
-            <a:ext cx="27036" cy="222660"/>
-          </a:xfrm>
-          <a:prstGeom prst="straightConnector1">
-            <a:avLst/>
-          </a:prstGeom>
-          <a:ln w="38100">
-            <a:solidFill>
-              <a:schemeClr val="tx1"/>
-            </a:solidFill>
-            <a:tailEnd type="triangle"/>
-          </a:ln>
-        </p:spPr>
-        <p:style>
-          <a:lnRef idx="1">
-            <a:schemeClr val="accent1"/>
-          </a:lnRef>
-          <a:fillRef idx="0">
-            <a:schemeClr val="accent1"/>
-          </a:fillRef>
-          <a:effectRef idx="0">
-            <a:schemeClr val="accent1"/>
-          </a:effectRef>
-          <a:fontRef idx="minor">
-            <a:schemeClr val="tx1"/>
-          </a:fontRef>
-        </p:style>
-      </p:cxnSp>
-      <p:cxnSp>
-        <p:nvCxnSpPr>
-          <p:cNvPr id="98" name="Straight Arrow Connector 97"/>
-          <p:cNvCxnSpPr>
-            <a:stCxn id="79" idx="2"/>
-          </p:cNvCxnSpPr>
-          <p:nvPr/>
-        </p:nvCxnSpPr>
-        <p:spPr>
-          <a:xfrm>
-            <a:off x="1951617" y="2054429"/>
-            <a:ext cx="0" cy="366155"/>
-          </a:xfrm>
-          <a:prstGeom prst="straightConnector1">
-            <a:avLst/>
-          </a:prstGeom>
-          <a:ln w="38100">
-            <a:solidFill>
-              <a:schemeClr val="tx1"/>
-            </a:solidFill>
-            <a:tailEnd type="triangle"/>
-          </a:ln>
-        </p:spPr>
-        <p:style>
-          <a:lnRef idx="1">
-            <a:schemeClr val="accent1"/>
-          </a:lnRef>
-          <a:fillRef idx="0">
-            <a:schemeClr val="accent1"/>
-          </a:fillRef>
-          <a:effectRef idx="0">
-            <a:schemeClr val="accent1"/>
-          </a:effectRef>
-          <a:fontRef idx="minor">
-            <a:schemeClr val="tx1"/>
-          </a:fontRef>
-        </p:style>
-      </p:cxnSp>
-      <p:sp>
-        <p:nvSpPr>
-          <p:cNvPr id="113" name="Hexagon 112"/>
-          <p:cNvSpPr/>
-          <p:nvPr/>
-        </p:nvSpPr>
-        <p:spPr>
-          <a:xfrm>
-            <a:off x="4706442" y="3956827"/>
-            <a:ext cx="1792288" cy="548243"/>
-          </a:xfrm>
-          <a:prstGeom prst="hexagon">
-            <a:avLst/>
-          </a:prstGeom>
-          <a:noFill/>
-          <a:ln w="38100">
-            <a:solidFill>
-              <a:schemeClr val="tx1"/>
-            </a:solidFill>
-          </a:ln>
-        </p:spPr>
-        <p:style>
-          <a:lnRef idx="2">
-            <a:schemeClr val="accent1">
-              <a:shade val="50000"/>
-            </a:schemeClr>
-          </a:lnRef>
-          <a:fillRef idx="1">
-            <a:schemeClr val="accent1"/>
-          </a:fillRef>
-          <a:effectRef idx="0">
-            <a:schemeClr val="accent1"/>
-          </a:effectRef>
-          <a:fontRef idx="minor">
-            <a:schemeClr val="lt1"/>
-          </a:fontRef>
-        </p:style>
-        <p:txBody>
-          <a:bodyPr rtlCol="0" anchor="ctr"/>
-          <a:lstStyle/>
-          <a:p>
-            <a:pPr algn="ctr"/>
-            <a:r>
-              <a:rPr lang="en-US" sz="1200" b="1" dirty="0" smtClean="0">
-                <a:solidFill>
-                  <a:schemeClr val="tx1"/>
-                </a:solidFill>
-              </a:rPr>
-              <a:t>What kind of data do you have?</a:t>
-            </a:r>
-            <a:endParaRPr lang="en-US" sz="1200" b="1" dirty="0">
-              <a:solidFill>
-                <a:schemeClr val="tx1"/>
-              </a:solidFill>
-            </a:endParaRPr>
-          </a:p>
-        </p:txBody>
-      </p:sp>
-      <p:sp>
-        <p:nvSpPr>
-          <p:cNvPr id="121" name="Rectangle 120"/>
-          <p:cNvSpPr/>
-          <p:nvPr/>
-        </p:nvSpPr>
-        <p:spPr>
-          <a:xfrm>
-            <a:off x="3873105" y="4993330"/>
-            <a:ext cx="1092200" cy="533400"/>
-          </a:xfrm>
-          <a:prstGeom prst="rect">
-            <a:avLst/>
-          </a:prstGeom>
-          <a:noFill/>
-          <a:ln w="38100">
-            <a:solidFill>
-              <a:schemeClr val="accent5">
-                <a:lumMod val="75000"/>
-              </a:schemeClr>
-            </a:solidFill>
-          </a:ln>
-        </p:spPr>
-        <p:style>
-          <a:lnRef idx="2">
-            <a:schemeClr val="accent1">
-              <a:shade val="50000"/>
-            </a:schemeClr>
-          </a:lnRef>
-          <a:fillRef idx="1">
-            <a:schemeClr val="accent1"/>
-          </a:fillRef>
-          <a:effectRef idx="0">
-            <a:schemeClr val="accent1"/>
-          </a:effectRef>
-          <a:fontRef idx="minor">
-            <a:schemeClr val="lt1"/>
-          </a:fontRef>
-        </p:style>
-        <p:txBody>
-          <a:bodyPr rtlCol="0" anchor="ctr"/>
-          <a:lstStyle/>
-          <a:p>
-            <a:pPr algn="ctr"/>
-            <a:r>
-              <a:rPr lang="en-US" sz="1200" dirty="0" smtClean="0">
-                <a:solidFill>
-                  <a:sysClr val="windowText" lastClr="000000"/>
-                </a:solidFill>
-              </a:rPr>
-              <a:t>Descriptive or categorical</a:t>
-            </a:r>
-            <a:endParaRPr lang="en-US" sz="1200" dirty="0">
-              <a:solidFill>
-                <a:sysClr val="windowText" lastClr="000000"/>
-              </a:solidFill>
-            </a:endParaRPr>
-          </a:p>
-        </p:txBody>
-      </p:sp>
-      <p:sp>
-        <p:nvSpPr>
-          <p:cNvPr id="124" name="Rectangle 123"/>
-          <p:cNvSpPr/>
-          <p:nvPr/>
-        </p:nvSpPr>
-        <p:spPr>
-          <a:xfrm>
-            <a:off x="4808182" y="5923051"/>
-            <a:ext cx="1092200" cy="533400"/>
-          </a:xfrm>
-          <a:prstGeom prst="rect">
-            <a:avLst/>
-          </a:prstGeom>
-          <a:noFill/>
-          <a:ln w="38100">
-            <a:solidFill>
-              <a:schemeClr val="accent6">
-                <a:lumMod val="75000"/>
-              </a:schemeClr>
-            </a:solidFill>
-          </a:ln>
-        </p:spPr>
-        <p:style>
-          <a:lnRef idx="2">
-            <a:schemeClr val="accent1">
-              <a:shade val="50000"/>
-            </a:schemeClr>
-          </a:lnRef>
-          <a:fillRef idx="1">
-            <a:schemeClr val="accent1"/>
-          </a:fillRef>
-          <a:effectRef idx="0">
-            <a:schemeClr val="accent1"/>
-          </a:effectRef>
-          <a:fontRef idx="minor">
-            <a:schemeClr val="lt1"/>
-          </a:fontRef>
-        </p:style>
-        <p:txBody>
-          <a:bodyPr rtlCol="0" anchor="ctr"/>
-          <a:lstStyle/>
-          <a:p>
-            <a:pPr algn="ctr"/>
-            <a:r>
-              <a:rPr lang="en-US" sz="1200" dirty="0" smtClean="0">
-                <a:solidFill>
-                  <a:sysClr val="windowText" lastClr="000000"/>
-                </a:solidFill>
-              </a:rPr>
-              <a:t>Presence-type data</a:t>
-            </a:r>
-            <a:endParaRPr lang="en-US" sz="1200" dirty="0">
-              <a:solidFill>
-                <a:sysClr val="windowText" lastClr="000000"/>
-              </a:solidFill>
-            </a:endParaRPr>
-          </a:p>
-        </p:txBody>
-      </p:sp>
-      <p:sp>
-        <p:nvSpPr>
-          <p:cNvPr id="140" name="Hexagon 139"/>
-          <p:cNvSpPr/>
-          <p:nvPr/>
-        </p:nvSpPr>
-        <p:spPr>
-          <a:xfrm>
-            <a:off x="1483700" y="6511087"/>
-            <a:ext cx="1792288" cy="548243"/>
-          </a:xfrm>
-          <a:prstGeom prst="hexagon">
-            <a:avLst/>
-          </a:prstGeom>
-          <a:noFill/>
-          <a:ln w="38100">
-            <a:solidFill>
-              <a:schemeClr val="tx1"/>
-            </a:solidFill>
-          </a:ln>
-        </p:spPr>
-        <p:style>
-          <a:lnRef idx="2">
-            <a:schemeClr val="accent1">
-              <a:shade val="50000"/>
-            </a:schemeClr>
-          </a:lnRef>
-          <a:fillRef idx="1">
-            <a:schemeClr val="accent1"/>
-          </a:fillRef>
-          <a:effectRef idx="0">
-            <a:schemeClr val="accent1"/>
-          </a:effectRef>
-          <a:fontRef idx="minor">
-            <a:schemeClr val="lt1"/>
-          </a:fontRef>
-        </p:style>
-        <p:txBody>
-          <a:bodyPr rtlCol="0" anchor="ctr"/>
-          <a:lstStyle/>
-          <a:p>
-            <a:pPr algn="ctr"/>
-            <a:r>
-              <a:rPr lang="en-US" sz="1200" b="1" dirty="0" smtClean="0">
-                <a:solidFill>
-                  <a:schemeClr val="tx1"/>
-                </a:solidFill>
-              </a:rPr>
-              <a:t>What kind of data do you have?</a:t>
-            </a:r>
-            <a:endParaRPr lang="en-US" sz="1200" b="1" dirty="0">
-              <a:solidFill>
-                <a:schemeClr val="tx1"/>
-              </a:solidFill>
-            </a:endParaRPr>
-          </a:p>
-        </p:txBody>
-      </p:sp>
-      <p:cxnSp>
-        <p:nvCxnSpPr>
-          <p:cNvPr id="143" name="Straight Arrow Connector 142"/>
-          <p:cNvCxnSpPr>
-            <a:stCxn id="110" idx="2"/>
-          </p:cNvCxnSpPr>
-          <p:nvPr/>
-        </p:nvCxnSpPr>
-        <p:spPr>
-          <a:xfrm flipH="1">
-            <a:off x="2532856" y="3726450"/>
-            <a:ext cx="1423815" cy="2764625"/>
-          </a:xfrm>
-          <a:prstGeom prst="straightConnector1">
-            <a:avLst/>
-          </a:prstGeom>
-          <a:ln w="38100">
-            <a:solidFill>
-              <a:schemeClr val="tx1"/>
-            </a:solidFill>
-            <a:tailEnd type="triangle"/>
-          </a:ln>
-        </p:spPr>
-        <p:style>
-          <a:lnRef idx="1">
-            <a:schemeClr val="accent1"/>
-          </a:lnRef>
-          <a:fillRef idx="0">
-            <a:schemeClr val="accent1"/>
-          </a:fillRef>
-          <a:effectRef idx="0">
-            <a:schemeClr val="accent1"/>
-          </a:effectRef>
-          <a:fontRef idx="minor">
-            <a:schemeClr val="tx1"/>
-          </a:fontRef>
-        </p:style>
-      </p:cxnSp>
-      <p:sp>
-        <p:nvSpPr>
-          <p:cNvPr id="144" name="Rectangle 143"/>
-          <p:cNvSpPr/>
-          <p:nvPr/>
-        </p:nvSpPr>
-        <p:spPr>
-          <a:xfrm>
-            <a:off x="2625203" y="7244636"/>
-            <a:ext cx="1092200" cy="533400"/>
-          </a:xfrm>
-          <a:prstGeom prst="rect">
-            <a:avLst/>
-          </a:prstGeom>
-          <a:noFill/>
-          <a:ln w="38100">
-            <a:solidFill>
-              <a:schemeClr val="accent2">
-                <a:lumMod val="75000"/>
-              </a:schemeClr>
-            </a:solidFill>
-          </a:ln>
-        </p:spPr>
-        <p:style>
-          <a:lnRef idx="2">
-            <a:schemeClr val="accent1">
-              <a:shade val="50000"/>
-            </a:schemeClr>
-          </a:lnRef>
-          <a:fillRef idx="1">
-            <a:schemeClr val="accent1"/>
-          </a:fillRef>
-          <a:effectRef idx="0">
-            <a:schemeClr val="accent1"/>
-          </a:effectRef>
-          <a:fontRef idx="minor">
-            <a:schemeClr val="lt1"/>
-          </a:fontRef>
-        </p:style>
-        <p:txBody>
-          <a:bodyPr rtlCol="0" anchor="ctr"/>
-          <a:lstStyle/>
-          <a:p>
-            <a:pPr algn="ctr"/>
-            <a:r>
-              <a:rPr lang="en-US" sz="1200" dirty="0" smtClean="0">
-                <a:solidFill>
-                  <a:sysClr val="windowText" lastClr="000000"/>
-                </a:solidFill>
-              </a:rPr>
-              <a:t>Counts</a:t>
-            </a:r>
-            <a:endParaRPr lang="en-US" sz="1200" dirty="0">
-              <a:solidFill>
-                <a:sysClr val="windowText" lastClr="000000"/>
-              </a:solidFill>
-            </a:endParaRPr>
-          </a:p>
-        </p:txBody>
-      </p:sp>
-      <p:sp>
-        <p:nvSpPr>
-          <p:cNvPr id="146" name="Rectangle 145"/>
-          <p:cNvSpPr/>
-          <p:nvPr/>
-        </p:nvSpPr>
-        <p:spPr>
-          <a:xfrm>
-            <a:off x="775744" y="7230359"/>
-            <a:ext cx="1092200" cy="533400"/>
-          </a:xfrm>
-          <a:prstGeom prst="rect">
-            <a:avLst/>
-          </a:prstGeom>
-          <a:noFill/>
-          <a:ln w="38100">
-            <a:solidFill>
-              <a:schemeClr val="accent6">
-                <a:lumMod val="75000"/>
-              </a:schemeClr>
-            </a:solidFill>
-          </a:ln>
-        </p:spPr>
-        <p:style>
-          <a:lnRef idx="2">
-            <a:schemeClr val="accent1">
-              <a:shade val="50000"/>
-            </a:schemeClr>
-          </a:lnRef>
-          <a:fillRef idx="1">
-            <a:schemeClr val="accent1"/>
-          </a:fillRef>
-          <a:effectRef idx="0">
-            <a:schemeClr val="accent1"/>
-          </a:effectRef>
-          <a:fontRef idx="minor">
-            <a:schemeClr val="lt1"/>
-          </a:fontRef>
-        </p:style>
-        <p:txBody>
-          <a:bodyPr rtlCol="0" anchor="ctr"/>
-          <a:lstStyle/>
-          <a:p>
-            <a:pPr algn="ctr"/>
-            <a:r>
-              <a:rPr lang="en-US" sz="1200" dirty="0" smtClean="0">
-                <a:solidFill>
-                  <a:sysClr val="windowText" lastClr="000000"/>
-                </a:solidFill>
-              </a:rPr>
-              <a:t>Presence-absence</a:t>
-            </a:r>
-            <a:endParaRPr lang="en-US" sz="1200" dirty="0">
-              <a:solidFill>
-                <a:sysClr val="windowText" lastClr="000000"/>
-              </a:solidFill>
-            </a:endParaRPr>
-          </a:p>
-        </p:txBody>
-      </p:sp>
-      <p:cxnSp>
-        <p:nvCxnSpPr>
-          <p:cNvPr id="154" name="Straight Arrow Connector 153"/>
-          <p:cNvCxnSpPr>
-            <a:stCxn id="80" idx="2"/>
-          </p:cNvCxnSpPr>
-          <p:nvPr/>
-        </p:nvCxnSpPr>
-        <p:spPr>
-          <a:xfrm>
-            <a:off x="4906465" y="2054429"/>
-            <a:ext cx="20329" cy="366155"/>
-          </a:xfrm>
-          <a:prstGeom prst="straightConnector1">
-            <a:avLst/>
-          </a:prstGeom>
-          <a:ln w="38100">
-            <a:solidFill>
-              <a:schemeClr val="tx1"/>
-            </a:solidFill>
-            <a:tailEnd type="triangle"/>
-          </a:ln>
-        </p:spPr>
-        <p:style>
-          <a:lnRef idx="1">
-            <a:schemeClr val="accent1"/>
-          </a:lnRef>
-          <a:fillRef idx="0">
-            <a:schemeClr val="accent1"/>
-          </a:fillRef>
-          <a:effectRef idx="0">
-            <a:schemeClr val="accent1"/>
-          </a:effectRef>
-          <a:fontRef idx="minor">
-            <a:schemeClr val="tx1"/>
-          </a:fontRef>
-        </p:style>
-      </p:cxnSp>
-      <p:cxnSp>
-        <p:nvCxnSpPr>
-          <p:cNvPr id="157" name="Straight Connector 156"/>
-          <p:cNvCxnSpPr>
-            <a:endCxn id="111" idx="2"/>
-          </p:cNvCxnSpPr>
-          <p:nvPr/>
-        </p:nvCxnSpPr>
-        <p:spPr>
-          <a:xfrm flipV="1">
-            <a:off x="5694549" y="3706762"/>
-            <a:ext cx="157961" cy="250065"/>
-          </a:xfrm>
-          <a:prstGeom prst="line">
-            <a:avLst/>
-          </a:prstGeom>
-          <a:ln w="38100">
-            <a:solidFill>
-              <a:schemeClr val="tx1"/>
-            </a:solidFill>
-            <a:headEnd type="triangle" w="med" len="med"/>
-            <a:tailEnd type="none" w="med" len="med"/>
-          </a:ln>
-        </p:spPr>
-        <p:style>
-          <a:lnRef idx="1">
-            <a:schemeClr val="accent1"/>
-          </a:lnRef>
-          <a:fillRef idx="0">
-            <a:schemeClr val="accent1"/>
-          </a:fillRef>
-          <a:effectRef idx="0">
-            <a:schemeClr val="accent1"/>
-          </a:effectRef>
-          <a:fontRef idx="minor">
-            <a:schemeClr val="tx1"/>
-          </a:fontRef>
-        </p:style>
-      </p:cxnSp>
-      <p:cxnSp>
-        <p:nvCxnSpPr>
-          <p:cNvPr id="160" name="Straight Connector 159"/>
-          <p:cNvCxnSpPr>
-            <a:stCxn id="144" idx="0"/>
-            <a:endCxn id="140" idx="1"/>
-          </p:cNvCxnSpPr>
-          <p:nvPr/>
-        </p:nvCxnSpPr>
-        <p:spPr>
-          <a:xfrm flipH="1" flipV="1">
-            <a:off x="3138927" y="7059330"/>
-            <a:ext cx="32376" cy="185306"/>
-          </a:xfrm>
-          <a:prstGeom prst="line">
-            <a:avLst/>
-          </a:prstGeom>
-          <a:ln w="38100">
-            <a:solidFill>
-              <a:schemeClr val="tx1"/>
-            </a:solidFill>
-            <a:headEnd type="triangle" w="med" len="med"/>
-            <a:tailEnd type="none" w="med" len="med"/>
-          </a:ln>
-        </p:spPr>
-        <p:style>
-          <a:lnRef idx="1">
-            <a:schemeClr val="accent1"/>
-          </a:lnRef>
-          <a:fillRef idx="0">
-            <a:schemeClr val="accent1"/>
-          </a:fillRef>
-          <a:effectRef idx="0">
-            <a:schemeClr val="accent1"/>
-          </a:effectRef>
-          <a:fontRef idx="minor">
-            <a:schemeClr val="tx1"/>
-          </a:fontRef>
-        </p:style>
-      </p:cxnSp>
-      <p:cxnSp>
-        <p:nvCxnSpPr>
-          <p:cNvPr id="169" name="Straight Connector 168"/>
-          <p:cNvCxnSpPr>
-            <a:stCxn id="146" idx="0"/>
-            <a:endCxn id="140" idx="2"/>
-          </p:cNvCxnSpPr>
-          <p:nvPr/>
-        </p:nvCxnSpPr>
-        <p:spPr>
-          <a:xfrm flipV="1">
-            <a:off x="1321844" y="7059330"/>
-            <a:ext cx="298917" cy="171029"/>
-          </a:xfrm>
-          <a:prstGeom prst="line">
-            <a:avLst/>
-          </a:prstGeom>
-          <a:ln w="38100">
-            <a:solidFill>
-              <a:schemeClr val="tx1"/>
-            </a:solidFill>
-            <a:headEnd type="triangle" w="med" len="med"/>
-            <a:tailEnd type="none" w="med" len="med"/>
-          </a:ln>
-        </p:spPr>
-        <p:style>
-          <a:lnRef idx="1">
-            <a:schemeClr val="accent1"/>
-          </a:lnRef>
-          <a:fillRef idx="0">
-            <a:schemeClr val="accent1"/>
-          </a:fillRef>
-          <a:effectRef idx="0">
-            <a:schemeClr val="accent1"/>
-          </a:effectRef>
-          <a:fontRef idx="minor">
-            <a:schemeClr val="tx1"/>
-          </a:fontRef>
-        </p:style>
-      </p:cxnSp>
-      <p:cxnSp>
-        <p:nvCxnSpPr>
-          <p:cNvPr id="177" name="Straight Arrow Connector 176"/>
-          <p:cNvCxnSpPr>
-            <a:stCxn id="113" idx="2"/>
-            <a:endCxn id="121" idx="0"/>
-          </p:cNvCxnSpPr>
-          <p:nvPr/>
-        </p:nvCxnSpPr>
-        <p:spPr>
-          <a:xfrm flipH="1">
-            <a:off x="4419205" y="4505070"/>
-            <a:ext cx="424298" cy="488260"/>
-          </a:xfrm>
-          <a:prstGeom prst="straightConnector1">
-            <a:avLst/>
-          </a:prstGeom>
-          <a:ln w="38100">
-            <a:solidFill>
-              <a:schemeClr val="tx1"/>
-            </a:solidFill>
-            <a:tailEnd type="triangle"/>
-          </a:ln>
-        </p:spPr>
-        <p:style>
-          <a:lnRef idx="1">
-            <a:schemeClr val="accent1"/>
-          </a:lnRef>
-          <a:fillRef idx="0">
-            <a:schemeClr val="accent1"/>
-          </a:fillRef>
-          <a:effectRef idx="0">
-            <a:schemeClr val="accent1"/>
-          </a:effectRef>
-          <a:fontRef idx="minor">
-            <a:schemeClr val="tx1"/>
-          </a:fontRef>
-        </p:style>
-      </p:cxnSp>
-      <p:cxnSp>
-        <p:nvCxnSpPr>
-          <p:cNvPr id="180" name="Straight Arrow Connector 179"/>
-          <p:cNvCxnSpPr>
-            <a:stCxn id="113" idx="1"/>
-            <a:endCxn id="127" idx="0"/>
-          </p:cNvCxnSpPr>
-          <p:nvPr/>
-        </p:nvCxnSpPr>
-        <p:spPr>
-          <a:xfrm flipH="1">
-            <a:off x="6201316" y="4505070"/>
-            <a:ext cx="160353" cy="488260"/>
-          </a:xfrm>
-          <a:prstGeom prst="straightConnector1">
-            <a:avLst/>
-          </a:prstGeom>
-          <a:ln w="38100">
-            <a:solidFill>
-              <a:schemeClr val="tx1"/>
-            </a:solidFill>
-            <a:tailEnd type="triangle"/>
-          </a:ln>
-        </p:spPr>
-        <p:style>
-          <a:lnRef idx="1">
-            <a:schemeClr val="accent1"/>
-          </a:lnRef>
-          <a:fillRef idx="0">
-            <a:schemeClr val="accent1"/>
-          </a:fillRef>
-          <a:effectRef idx="0">
-            <a:schemeClr val="accent1"/>
-          </a:effectRef>
-          <a:fontRef idx="minor">
-            <a:schemeClr val="tx1"/>
-          </a:fontRef>
-        </p:style>
-      </p:cxnSp>
-      <p:cxnSp>
-        <p:nvCxnSpPr>
-          <p:cNvPr id="183" name="Straight Arrow Connector 182"/>
-          <p:cNvCxnSpPr>
-            <a:endCxn id="124" idx="0"/>
-          </p:cNvCxnSpPr>
-          <p:nvPr/>
-        </p:nvCxnSpPr>
-        <p:spPr>
-          <a:xfrm flipH="1">
-            <a:off x="5354282" y="4505070"/>
-            <a:ext cx="155869" cy="1417981"/>
-          </a:xfrm>
-          <a:prstGeom prst="straightConnector1">
-            <a:avLst/>
-          </a:prstGeom>
-          <a:ln w="38100">
-            <a:solidFill>
-              <a:schemeClr val="tx1"/>
-            </a:solidFill>
-            <a:tailEnd type="triangle"/>
-          </a:ln>
-        </p:spPr>
-        <p:style>
-          <a:lnRef idx="1">
-            <a:schemeClr val="accent1"/>
-          </a:lnRef>
-          <a:fillRef idx="0">
-            <a:schemeClr val="accent1"/>
-          </a:fillRef>
-          <a:effectRef idx="0">
-            <a:schemeClr val="accent1"/>
-          </a:effectRef>
-          <a:fontRef idx="minor">
-            <a:schemeClr val="tx1"/>
-          </a:fontRef>
-        </p:style>
-      </p:cxnSp>
-      <p:sp>
-        <p:nvSpPr>
-          <p:cNvPr id="127" name="Rectangle 126"/>
-          <p:cNvSpPr/>
-          <p:nvPr/>
-        </p:nvSpPr>
-        <p:spPr>
-          <a:xfrm>
-            <a:off x="5655216" y="4993330"/>
-            <a:ext cx="1092200" cy="533400"/>
-          </a:xfrm>
-          <a:prstGeom prst="rect">
-            <a:avLst/>
-          </a:prstGeom>
-          <a:solidFill>
-            <a:schemeClr val="bg1"/>
-          </a:solidFill>
-          <a:ln w="38100">
-            <a:solidFill>
-              <a:schemeClr val="accent2">
-                <a:lumMod val="75000"/>
-              </a:schemeClr>
-            </a:solidFill>
-          </a:ln>
-        </p:spPr>
-        <p:style>
-          <a:lnRef idx="2">
-            <a:schemeClr val="accent1">
-              <a:shade val="50000"/>
-            </a:schemeClr>
-          </a:lnRef>
-          <a:fillRef idx="1">
-            <a:schemeClr val="accent1"/>
-          </a:fillRef>
-          <a:effectRef idx="0">
-            <a:schemeClr val="accent1"/>
-          </a:effectRef>
-          <a:fontRef idx="minor">
-            <a:schemeClr val="lt1"/>
-          </a:fontRef>
-        </p:style>
-        <p:txBody>
-          <a:bodyPr rtlCol="0" anchor="ctr"/>
-          <a:lstStyle/>
-          <a:p>
-            <a:pPr algn="ctr"/>
-            <a:r>
-              <a:rPr lang="en-US" sz="1200" dirty="0" smtClean="0">
-                <a:solidFill>
-                  <a:sysClr val="windowText" lastClr="000000"/>
-                </a:solidFill>
-              </a:rPr>
-              <a:t>Counts</a:t>
-            </a:r>
-            <a:endParaRPr lang="en-US" sz="1200" dirty="0">
-              <a:solidFill>
-                <a:sysClr val="windowText" lastClr="000000"/>
-              </a:solidFill>
-            </a:endParaRPr>
           </a:p>
         </p:txBody>
       </p:sp>
     </p:spTree>
     <p:extLst>
       <p:ext uri="{BB962C8B-B14F-4D97-AF65-F5344CB8AC3E}">
-        <p14:creationId xmlns:p14="http://schemas.microsoft.com/office/powerpoint/2010/main" val="1695696246"/>
-      </p:ext>
-    </p:extLst>
-  </p:cSld>
-  <p:clrMapOvr>
-    <a:masterClrMapping/>
-  </p:clrMapOvr>
-</p:sld>
-</file>
-
-<file path=ppt/slides/slide7.xml><?xml version="1.0" encoding="utf-8"?>
-<p:sld xmlns:a="http://schemas.openxmlformats.org/drawingml/2006/main" xmlns:r="http://schemas.openxmlformats.org/officeDocument/2006/relationships" xmlns:p="http://schemas.openxmlformats.org/presentationml/2006/main">
-  <p:cSld>
-    <p:spTree>
-      <p:nvGrpSpPr>
-        <p:cNvPr id="1" name=""/>
-        <p:cNvGrpSpPr/>
-        <p:nvPr/>
-      </p:nvGrpSpPr>
-      <p:grpSpPr>
-        <a:xfrm>
-          <a:off x="0" y="0"/>
-          <a:ext cx="0" cy="0"/>
-          <a:chOff x="0" y="0"/>
-          <a:chExt cx="0" cy="0"/>
-        </a:xfrm>
-      </p:grpSpPr>
-      <p:graphicFrame>
-        <p:nvGraphicFramePr>
-          <p:cNvPr id="4" name="Table 3"/>
-          <p:cNvGraphicFramePr>
-            <a:graphicFrameLocks noGrp="1"/>
-          </p:cNvGraphicFramePr>
-          <p:nvPr>
-            <p:extLst>
-              <p:ext uri="{D42A27DB-BD31-4B8C-83A1-F6EECF244321}">
-                <p14:modId xmlns:p14="http://schemas.microsoft.com/office/powerpoint/2010/main" val="2214815412"/>
-              </p:ext>
-            </p:extLst>
-          </p:nvPr>
-        </p:nvGraphicFramePr>
-        <p:xfrm>
-          <a:off x="1557052" y="4572000"/>
-          <a:ext cx="3267646" cy="2595880"/>
-        </p:xfrm>
-        <a:graphic>
-          <a:graphicData uri="http://schemas.openxmlformats.org/drawingml/2006/table">
-            <a:tbl>
-              <a:tblPr firstRow="1" bandRow="1">
-                <a:tableStyleId>{5940675A-B579-460E-94D1-54222C63F5DA}</a:tableStyleId>
-              </a:tblPr>
-              <a:tblGrid>
-                <a:gridCol w="1511681"/>
-                <a:gridCol w="1755965"/>
-              </a:tblGrid>
-              <a:tr h="370840">
-                <a:tc>
-                  <a:txBody>
-                    <a:bodyPr/>
-                    <a:lstStyle/>
-                    <a:p>
-                      <a:pPr algn="ctr"/>
-                      <a:r>
-                        <a:rPr lang="en-US" sz="1200" b="1" dirty="0" smtClean="0"/>
-                        <a:t>Perfect detection</a:t>
-                      </a:r>
-                      <a:endParaRPr lang="en-US" sz="1200" b="1" dirty="0"/>
-                    </a:p>
-                  </a:txBody>
-                  <a:tcPr anchor="ctr"/>
-                </a:tc>
-                <a:tc>
-                  <a:txBody>
-                    <a:bodyPr/>
-                    <a:lstStyle/>
-                    <a:p>
-                      <a:pPr algn="ctr"/>
-                      <a:r>
-                        <a:rPr lang="en-US" sz="1200" b="1" dirty="0" smtClean="0"/>
-                        <a:t>Imperfect detection</a:t>
-                      </a:r>
-                      <a:endParaRPr lang="en-US" sz="1200" b="1" dirty="0"/>
-                    </a:p>
-                  </a:txBody>
-                  <a:tcPr anchor="ctr"/>
-                </a:tc>
-              </a:tr>
-              <a:tr h="370840">
-                <a:tc>
-                  <a:txBody>
-                    <a:bodyPr/>
-                    <a:lstStyle/>
-                    <a:p>
-                      <a:pPr algn="ctr"/>
-                      <a:r>
-                        <a:rPr lang="en-US" sz="1200" dirty="0" smtClean="0"/>
-                        <a:t>Logistic regression</a:t>
-                      </a:r>
-                      <a:endParaRPr lang="en-US" sz="1200" dirty="0"/>
-                    </a:p>
-                  </a:txBody>
-                  <a:tcPr anchor="ctr"/>
-                </a:tc>
-                <a:tc>
-                  <a:txBody>
-                    <a:bodyPr/>
-                    <a:lstStyle/>
-                    <a:p>
-                      <a:pPr algn="ctr"/>
-                      <a:r>
-                        <a:rPr lang="en-US" sz="1200" dirty="0" smtClean="0"/>
-                        <a:t>Site-occupancy model</a:t>
-                      </a:r>
-                      <a:endParaRPr lang="en-US" sz="1200" dirty="0"/>
-                    </a:p>
-                  </a:txBody>
-                  <a:tcPr anchor="ctr"/>
-                </a:tc>
-              </a:tr>
-              <a:tr h="370840">
-                <a:tc>
-                  <a:txBody>
-                    <a:bodyPr/>
-                    <a:lstStyle/>
-                    <a:p>
-                      <a:pPr algn="ctr"/>
-                      <a:r>
-                        <a:rPr lang="en-US" sz="1200" dirty="0" smtClean="0"/>
-                        <a:t>Poisson regression</a:t>
-                      </a:r>
-                      <a:endParaRPr lang="en-US" sz="1200" dirty="0"/>
-                    </a:p>
-                  </a:txBody>
-                  <a:tcPr anchor="ctr"/>
-                </a:tc>
-                <a:tc>
-                  <a:txBody>
-                    <a:bodyPr/>
-                    <a:lstStyle/>
-                    <a:p>
-                      <a:pPr algn="ctr"/>
-                      <a:r>
-                        <a:rPr lang="en-US" sz="1200" dirty="0" smtClean="0"/>
-                        <a:t>N-mixture model</a:t>
-                      </a:r>
-                      <a:endParaRPr lang="en-US" sz="1200" dirty="0"/>
-                    </a:p>
-                  </a:txBody>
-                  <a:tcPr anchor="ctr"/>
-                </a:tc>
-              </a:tr>
-              <a:tr h="370840">
-                <a:tc>
-                  <a:txBody>
-                    <a:bodyPr/>
-                    <a:lstStyle/>
-                    <a:p>
-                      <a:pPr algn="ctr"/>
-                      <a:endParaRPr lang="en-US" sz="1200"/>
-                    </a:p>
-                  </a:txBody>
-                  <a:tcPr anchor="ctr"/>
-                </a:tc>
-                <a:tc>
-                  <a:txBody>
-                    <a:bodyPr/>
-                    <a:lstStyle/>
-                    <a:p>
-                      <a:pPr algn="ctr"/>
-                      <a:endParaRPr lang="en-US" sz="1200" dirty="0"/>
-                    </a:p>
-                  </a:txBody>
-                  <a:tcPr anchor="ctr"/>
-                </a:tc>
-              </a:tr>
-              <a:tr h="370840">
-                <a:tc>
-                  <a:txBody>
-                    <a:bodyPr/>
-                    <a:lstStyle/>
-                    <a:p>
-                      <a:pPr algn="ctr"/>
-                      <a:endParaRPr lang="en-US" sz="1200" dirty="0"/>
-                    </a:p>
-                  </a:txBody>
-                  <a:tcPr anchor="ctr"/>
-                </a:tc>
-                <a:tc>
-                  <a:txBody>
-                    <a:bodyPr/>
-                    <a:lstStyle/>
-                    <a:p>
-                      <a:pPr algn="ctr"/>
-                      <a:endParaRPr lang="en-US" sz="1200" dirty="0"/>
-                    </a:p>
-                  </a:txBody>
-                  <a:tcPr anchor="ctr"/>
-                </a:tc>
-              </a:tr>
-              <a:tr h="370840">
-                <a:tc>
-                  <a:txBody>
-                    <a:bodyPr/>
-                    <a:lstStyle/>
-                    <a:p>
-                      <a:pPr algn="ctr"/>
-                      <a:endParaRPr lang="en-US" sz="1200"/>
-                    </a:p>
-                  </a:txBody>
-                  <a:tcPr anchor="ctr"/>
-                </a:tc>
-                <a:tc>
-                  <a:txBody>
-                    <a:bodyPr/>
-                    <a:lstStyle/>
-                    <a:p>
-                      <a:pPr algn="ctr"/>
-                      <a:endParaRPr lang="en-US" sz="1200" dirty="0"/>
-                    </a:p>
-                  </a:txBody>
-                  <a:tcPr anchor="ctr"/>
-                </a:tc>
-              </a:tr>
-              <a:tr h="370840">
-                <a:tc>
-                  <a:txBody>
-                    <a:bodyPr/>
-                    <a:lstStyle/>
-                    <a:p>
-                      <a:pPr algn="ctr"/>
-                      <a:endParaRPr lang="en-US" sz="1200" dirty="0"/>
-                    </a:p>
-                  </a:txBody>
-                  <a:tcPr anchor="ctr"/>
-                </a:tc>
-                <a:tc>
-                  <a:txBody>
-                    <a:bodyPr/>
-                    <a:lstStyle/>
-                    <a:p>
-                      <a:pPr algn="ctr"/>
-                      <a:endParaRPr lang="en-US" sz="1200" dirty="0"/>
-                    </a:p>
-                  </a:txBody>
-                  <a:tcPr anchor="ctr"/>
-                </a:tc>
-              </a:tr>
-            </a:tbl>
-          </a:graphicData>
-        </a:graphic>
-      </p:graphicFrame>
-      <p:sp>
-        <p:nvSpPr>
-          <p:cNvPr id="5" name="TextBox 4"/>
-          <p:cNvSpPr txBox="1"/>
-          <p:nvPr/>
-        </p:nvSpPr>
-        <p:spPr>
-          <a:xfrm>
-            <a:off x="666750" y="514352"/>
-            <a:ext cx="5048250" cy="307777"/>
-          </a:xfrm>
-          <a:prstGeom prst="rect">
-            <a:avLst/>
-          </a:prstGeom>
-          <a:noFill/>
-        </p:spPr>
-        <p:txBody>
-          <a:bodyPr wrap="square" rtlCol="0">
-            <a:spAutoFit/>
-          </a:bodyPr>
-          <a:lstStyle/>
-          <a:p>
-            <a:r>
-              <a:rPr lang="en-US" sz="1400" dirty="0" smtClean="0"/>
-              <a:t>Accounting for observation uncertainty</a:t>
-            </a:r>
-            <a:endParaRPr lang="en-US" sz="1400" dirty="0"/>
-          </a:p>
-        </p:txBody>
-      </p:sp>
-      <p:sp>
-        <p:nvSpPr>
-          <p:cNvPr id="6" name="TextBox 5"/>
-          <p:cNvSpPr txBox="1"/>
-          <p:nvPr/>
-        </p:nvSpPr>
-        <p:spPr>
-          <a:xfrm>
-            <a:off x="666751" y="1204604"/>
-            <a:ext cx="5545207" cy="2677656"/>
-          </a:xfrm>
-          <a:prstGeom prst="rect">
-            <a:avLst/>
-          </a:prstGeom>
-          <a:noFill/>
-        </p:spPr>
-        <p:txBody>
-          <a:bodyPr wrap="square" rtlCol="0">
-            <a:spAutoFit/>
-          </a:bodyPr>
-          <a:lstStyle/>
-          <a:p>
-            <a:r>
-              <a:rPr lang="en-US" sz="1200" dirty="0" smtClean="0"/>
-              <a:t>Why account for observation uncertainty?</a:t>
-            </a:r>
-          </a:p>
-          <a:p>
-            <a:endParaRPr lang="en-US" sz="1200" dirty="0"/>
-          </a:p>
-          <a:p>
-            <a:endParaRPr lang="en-US" sz="1200" dirty="0" smtClean="0"/>
-          </a:p>
-          <a:p>
-            <a:endParaRPr lang="en-US" sz="1200" dirty="0"/>
-          </a:p>
-          <a:p>
-            <a:endParaRPr lang="en-US" sz="1200" dirty="0" smtClean="0"/>
-          </a:p>
-          <a:p>
-            <a:endParaRPr lang="en-US" sz="1200" dirty="0"/>
-          </a:p>
-          <a:p>
-            <a:endParaRPr lang="en-US" sz="1200" dirty="0" smtClean="0"/>
-          </a:p>
-          <a:p>
-            <a:endParaRPr lang="en-US" sz="1200" dirty="0" smtClean="0"/>
-          </a:p>
-          <a:p>
-            <a:endParaRPr lang="en-US" sz="1200" dirty="0"/>
-          </a:p>
-          <a:p>
-            <a:r>
-              <a:rPr lang="en-US" sz="1200" dirty="0" smtClean="0"/>
-              <a:t>Assumptions </a:t>
-            </a:r>
-            <a:r>
-              <a:rPr lang="en-US" sz="1200" dirty="0" smtClean="0"/>
-              <a:t>needed to estimate detection probability:</a:t>
-            </a:r>
-          </a:p>
-          <a:p>
-            <a:pPr marL="285750" indent="-285750">
-              <a:buFontTx/>
-              <a:buChar char="-"/>
-            </a:pPr>
-            <a:r>
-              <a:rPr lang="en-US" sz="1200" dirty="0" smtClean="0"/>
-              <a:t>True site occupancy/abundance does not change between surveys</a:t>
-            </a:r>
-          </a:p>
-          <a:p>
-            <a:pPr marL="285750" indent="-285750">
-              <a:buFontTx/>
-              <a:buChar char="-"/>
-            </a:pPr>
-            <a:r>
-              <a:rPr lang="en-US" sz="1200" dirty="0" smtClean="0"/>
-              <a:t>Detection probability is the same for all sites and surveys OR explained by model covariates (</a:t>
-            </a:r>
-            <a:r>
-              <a:rPr lang="en-US" sz="1200" i="1" dirty="0" smtClean="0"/>
-              <a:t>e.g. </a:t>
-            </a:r>
-            <a:r>
-              <a:rPr lang="en-US" sz="1200" dirty="0" smtClean="0"/>
-              <a:t>weather conditions)</a:t>
-            </a:r>
-          </a:p>
-          <a:p>
-            <a:pPr marL="285750" indent="-285750">
-              <a:buFontTx/>
-              <a:buChar char="-"/>
-            </a:pPr>
-            <a:endParaRPr lang="en-US" sz="1200" dirty="0"/>
-          </a:p>
-        </p:txBody>
-      </p:sp>
-    </p:spTree>
-    <p:extLst>
-      <p:ext uri="{BB962C8B-B14F-4D97-AF65-F5344CB8AC3E}">
-        <p14:creationId xmlns:p14="http://schemas.microsoft.com/office/powerpoint/2010/main" val="1062259750"/>
-      </p:ext>
-    </p:extLst>
-  </p:cSld>
-  <p:clrMapOvr>
-    <a:masterClrMapping/>
-  </p:clrMapOvr>
-</p:sld>
-</file>
-
-<file path=ppt/slides/slide8.xml><?xml version="1.0" encoding="utf-8"?>
-<p:sld xmlns:a="http://schemas.openxmlformats.org/drawingml/2006/main" xmlns:r="http://schemas.openxmlformats.org/officeDocument/2006/relationships" xmlns:p="http://schemas.openxmlformats.org/presentationml/2006/main">
-  <p:cSld>
-    <p:spTree>
-      <p:nvGrpSpPr>
-        <p:cNvPr id="1" name=""/>
-        <p:cNvGrpSpPr/>
-        <p:nvPr/>
-      </p:nvGrpSpPr>
-      <p:grpSpPr>
-        <a:xfrm>
-          <a:off x="0" y="0"/>
-          <a:ext cx="0" cy="0"/>
-          <a:chOff x="0" y="0"/>
-          <a:chExt cx="0" cy="0"/>
-        </a:xfrm>
-      </p:grpSpPr>
-      <p:sp>
-        <p:nvSpPr>
-          <p:cNvPr id="5" name="TextBox 4"/>
-          <p:cNvSpPr txBox="1"/>
-          <p:nvPr/>
-        </p:nvSpPr>
-        <p:spPr>
-          <a:xfrm>
-            <a:off x="666750" y="514350"/>
-            <a:ext cx="5048250" cy="338554"/>
-          </a:xfrm>
-          <a:prstGeom prst="rect">
-            <a:avLst/>
-          </a:prstGeom>
-          <a:noFill/>
-        </p:spPr>
-        <p:txBody>
-          <a:bodyPr wrap="square" rtlCol="0">
-            <a:spAutoFit/>
-          </a:bodyPr>
-          <a:lstStyle/>
-          <a:p>
-            <a:r>
-              <a:rPr lang="en-US" sz="1600" dirty="0" smtClean="0"/>
-              <a:t>Glossary</a:t>
-            </a:r>
-            <a:endParaRPr lang="en-US" sz="1600" dirty="0"/>
-          </a:p>
-        </p:txBody>
-      </p:sp>
-      <p:sp>
-        <p:nvSpPr>
-          <p:cNvPr id="6" name="TextBox 5"/>
-          <p:cNvSpPr txBox="1"/>
-          <p:nvPr/>
-        </p:nvSpPr>
-        <p:spPr>
-          <a:xfrm>
-            <a:off x="666751" y="1125609"/>
-            <a:ext cx="5545207" cy="7294305"/>
-          </a:xfrm>
-          <a:prstGeom prst="rect">
-            <a:avLst/>
-          </a:prstGeom>
-          <a:noFill/>
-        </p:spPr>
-        <p:txBody>
-          <a:bodyPr wrap="square" rtlCol="0">
-            <a:spAutoFit/>
-          </a:bodyPr>
-          <a:lstStyle/>
-          <a:p>
-            <a:pPr marL="285750" marR="0" lvl="0" indent="-285750" defTabSz="914400" eaLnBrk="1" fontAlgn="auto" latinLnBrk="0" hangingPunct="1">
-              <a:lnSpc>
-                <a:spcPct val="300000"/>
-              </a:lnSpc>
-              <a:spcBef>
-                <a:spcPts val="0"/>
-              </a:spcBef>
-              <a:spcAft>
-                <a:spcPts val="0"/>
-              </a:spcAft>
-              <a:buClrTx/>
-              <a:buSzTx/>
-              <a:buFontTx/>
-              <a:buNone/>
-              <a:tabLst/>
-              <a:defRPr/>
-            </a:pPr>
-            <a:r>
-              <a:rPr lang="en-US" sz="1200" b="1" dirty="0" smtClean="0"/>
-              <a:t>Covariate</a:t>
-            </a:r>
-          </a:p>
-          <a:p>
-            <a:pPr marL="285750" marR="0" lvl="0" indent="-285750" defTabSz="914400" eaLnBrk="1" fontAlgn="auto" latinLnBrk="0" hangingPunct="1">
-              <a:lnSpc>
-                <a:spcPct val="300000"/>
-              </a:lnSpc>
-              <a:spcBef>
-                <a:spcPts val="0"/>
-              </a:spcBef>
-              <a:spcAft>
-                <a:spcPts val="0"/>
-              </a:spcAft>
-              <a:buClrTx/>
-              <a:buSzTx/>
-              <a:buFontTx/>
-              <a:buNone/>
-              <a:tabLst/>
-              <a:defRPr/>
-            </a:pPr>
-            <a:r>
-              <a:rPr lang="en-US" sz="1200" b="1" dirty="0" smtClean="0"/>
-              <a:t>Parameter</a:t>
-            </a:r>
-          </a:p>
-          <a:p>
-            <a:pPr marL="285750" marR="0" lvl="0" indent="-285750" defTabSz="914400" eaLnBrk="1" fontAlgn="auto" latinLnBrk="0" hangingPunct="1">
-              <a:lnSpc>
-                <a:spcPct val="300000"/>
-              </a:lnSpc>
-              <a:spcBef>
-                <a:spcPts val="0"/>
-              </a:spcBef>
-              <a:spcAft>
-                <a:spcPts val="0"/>
-              </a:spcAft>
-              <a:buClrTx/>
-              <a:buSzTx/>
-              <a:buFontTx/>
-              <a:buNone/>
-              <a:tabLst/>
-              <a:defRPr/>
-            </a:pPr>
-            <a:r>
-              <a:rPr lang="en-US" sz="1200" b="1" dirty="0" smtClean="0"/>
-              <a:t>Distribution</a:t>
-            </a:r>
-          </a:p>
-          <a:p>
-            <a:pPr marL="285750" marR="0" lvl="0" indent="-285750" defTabSz="914400" eaLnBrk="1" fontAlgn="auto" latinLnBrk="0" hangingPunct="1">
-              <a:lnSpc>
-                <a:spcPct val="300000"/>
-              </a:lnSpc>
-              <a:spcBef>
-                <a:spcPts val="0"/>
-              </a:spcBef>
-              <a:spcAft>
-                <a:spcPts val="0"/>
-              </a:spcAft>
-              <a:buClrTx/>
-              <a:buSzTx/>
-              <a:buFontTx/>
-              <a:buNone/>
-              <a:tabLst/>
-              <a:defRPr/>
-            </a:pPr>
-            <a:r>
-              <a:rPr lang="en-US" sz="1200" b="1" dirty="0" smtClean="0"/>
-              <a:t>Response/dependent variable</a:t>
-            </a:r>
-          </a:p>
-          <a:p>
-            <a:pPr marL="285750" marR="0" lvl="0" indent="-285750" defTabSz="914400" eaLnBrk="1" fontAlgn="auto" latinLnBrk="0" hangingPunct="1">
-              <a:lnSpc>
-                <a:spcPct val="300000"/>
-              </a:lnSpc>
-              <a:spcBef>
-                <a:spcPts val="0"/>
-              </a:spcBef>
-              <a:spcAft>
-                <a:spcPts val="0"/>
-              </a:spcAft>
-              <a:buClrTx/>
-              <a:buSzTx/>
-              <a:buFontTx/>
-              <a:buNone/>
-              <a:tabLst/>
-              <a:defRPr/>
-            </a:pPr>
-            <a:r>
-              <a:rPr lang="en-US" sz="1200" b="1" dirty="0" smtClean="0"/>
-              <a:t>Predictor/independent variable</a:t>
-            </a:r>
-          </a:p>
-          <a:p>
-            <a:pPr marL="285750" marR="0" lvl="0" indent="-285750" defTabSz="914400" eaLnBrk="1" fontAlgn="auto" latinLnBrk="0" hangingPunct="1">
-              <a:lnSpc>
-                <a:spcPct val="300000"/>
-              </a:lnSpc>
-              <a:spcBef>
-                <a:spcPts val="0"/>
-              </a:spcBef>
-              <a:spcAft>
-                <a:spcPts val="0"/>
-              </a:spcAft>
-              <a:buClrTx/>
-              <a:buSzTx/>
-              <a:buFontTx/>
-              <a:buNone/>
-              <a:tabLst/>
-              <a:defRPr/>
-            </a:pPr>
-            <a:r>
-              <a:rPr lang="en-US" sz="1200" b="1" dirty="0" smtClean="0"/>
-              <a:t>Detection </a:t>
-            </a:r>
-            <a:r>
-              <a:rPr lang="en-US" sz="1200" b="1" dirty="0" smtClean="0"/>
-              <a:t>probability</a:t>
-            </a:r>
-          </a:p>
-          <a:p>
-            <a:pPr marL="285750" marR="0" lvl="0" indent="-285750" defTabSz="914400" eaLnBrk="1" fontAlgn="auto" latinLnBrk="0" hangingPunct="1">
-              <a:lnSpc>
-                <a:spcPct val="300000"/>
-              </a:lnSpc>
-              <a:spcBef>
-                <a:spcPts val="0"/>
-              </a:spcBef>
-              <a:spcAft>
-                <a:spcPts val="0"/>
-              </a:spcAft>
-              <a:buClrTx/>
-              <a:buSzTx/>
-              <a:buFontTx/>
-              <a:buNone/>
-              <a:tabLst/>
-              <a:defRPr/>
-            </a:pPr>
-            <a:r>
-              <a:rPr lang="en-US" sz="1200" b="1" dirty="0" smtClean="0"/>
-              <a:t>AIC</a:t>
-            </a:r>
-          </a:p>
-          <a:p>
-            <a:pPr marL="285750" marR="0" lvl="0" indent="-285750" defTabSz="914400" eaLnBrk="1" fontAlgn="auto" latinLnBrk="0" hangingPunct="1">
-              <a:lnSpc>
-                <a:spcPct val="300000"/>
-              </a:lnSpc>
-              <a:spcBef>
-                <a:spcPts val="0"/>
-              </a:spcBef>
-              <a:spcAft>
-                <a:spcPts val="0"/>
-              </a:spcAft>
-              <a:buClrTx/>
-              <a:buSzTx/>
-              <a:buFontTx/>
-              <a:buNone/>
-              <a:tabLst/>
-              <a:defRPr/>
-            </a:pPr>
-            <a:r>
-              <a:rPr lang="en-US" sz="1200" b="1" dirty="0" smtClean="0"/>
-              <a:t>Intercept</a:t>
-            </a:r>
-          </a:p>
-          <a:p>
-            <a:pPr marL="285750" marR="0" lvl="0" indent="-285750" defTabSz="914400" eaLnBrk="1" fontAlgn="auto" latinLnBrk="0" hangingPunct="1">
-              <a:lnSpc>
-                <a:spcPct val="300000"/>
-              </a:lnSpc>
-              <a:spcBef>
-                <a:spcPts val="0"/>
-              </a:spcBef>
-              <a:spcAft>
-                <a:spcPts val="0"/>
-              </a:spcAft>
-              <a:buClrTx/>
-              <a:buSzTx/>
-              <a:buFontTx/>
-              <a:buNone/>
-              <a:tabLst/>
-              <a:defRPr/>
-            </a:pPr>
-            <a:r>
-              <a:rPr lang="en-US" sz="1200" b="1" dirty="0" smtClean="0"/>
-              <a:t>Null model</a:t>
-            </a:r>
-          </a:p>
-          <a:p>
-            <a:pPr marL="285750" marR="0" lvl="0" indent="-285750" defTabSz="914400" eaLnBrk="1" fontAlgn="auto" latinLnBrk="0" hangingPunct="1">
-              <a:lnSpc>
-                <a:spcPct val="300000"/>
-              </a:lnSpc>
-              <a:spcBef>
-                <a:spcPts val="0"/>
-              </a:spcBef>
-              <a:spcAft>
-                <a:spcPts val="0"/>
-              </a:spcAft>
-              <a:buClrTx/>
-              <a:buSzTx/>
-              <a:buFontTx/>
-              <a:buNone/>
-              <a:tabLst/>
-              <a:defRPr/>
-            </a:pPr>
-            <a:r>
-              <a:rPr lang="en-US" sz="1200" b="1" dirty="0" smtClean="0"/>
-              <a:t>Global model</a:t>
-            </a:r>
-          </a:p>
-          <a:p>
-            <a:pPr marL="285750" marR="0" lvl="0" indent="-285750" defTabSz="914400" eaLnBrk="1" fontAlgn="auto" latinLnBrk="0" hangingPunct="1">
-              <a:lnSpc>
-                <a:spcPct val="300000"/>
-              </a:lnSpc>
-              <a:spcBef>
-                <a:spcPts val="0"/>
-              </a:spcBef>
-              <a:spcAft>
-                <a:spcPts val="0"/>
-              </a:spcAft>
-              <a:buClrTx/>
-              <a:buSzTx/>
-              <a:buFontTx/>
-              <a:buNone/>
-              <a:tabLst/>
-              <a:defRPr/>
-            </a:pPr>
-            <a:endParaRPr lang="en-US" sz="1200" b="1" dirty="0" smtClean="0"/>
-          </a:p>
-          <a:p>
-            <a:pPr marL="285750" marR="0" lvl="0" indent="-285750" defTabSz="914400" eaLnBrk="1" fontAlgn="auto" latinLnBrk="0" hangingPunct="1">
-              <a:lnSpc>
-                <a:spcPct val="300000"/>
-              </a:lnSpc>
-              <a:spcBef>
-                <a:spcPts val="0"/>
-              </a:spcBef>
-              <a:spcAft>
-                <a:spcPts val="0"/>
-              </a:spcAft>
-              <a:buClrTx/>
-              <a:buSzTx/>
-              <a:buFontTx/>
-              <a:buNone/>
-              <a:tabLst/>
-              <a:defRPr/>
-            </a:pPr>
-            <a:endParaRPr lang="en-US" sz="1200" b="1" dirty="0" smtClean="0"/>
-          </a:p>
-          <a:p>
-            <a:pPr marL="285750" marR="0" lvl="0" indent="-285750" defTabSz="914400" eaLnBrk="1" fontAlgn="auto" latinLnBrk="0" hangingPunct="1">
-              <a:lnSpc>
-                <a:spcPct val="300000"/>
-              </a:lnSpc>
-              <a:spcBef>
-                <a:spcPts val="0"/>
-              </a:spcBef>
-              <a:spcAft>
-                <a:spcPts val="0"/>
-              </a:spcAft>
-              <a:buClrTx/>
-              <a:buSzTx/>
-              <a:buFontTx/>
-              <a:buNone/>
-              <a:tabLst/>
-              <a:defRPr/>
-            </a:pPr>
-            <a:endParaRPr lang="en-US" sz="1200" b="1" dirty="0"/>
-          </a:p>
-        </p:txBody>
-      </p:sp>
-    </p:spTree>
-    <p:extLst>
-      <p:ext uri="{BB962C8B-B14F-4D97-AF65-F5344CB8AC3E}">
-        <p14:creationId xmlns:p14="http://schemas.microsoft.com/office/powerpoint/2010/main" val="763165370"/>
-      </p:ext>
-    </p:extLst>
-  </p:cSld>
-  <p:clrMapOvr>
-    <a:masterClrMapping/>
-  </p:clrMapOvr>
-</p:sld>
-</file>
-
-<file path=ppt/slides/slide9.xml><?xml version="1.0" encoding="utf-8"?>
-<p:sld xmlns:a="http://schemas.openxmlformats.org/drawingml/2006/main" xmlns:r="http://schemas.openxmlformats.org/officeDocument/2006/relationships" xmlns:p="http://schemas.openxmlformats.org/presentationml/2006/main">
-  <p:cSld>
-    <p:spTree>
-      <p:nvGrpSpPr>
-        <p:cNvPr id="1" name=""/>
-        <p:cNvGrpSpPr/>
-        <p:nvPr/>
-      </p:nvGrpSpPr>
-      <p:grpSpPr>
-        <a:xfrm>
-          <a:off x="0" y="0"/>
-          <a:ext cx="0" cy="0"/>
-          <a:chOff x="0" y="0"/>
-          <a:chExt cx="0" cy="0"/>
-        </a:xfrm>
-      </p:grpSpPr>
-      <p:sp>
-        <p:nvSpPr>
-          <p:cNvPr id="5" name="TextBox 4"/>
-          <p:cNvSpPr txBox="1"/>
-          <p:nvPr/>
-        </p:nvSpPr>
-        <p:spPr>
-          <a:xfrm>
-            <a:off x="666750" y="514352"/>
-            <a:ext cx="5048250" cy="307777"/>
-          </a:xfrm>
-          <a:prstGeom prst="rect">
-            <a:avLst/>
-          </a:prstGeom>
-          <a:noFill/>
-        </p:spPr>
-        <p:txBody>
-          <a:bodyPr wrap="square" rtlCol="0">
-            <a:spAutoFit/>
-          </a:bodyPr>
-          <a:lstStyle/>
-          <a:p>
-            <a:r>
-              <a:rPr lang="en-US" sz="1400" dirty="0" smtClean="0"/>
-              <a:t>Quantifying the three R’s</a:t>
-            </a:r>
-            <a:endParaRPr lang="en-US" sz="1400" dirty="0"/>
-          </a:p>
-        </p:txBody>
-      </p:sp>
-      <p:sp>
-        <p:nvSpPr>
-          <p:cNvPr id="6" name="TextBox 5"/>
-          <p:cNvSpPr txBox="1"/>
-          <p:nvPr/>
-        </p:nvSpPr>
-        <p:spPr>
-          <a:xfrm>
-            <a:off x="666751" y="1125607"/>
-            <a:ext cx="5545207" cy="7663636"/>
-          </a:xfrm>
-          <a:prstGeom prst="rect">
-            <a:avLst/>
-          </a:prstGeom>
-          <a:noFill/>
-        </p:spPr>
-        <p:txBody>
-          <a:bodyPr wrap="square" rtlCol="0">
-            <a:spAutoFit/>
-          </a:bodyPr>
-          <a:lstStyle/>
-          <a:p>
-            <a:pPr marL="285750" marR="0" lvl="0" indent="-285750" defTabSz="914400" eaLnBrk="1" fontAlgn="auto" latinLnBrk="0" hangingPunct="1">
-              <a:lnSpc>
-                <a:spcPct val="100000"/>
-              </a:lnSpc>
-              <a:spcBef>
-                <a:spcPts val="0"/>
-              </a:spcBef>
-              <a:spcAft>
-                <a:spcPts val="0"/>
-              </a:spcAft>
-              <a:buClrTx/>
-              <a:buSzTx/>
-              <a:buFontTx/>
-              <a:buNone/>
-              <a:tabLst/>
-              <a:defRPr/>
-            </a:pPr>
-            <a:r>
-              <a:rPr lang="en-US" sz="1200" b="1" dirty="0" smtClean="0"/>
-              <a:t>Redundancy</a:t>
-            </a:r>
-          </a:p>
-          <a:p>
-            <a:pPr marL="285750" marR="0" lvl="0" indent="-285750" defTabSz="914400" eaLnBrk="1" fontAlgn="auto" latinLnBrk="0" hangingPunct="1">
-              <a:lnSpc>
-                <a:spcPct val="100000"/>
-              </a:lnSpc>
-              <a:spcBef>
-                <a:spcPts val="0"/>
-              </a:spcBef>
-              <a:spcAft>
-                <a:spcPts val="0"/>
-              </a:spcAft>
-              <a:buClrTx/>
-              <a:buSzTx/>
-              <a:buFontTx/>
-              <a:buNone/>
-              <a:tabLst/>
-              <a:defRPr/>
-            </a:pPr>
-            <a:endParaRPr lang="en-US" sz="1200" b="1" dirty="0"/>
-          </a:p>
-          <a:p>
-            <a:pPr marL="285750" marR="0" lvl="0" indent="-285750" defTabSz="914400" eaLnBrk="1" fontAlgn="auto" latinLnBrk="0" hangingPunct="1">
-              <a:lnSpc>
-                <a:spcPct val="100000"/>
-              </a:lnSpc>
-              <a:spcBef>
-                <a:spcPts val="0"/>
-              </a:spcBef>
-              <a:spcAft>
-                <a:spcPts val="0"/>
-              </a:spcAft>
-              <a:buClrTx/>
-              <a:buSzTx/>
-              <a:buFontTx/>
-              <a:buNone/>
-              <a:tabLst/>
-              <a:defRPr/>
-            </a:pPr>
-            <a:endParaRPr lang="en-US" sz="1200" b="1" dirty="0" smtClean="0"/>
-          </a:p>
-          <a:p>
-            <a:pPr marL="285750" marR="0" lvl="0" indent="-285750" defTabSz="914400" eaLnBrk="1" fontAlgn="auto" latinLnBrk="0" hangingPunct="1">
-              <a:lnSpc>
-                <a:spcPct val="100000"/>
-              </a:lnSpc>
-              <a:spcBef>
-                <a:spcPts val="0"/>
-              </a:spcBef>
-              <a:spcAft>
-                <a:spcPts val="0"/>
-              </a:spcAft>
-              <a:buClrTx/>
-              <a:buSzTx/>
-              <a:buFontTx/>
-              <a:buNone/>
-              <a:tabLst/>
-              <a:defRPr/>
-            </a:pPr>
-            <a:endParaRPr lang="en-US" sz="1200" b="1" dirty="0" smtClean="0"/>
-          </a:p>
-          <a:p>
-            <a:pPr marL="285750" marR="0" lvl="0" indent="-285750" defTabSz="914400" eaLnBrk="1" fontAlgn="auto" latinLnBrk="0" hangingPunct="1">
-              <a:lnSpc>
-                <a:spcPct val="100000"/>
-              </a:lnSpc>
-              <a:spcBef>
-                <a:spcPts val="0"/>
-              </a:spcBef>
-              <a:spcAft>
-                <a:spcPts val="0"/>
-              </a:spcAft>
-              <a:buClrTx/>
-              <a:buSzTx/>
-              <a:buFontTx/>
-              <a:buNone/>
-              <a:tabLst/>
-              <a:defRPr/>
-            </a:pPr>
-            <a:endParaRPr lang="en-US" sz="1200" b="1" dirty="0"/>
-          </a:p>
-          <a:p>
-            <a:pPr marL="285750" marR="0" lvl="0" indent="-285750" defTabSz="914400" eaLnBrk="1" fontAlgn="auto" latinLnBrk="0" hangingPunct="1">
-              <a:lnSpc>
-                <a:spcPct val="100000"/>
-              </a:lnSpc>
-              <a:spcBef>
-                <a:spcPts val="0"/>
-              </a:spcBef>
-              <a:spcAft>
-                <a:spcPts val="0"/>
-              </a:spcAft>
-              <a:buClrTx/>
-              <a:buSzTx/>
-              <a:buFontTx/>
-              <a:buNone/>
-              <a:tabLst/>
-              <a:defRPr/>
-            </a:pPr>
-            <a:endParaRPr lang="en-US" sz="1200" b="1" dirty="0"/>
-          </a:p>
-          <a:p>
-            <a:pPr marL="285750" marR="0" lvl="0" indent="-285750" defTabSz="914400" eaLnBrk="1" fontAlgn="auto" latinLnBrk="0" hangingPunct="1">
-              <a:lnSpc>
-                <a:spcPct val="100000"/>
-              </a:lnSpc>
-              <a:spcBef>
-                <a:spcPts val="0"/>
-              </a:spcBef>
-              <a:spcAft>
-                <a:spcPts val="0"/>
-              </a:spcAft>
-              <a:buClrTx/>
-              <a:buSzTx/>
-              <a:buFontTx/>
-              <a:buNone/>
-              <a:tabLst/>
-              <a:defRPr/>
-            </a:pPr>
-            <a:endParaRPr lang="en-US" sz="1200" b="1" dirty="0" smtClean="0"/>
-          </a:p>
-          <a:p>
-            <a:pPr marL="285750" marR="0" lvl="0" indent="-285750" defTabSz="914400" eaLnBrk="1" fontAlgn="auto" latinLnBrk="0" hangingPunct="1">
-              <a:lnSpc>
-                <a:spcPct val="100000"/>
-              </a:lnSpc>
-              <a:spcBef>
-                <a:spcPts val="0"/>
-              </a:spcBef>
-              <a:spcAft>
-                <a:spcPts val="0"/>
-              </a:spcAft>
-              <a:buClrTx/>
-              <a:buSzTx/>
-              <a:buFontTx/>
-              <a:buNone/>
-              <a:tabLst/>
-              <a:defRPr/>
-            </a:pPr>
-            <a:endParaRPr lang="en-US" sz="1200" b="1" dirty="0" smtClean="0"/>
-          </a:p>
-          <a:p>
-            <a:pPr marL="285750" marR="0" lvl="0" indent="-285750" defTabSz="914400" eaLnBrk="1" fontAlgn="auto" latinLnBrk="0" hangingPunct="1">
-              <a:lnSpc>
-                <a:spcPct val="100000"/>
-              </a:lnSpc>
-              <a:spcBef>
-                <a:spcPts val="0"/>
-              </a:spcBef>
-              <a:spcAft>
-                <a:spcPts val="0"/>
-              </a:spcAft>
-              <a:buClrTx/>
-              <a:buSzTx/>
-              <a:buFontTx/>
-              <a:buNone/>
-              <a:tabLst/>
-              <a:defRPr/>
-            </a:pPr>
-            <a:endParaRPr lang="en-US" sz="1200" b="1" dirty="0"/>
-          </a:p>
-          <a:p>
-            <a:pPr marL="285750" marR="0" lvl="0" indent="-285750" defTabSz="914400" eaLnBrk="1" fontAlgn="auto" latinLnBrk="0" hangingPunct="1">
-              <a:lnSpc>
-                <a:spcPct val="100000"/>
-              </a:lnSpc>
-              <a:spcBef>
-                <a:spcPts val="0"/>
-              </a:spcBef>
-              <a:spcAft>
-                <a:spcPts val="0"/>
-              </a:spcAft>
-              <a:buClrTx/>
-              <a:buSzTx/>
-              <a:buFontTx/>
-              <a:buNone/>
-              <a:tabLst/>
-              <a:defRPr/>
-            </a:pPr>
-            <a:endParaRPr lang="en-US" sz="1200" b="1" dirty="0" smtClean="0"/>
-          </a:p>
-          <a:p>
-            <a:pPr marL="285750" marR="0" lvl="0" indent="-285750" defTabSz="914400" eaLnBrk="1" fontAlgn="auto" latinLnBrk="0" hangingPunct="1">
-              <a:lnSpc>
-                <a:spcPct val="100000"/>
-              </a:lnSpc>
-              <a:spcBef>
-                <a:spcPts val="0"/>
-              </a:spcBef>
-              <a:spcAft>
-                <a:spcPts val="0"/>
-              </a:spcAft>
-              <a:buClrTx/>
-              <a:buSzTx/>
-              <a:buFontTx/>
-              <a:buNone/>
-              <a:tabLst/>
-              <a:defRPr/>
-            </a:pPr>
-            <a:endParaRPr lang="en-US" sz="1200" b="1" dirty="0" smtClean="0"/>
-          </a:p>
-          <a:p>
-            <a:pPr marL="285750" marR="0" lvl="0" indent="-285750" defTabSz="914400" eaLnBrk="1" fontAlgn="auto" latinLnBrk="0" hangingPunct="1">
-              <a:lnSpc>
-                <a:spcPct val="100000"/>
-              </a:lnSpc>
-              <a:spcBef>
-                <a:spcPts val="0"/>
-              </a:spcBef>
-              <a:spcAft>
-                <a:spcPts val="0"/>
-              </a:spcAft>
-              <a:buClrTx/>
-              <a:buSzTx/>
-              <a:buFontTx/>
-              <a:buNone/>
-              <a:tabLst/>
-              <a:defRPr/>
-            </a:pPr>
-            <a:endParaRPr lang="en-US" sz="1200" b="1" dirty="0"/>
-          </a:p>
-          <a:p>
-            <a:pPr marL="285750" marR="0" lvl="0" indent="-285750" defTabSz="914400" eaLnBrk="1" fontAlgn="auto" latinLnBrk="0" hangingPunct="1">
-              <a:lnSpc>
-                <a:spcPct val="100000"/>
-              </a:lnSpc>
-              <a:spcBef>
-                <a:spcPts val="0"/>
-              </a:spcBef>
-              <a:spcAft>
-                <a:spcPts val="0"/>
-              </a:spcAft>
-              <a:buClrTx/>
-              <a:buSzTx/>
-              <a:buFontTx/>
-              <a:buNone/>
-              <a:tabLst/>
-              <a:defRPr/>
-            </a:pPr>
-            <a:r>
-              <a:rPr lang="en-US" sz="1200" b="1" dirty="0" smtClean="0"/>
-              <a:t>Resiliency</a:t>
-            </a:r>
-            <a:endParaRPr lang="en-US" sz="1200" b="1" dirty="0" smtClean="0"/>
-          </a:p>
-          <a:p>
-            <a:pPr marL="285750" marR="0" lvl="0" indent="-285750" defTabSz="914400" eaLnBrk="1" fontAlgn="auto" latinLnBrk="0" hangingPunct="1">
-              <a:lnSpc>
-                <a:spcPct val="100000"/>
-              </a:lnSpc>
-              <a:spcBef>
-                <a:spcPts val="0"/>
-              </a:spcBef>
-              <a:spcAft>
-                <a:spcPts val="0"/>
-              </a:spcAft>
-              <a:buClrTx/>
-              <a:buSzTx/>
-              <a:buFontTx/>
-              <a:buNone/>
-              <a:tabLst/>
-              <a:defRPr/>
-            </a:pPr>
-            <a:endParaRPr lang="en-US" sz="1200" b="1" dirty="0"/>
-          </a:p>
-          <a:p>
-            <a:pPr marL="285750" marR="0" lvl="0" indent="-285750" defTabSz="914400" eaLnBrk="1" fontAlgn="auto" latinLnBrk="0" hangingPunct="1">
-              <a:lnSpc>
-                <a:spcPct val="100000"/>
-              </a:lnSpc>
-              <a:spcBef>
-                <a:spcPts val="0"/>
-              </a:spcBef>
-              <a:spcAft>
-                <a:spcPts val="0"/>
-              </a:spcAft>
-              <a:buClrTx/>
-              <a:buSzTx/>
-              <a:buFontTx/>
-              <a:buNone/>
-              <a:tabLst/>
-              <a:defRPr/>
-            </a:pPr>
-            <a:endParaRPr lang="en-US" sz="1200" b="1" dirty="0" smtClean="0"/>
-          </a:p>
-          <a:p>
-            <a:pPr marL="285750" marR="0" lvl="0" indent="-285750" defTabSz="914400" eaLnBrk="1" fontAlgn="auto" latinLnBrk="0" hangingPunct="1">
-              <a:lnSpc>
-                <a:spcPct val="100000"/>
-              </a:lnSpc>
-              <a:spcBef>
-                <a:spcPts val="0"/>
-              </a:spcBef>
-              <a:spcAft>
-                <a:spcPts val="0"/>
-              </a:spcAft>
-              <a:buClrTx/>
-              <a:buSzTx/>
-              <a:buFontTx/>
-              <a:buNone/>
-              <a:tabLst/>
-              <a:defRPr/>
-            </a:pPr>
-            <a:endParaRPr lang="en-US" sz="1200" b="1" dirty="0" smtClean="0"/>
-          </a:p>
-          <a:p>
-            <a:pPr marL="285750" marR="0" lvl="0" indent="-285750" defTabSz="914400" eaLnBrk="1" fontAlgn="auto" latinLnBrk="0" hangingPunct="1">
-              <a:lnSpc>
-                <a:spcPct val="100000"/>
-              </a:lnSpc>
-              <a:spcBef>
-                <a:spcPts val="0"/>
-              </a:spcBef>
-              <a:spcAft>
-                <a:spcPts val="0"/>
-              </a:spcAft>
-              <a:buClrTx/>
-              <a:buSzTx/>
-              <a:buFontTx/>
-              <a:buNone/>
-              <a:tabLst/>
-              <a:defRPr/>
-            </a:pPr>
-            <a:endParaRPr lang="en-US" sz="1200" b="1" dirty="0"/>
-          </a:p>
-          <a:p>
-            <a:pPr marL="285750" marR="0" lvl="0" indent="-285750" defTabSz="914400" eaLnBrk="1" fontAlgn="auto" latinLnBrk="0" hangingPunct="1">
-              <a:lnSpc>
-                <a:spcPct val="100000"/>
-              </a:lnSpc>
-              <a:spcBef>
-                <a:spcPts val="0"/>
-              </a:spcBef>
-              <a:spcAft>
-                <a:spcPts val="0"/>
-              </a:spcAft>
-              <a:buClrTx/>
-              <a:buSzTx/>
-              <a:buFontTx/>
-              <a:buNone/>
-              <a:tabLst/>
-              <a:defRPr/>
-            </a:pPr>
-            <a:endParaRPr lang="en-US" sz="1200" b="1" dirty="0" smtClean="0"/>
-          </a:p>
-          <a:p>
-            <a:pPr marL="285750" marR="0" lvl="0" indent="-285750" defTabSz="914400" eaLnBrk="1" fontAlgn="auto" latinLnBrk="0" hangingPunct="1">
-              <a:lnSpc>
-                <a:spcPct val="100000"/>
-              </a:lnSpc>
-              <a:spcBef>
-                <a:spcPts val="0"/>
-              </a:spcBef>
-              <a:spcAft>
-                <a:spcPts val="0"/>
-              </a:spcAft>
-              <a:buClrTx/>
-              <a:buSzTx/>
-              <a:buFontTx/>
-              <a:buNone/>
-              <a:tabLst/>
-              <a:defRPr/>
-            </a:pPr>
-            <a:endParaRPr lang="en-US" sz="1200" b="1" dirty="0"/>
-          </a:p>
-          <a:p>
-            <a:pPr marL="285750" marR="0" lvl="0" indent="-285750" defTabSz="914400" eaLnBrk="1" fontAlgn="auto" latinLnBrk="0" hangingPunct="1">
-              <a:lnSpc>
-                <a:spcPct val="100000"/>
-              </a:lnSpc>
-              <a:spcBef>
-                <a:spcPts val="0"/>
-              </a:spcBef>
-              <a:spcAft>
-                <a:spcPts val="0"/>
-              </a:spcAft>
-              <a:buClrTx/>
-              <a:buSzTx/>
-              <a:buFontTx/>
-              <a:buNone/>
-              <a:tabLst/>
-              <a:defRPr/>
-            </a:pPr>
-            <a:endParaRPr lang="en-US" sz="1200" b="1" dirty="0"/>
-          </a:p>
-          <a:p>
-            <a:pPr marL="285750" marR="0" lvl="0" indent="-285750" defTabSz="914400" eaLnBrk="1" fontAlgn="auto" latinLnBrk="0" hangingPunct="1">
-              <a:lnSpc>
-                <a:spcPct val="100000"/>
-              </a:lnSpc>
-              <a:spcBef>
-                <a:spcPts val="0"/>
-              </a:spcBef>
-              <a:spcAft>
-                <a:spcPts val="0"/>
-              </a:spcAft>
-              <a:buClrTx/>
-              <a:buSzTx/>
-              <a:buFontTx/>
-              <a:buNone/>
-              <a:tabLst/>
-              <a:defRPr/>
-            </a:pPr>
-            <a:endParaRPr lang="en-US" sz="1200" b="1" dirty="0" smtClean="0"/>
-          </a:p>
-          <a:p>
-            <a:pPr marL="285750" marR="0" lvl="0" indent="-285750" defTabSz="914400" eaLnBrk="1" fontAlgn="auto" latinLnBrk="0" hangingPunct="1">
-              <a:lnSpc>
-                <a:spcPct val="100000"/>
-              </a:lnSpc>
-              <a:spcBef>
-                <a:spcPts val="0"/>
-              </a:spcBef>
-              <a:spcAft>
-                <a:spcPts val="0"/>
-              </a:spcAft>
-              <a:buClrTx/>
-              <a:buSzTx/>
-              <a:buFontTx/>
-              <a:buNone/>
-              <a:tabLst/>
-              <a:defRPr/>
-            </a:pPr>
-            <a:endParaRPr lang="en-US" sz="1200" b="1" dirty="0"/>
-          </a:p>
-          <a:p>
-            <a:pPr marL="285750" marR="0" lvl="0" indent="-285750" defTabSz="914400" eaLnBrk="1" fontAlgn="auto" latinLnBrk="0" hangingPunct="1">
-              <a:lnSpc>
-                <a:spcPct val="100000"/>
-              </a:lnSpc>
-              <a:spcBef>
-                <a:spcPts val="0"/>
-              </a:spcBef>
-              <a:spcAft>
-                <a:spcPts val="0"/>
-              </a:spcAft>
-              <a:buClrTx/>
-              <a:buSzTx/>
-              <a:buFontTx/>
-              <a:buNone/>
-              <a:tabLst/>
-              <a:defRPr/>
-            </a:pPr>
-            <a:endParaRPr lang="en-US" sz="1200" b="1" dirty="0" smtClean="0"/>
-          </a:p>
-          <a:p>
-            <a:pPr marL="285750" marR="0" lvl="0" indent="-285750" defTabSz="914400" eaLnBrk="1" fontAlgn="auto" latinLnBrk="0" hangingPunct="1">
-              <a:lnSpc>
-                <a:spcPct val="100000"/>
-              </a:lnSpc>
-              <a:spcBef>
-                <a:spcPts val="0"/>
-              </a:spcBef>
-              <a:spcAft>
-                <a:spcPts val="0"/>
-              </a:spcAft>
-              <a:buClrTx/>
-              <a:buSzTx/>
-              <a:buFontTx/>
-              <a:buNone/>
-              <a:tabLst/>
-              <a:defRPr/>
-            </a:pPr>
-            <a:endParaRPr lang="en-US" sz="1200" b="1" dirty="0"/>
-          </a:p>
-          <a:p>
-            <a:pPr marL="285750" marR="0" lvl="0" indent="-285750" defTabSz="914400" eaLnBrk="1" fontAlgn="auto" latinLnBrk="0" hangingPunct="1">
-              <a:lnSpc>
-                <a:spcPct val="100000"/>
-              </a:lnSpc>
-              <a:spcBef>
-                <a:spcPts val="0"/>
-              </a:spcBef>
-              <a:spcAft>
-                <a:spcPts val="0"/>
-              </a:spcAft>
-              <a:buClrTx/>
-              <a:buSzTx/>
-              <a:buFontTx/>
-              <a:buNone/>
-              <a:tabLst/>
-              <a:defRPr/>
-            </a:pPr>
-            <a:endParaRPr lang="en-US" sz="1200" b="1" dirty="0" smtClean="0"/>
-          </a:p>
-          <a:p>
-            <a:pPr marL="285750" marR="0" lvl="0" indent="-285750" defTabSz="914400" eaLnBrk="1" fontAlgn="auto" latinLnBrk="0" hangingPunct="1">
-              <a:lnSpc>
-                <a:spcPct val="100000"/>
-              </a:lnSpc>
-              <a:spcBef>
-                <a:spcPts val="0"/>
-              </a:spcBef>
-              <a:spcAft>
-                <a:spcPts val="0"/>
-              </a:spcAft>
-              <a:buClrTx/>
-              <a:buSzTx/>
-              <a:buFontTx/>
-              <a:buNone/>
-              <a:tabLst/>
-              <a:defRPr/>
-            </a:pPr>
-            <a:endParaRPr lang="en-US" sz="1200" b="1" dirty="0"/>
-          </a:p>
-          <a:p>
-            <a:pPr marL="285750" marR="0" lvl="0" indent="-285750" defTabSz="914400" eaLnBrk="1" fontAlgn="auto" latinLnBrk="0" hangingPunct="1">
-              <a:lnSpc>
-                <a:spcPct val="100000"/>
-              </a:lnSpc>
-              <a:spcBef>
-                <a:spcPts val="0"/>
-              </a:spcBef>
-              <a:spcAft>
-                <a:spcPts val="0"/>
-              </a:spcAft>
-              <a:buClrTx/>
-              <a:buSzTx/>
-              <a:buFontTx/>
-              <a:buNone/>
-              <a:tabLst/>
-              <a:defRPr/>
-            </a:pPr>
-            <a:endParaRPr lang="en-US" sz="1200" b="1" dirty="0" smtClean="0"/>
-          </a:p>
-          <a:p>
-            <a:pPr marL="285750" marR="0" lvl="0" indent="-285750" defTabSz="914400" eaLnBrk="1" fontAlgn="auto" latinLnBrk="0" hangingPunct="1">
-              <a:lnSpc>
-                <a:spcPct val="100000"/>
-              </a:lnSpc>
-              <a:spcBef>
-                <a:spcPts val="0"/>
-              </a:spcBef>
-              <a:spcAft>
-                <a:spcPts val="0"/>
-              </a:spcAft>
-              <a:buClrTx/>
-              <a:buSzTx/>
-              <a:buFontTx/>
-              <a:buNone/>
-              <a:tabLst/>
-              <a:defRPr/>
-            </a:pPr>
-            <a:endParaRPr lang="en-US" sz="1200" b="1" dirty="0"/>
-          </a:p>
-          <a:p>
-            <a:pPr marL="285750" marR="0" lvl="0" indent="-285750" defTabSz="914400" eaLnBrk="1" fontAlgn="auto" latinLnBrk="0" hangingPunct="1">
-              <a:lnSpc>
-                <a:spcPct val="100000"/>
-              </a:lnSpc>
-              <a:spcBef>
-                <a:spcPts val="0"/>
-              </a:spcBef>
-              <a:spcAft>
-                <a:spcPts val="0"/>
-              </a:spcAft>
-              <a:buClrTx/>
-              <a:buSzTx/>
-              <a:buFontTx/>
-              <a:buNone/>
-              <a:tabLst/>
-              <a:defRPr/>
-            </a:pPr>
-            <a:endParaRPr lang="en-US" sz="1200" b="1" dirty="0" smtClean="0"/>
-          </a:p>
-          <a:p>
-            <a:pPr marL="285750" marR="0" lvl="0" indent="-285750" defTabSz="914400" eaLnBrk="1" fontAlgn="auto" latinLnBrk="0" hangingPunct="1">
-              <a:lnSpc>
-                <a:spcPct val="100000"/>
-              </a:lnSpc>
-              <a:spcBef>
-                <a:spcPts val="0"/>
-              </a:spcBef>
-              <a:spcAft>
-                <a:spcPts val="0"/>
-              </a:spcAft>
-              <a:buClrTx/>
-              <a:buSzTx/>
-              <a:buFontTx/>
-              <a:buNone/>
-              <a:tabLst/>
-              <a:defRPr/>
-            </a:pPr>
-            <a:r>
-              <a:rPr lang="en-US" sz="1200" b="1" dirty="0" smtClean="0"/>
-              <a:t>Representation</a:t>
-            </a:r>
-          </a:p>
-          <a:p>
-            <a:pPr marL="285750" marR="0" lvl="0" indent="-285750" defTabSz="914400" eaLnBrk="1" fontAlgn="auto" latinLnBrk="0" hangingPunct="1">
-              <a:lnSpc>
-                <a:spcPct val="100000"/>
-              </a:lnSpc>
-              <a:spcBef>
-                <a:spcPts val="0"/>
-              </a:spcBef>
-              <a:spcAft>
-                <a:spcPts val="0"/>
-              </a:spcAft>
-              <a:buClrTx/>
-              <a:buSzTx/>
-              <a:buFontTx/>
-              <a:buNone/>
-              <a:tabLst/>
-              <a:defRPr/>
-            </a:pPr>
-            <a:endParaRPr lang="en-US" sz="1200" b="1" dirty="0"/>
-          </a:p>
-          <a:p>
-            <a:pPr marL="285750" marR="0" lvl="0" indent="-285750" defTabSz="914400" eaLnBrk="1" fontAlgn="auto" latinLnBrk="0" hangingPunct="1">
-              <a:lnSpc>
-                <a:spcPct val="100000"/>
-              </a:lnSpc>
-              <a:spcBef>
-                <a:spcPts val="0"/>
-              </a:spcBef>
-              <a:spcAft>
-                <a:spcPts val="0"/>
-              </a:spcAft>
-              <a:buClrTx/>
-              <a:buSzTx/>
-              <a:buFontTx/>
-              <a:buNone/>
-              <a:tabLst/>
-              <a:defRPr/>
-            </a:pPr>
-            <a:endParaRPr lang="en-US" sz="1200" b="1" dirty="0" smtClean="0"/>
-          </a:p>
-          <a:p>
-            <a:pPr marL="285750" marR="0" lvl="0" indent="-285750" defTabSz="914400" eaLnBrk="1" fontAlgn="auto" latinLnBrk="0" hangingPunct="1">
-              <a:lnSpc>
-                <a:spcPct val="100000"/>
-              </a:lnSpc>
-              <a:spcBef>
-                <a:spcPts val="0"/>
-              </a:spcBef>
-              <a:spcAft>
-                <a:spcPts val="0"/>
-              </a:spcAft>
-              <a:buClrTx/>
-              <a:buSzTx/>
-              <a:buFontTx/>
-              <a:buNone/>
-              <a:tabLst/>
-              <a:defRPr/>
-            </a:pPr>
-            <a:endParaRPr lang="en-US" sz="1200" b="1" dirty="0"/>
-          </a:p>
-          <a:p>
-            <a:pPr marL="285750" marR="0" lvl="0" indent="-285750" defTabSz="914400" eaLnBrk="1" fontAlgn="auto" latinLnBrk="0" hangingPunct="1">
-              <a:lnSpc>
-                <a:spcPct val="100000"/>
-              </a:lnSpc>
-              <a:spcBef>
-                <a:spcPts val="0"/>
-              </a:spcBef>
-              <a:spcAft>
-                <a:spcPts val="0"/>
-              </a:spcAft>
-              <a:buClrTx/>
-              <a:buSzTx/>
-              <a:buFontTx/>
-              <a:buNone/>
-              <a:tabLst/>
-              <a:defRPr/>
-            </a:pPr>
-            <a:endParaRPr lang="en-US" sz="1200" b="1" dirty="0" smtClean="0"/>
-          </a:p>
-          <a:p>
-            <a:pPr marL="285750" marR="0" lvl="0" indent="-285750" defTabSz="914400" eaLnBrk="1" fontAlgn="auto" latinLnBrk="0" hangingPunct="1">
-              <a:lnSpc>
-                <a:spcPct val="100000"/>
-              </a:lnSpc>
-              <a:spcBef>
-                <a:spcPts val="0"/>
-              </a:spcBef>
-              <a:spcAft>
-                <a:spcPts val="0"/>
-              </a:spcAft>
-              <a:buClrTx/>
-              <a:buSzTx/>
-              <a:buFontTx/>
-              <a:buNone/>
-              <a:tabLst/>
-              <a:defRPr/>
-            </a:pPr>
-            <a:endParaRPr lang="en-US" sz="1200" b="1" dirty="0"/>
-          </a:p>
-          <a:p>
-            <a:pPr marL="285750" marR="0" lvl="0" indent="-285750" defTabSz="914400" eaLnBrk="1" fontAlgn="auto" latinLnBrk="0" hangingPunct="1">
-              <a:lnSpc>
-                <a:spcPct val="100000"/>
-              </a:lnSpc>
-              <a:spcBef>
-                <a:spcPts val="0"/>
-              </a:spcBef>
-              <a:spcAft>
-                <a:spcPts val="0"/>
-              </a:spcAft>
-              <a:buClrTx/>
-              <a:buSzTx/>
-              <a:buFontTx/>
-              <a:buNone/>
-              <a:tabLst/>
-              <a:defRPr/>
-            </a:pPr>
-            <a:endParaRPr lang="en-US" sz="1200" b="1" dirty="0" smtClean="0"/>
-          </a:p>
-          <a:p>
-            <a:pPr marL="285750" marR="0" lvl="0" indent="-285750" defTabSz="914400" eaLnBrk="1" fontAlgn="auto" latinLnBrk="0" hangingPunct="1">
-              <a:lnSpc>
-                <a:spcPct val="100000"/>
-              </a:lnSpc>
-              <a:spcBef>
-                <a:spcPts val="0"/>
-              </a:spcBef>
-              <a:spcAft>
-                <a:spcPts val="0"/>
-              </a:spcAft>
-              <a:buClrTx/>
-              <a:buSzTx/>
-              <a:buFontTx/>
-              <a:buNone/>
-              <a:tabLst/>
-              <a:defRPr/>
-            </a:pPr>
-            <a:endParaRPr lang="en-US" sz="1200" b="1" dirty="0"/>
-          </a:p>
-          <a:p>
-            <a:pPr marL="285750" marR="0" lvl="0" indent="-285750" defTabSz="914400" eaLnBrk="1" fontAlgn="auto" latinLnBrk="0" hangingPunct="1">
-              <a:lnSpc>
-                <a:spcPct val="100000"/>
-              </a:lnSpc>
-              <a:spcBef>
-                <a:spcPts val="0"/>
-              </a:spcBef>
-              <a:spcAft>
-                <a:spcPts val="0"/>
-              </a:spcAft>
-              <a:buClrTx/>
-              <a:buSzTx/>
-              <a:buFontTx/>
-              <a:buNone/>
-              <a:tabLst/>
-              <a:defRPr/>
-            </a:pPr>
-            <a:endParaRPr lang="en-US" sz="1200" b="1" dirty="0" smtClean="0"/>
-          </a:p>
-          <a:p>
-            <a:pPr marL="285750" marR="0" lvl="0" indent="-285750" defTabSz="914400" eaLnBrk="1" fontAlgn="auto" latinLnBrk="0" hangingPunct="1">
-              <a:lnSpc>
-                <a:spcPct val="100000"/>
-              </a:lnSpc>
-              <a:spcBef>
-                <a:spcPts val="0"/>
-              </a:spcBef>
-              <a:spcAft>
-                <a:spcPts val="0"/>
-              </a:spcAft>
-              <a:buClrTx/>
-              <a:buSzTx/>
-              <a:buFontTx/>
-              <a:buNone/>
-              <a:tabLst/>
-              <a:defRPr/>
-            </a:pPr>
-            <a:endParaRPr lang="en-US" sz="1200" b="1" dirty="0" smtClean="0"/>
-          </a:p>
-          <a:p>
-            <a:pPr marL="285750" marR="0" lvl="0" indent="-285750" defTabSz="914400" eaLnBrk="1" fontAlgn="auto" latinLnBrk="0" hangingPunct="1">
-              <a:lnSpc>
-                <a:spcPct val="100000"/>
-              </a:lnSpc>
-              <a:spcBef>
-                <a:spcPts val="0"/>
-              </a:spcBef>
-              <a:spcAft>
-                <a:spcPts val="0"/>
-              </a:spcAft>
-              <a:buClrTx/>
-              <a:buSzTx/>
-              <a:buFontTx/>
-              <a:buNone/>
-              <a:tabLst/>
-              <a:defRPr/>
-            </a:pPr>
-            <a:endParaRPr lang="en-US" sz="1200" b="1" dirty="0"/>
-          </a:p>
-          <a:p>
-            <a:pPr marL="285750" marR="0" lvl="0" indent="-285750" defTabSz="914400" eaLnBrk="1" fontAlgn="auto" latinLnBrk="0" hangingPunct="1">
-              <a:lnSpc>
-                <a:spcPct val="100000"/>
-              </a:lnSpc>
-              <a:spcBef>
-                <a:spcPts val="0"/>
-              </a:spcBef>
-              <a:spcAft>
-                <a:spcPts val="0"/>
-              </a:spcAft>
-              <a:buClrTx/>
-              <a:buSzTx/>
-              <a:buFontTx/>
-              <a:buNone/>
-              <a:tabLst/>
-              <a:defRPr/>
-            </a:pPr>
-            <a:endParaRPr lang="en-US" sz="1200" b="1" dirty="0"/>
-          </a:p>
-        </p:txBody>
-      </p:sp>
-    </p:spTree>
-    <p:extLst>
-      <p:ext uri="{BB962C8B-B14F-4D97-AF65-F5344CB8AC3E}">
-        <p14:creationId xmlns:p14="http://schemas.microsoft.com/office/powerpoint/2010/main" val="1262184260"/>
+        <p14:creationId xmlns:p14="http://schemas.microsoft.com/office/powerpoint/2010/main" val="2961731176"/>
       </p:ext>
     </p:extLst>
   </p:cSld>
@@ -17253,7 +13927,7 @@
   <a:extraClrSchemeLst/>
   <a:extLst>
     <a:ext uri="{05A4C25C-085E-4340-85A3-A5531E510DB2}">
-      <thm15:themeFamily xmlns="" xmlns:thm15="http://schemas.microsoft.com/office/thememl/2012/main" name="Office Theme" id="{62F939B6-93AF-4DB8-9C6B-D6C7DFDC589F}" vid="{4A3C46E8-61CC-4603-A589-7422A47A8E4A}"/>
+      <thm15:themeFamily xmlns:thm15="http://schemas.microsoft.com/office/thememl/2012/main" name="Office Theme" id="{62F939B6-93AF-4DB8-9C6B-D6C7DFDC589F}" vid="{4A3C46E8-61CC-4603-A589-7422A47A8E4A}"/>
     </a:ext>
   </a:extLst>
 </a:theme>
@@ -17514,7 +14188,7 @@
   <a:extraClrSchemeLst/>
   <a:extLst>
     <a:ext uri="{05A4C25C-085E-4340-85A3-A5531E510DB2}">
-      <thm15:themeFamily xmlns="" xmlns:thm15="http://schemas.microsoft.com/office/thememl/2012/main" name="Office Theme" id="{62F939B6-93AF-4DB8-9C6B-D6C7DFDC589F}" vid="{4A3C46E8-61CC-4603-A589-7422A47A8E4A}"/>
+      <thm15:themeFamily xmlns:thm15="http://schemas.microsoft.com/office/thememl/2012/main" name="Office Theme" id="{62F939B6-93AF-4DB8-9C6B-D6C7DFDC589F}" vid="{4A3C46E8-61CC-4603-A589-7422A47A8E4A}"/>
     </a:ext>
   </a:extLst>
 </a:theme>
